--- a/validation_results.pptx
+++ b/validation_results.pptx
@@ -5,7 +5,7 @@
     <p:sldMasterId id="2147483648" r:id="rId1"/>
   </p:sldMasterIdLst>
   <p:notesMasterIdLst>
-    <p:notesMasterId r:id="rId13"/>
+    <p:notesMasterId r:id="rId14"/>
   </p:notesMasterIdLst>
   <p:sldIdLst>
     <p:sldId id="260" r:id="rId2"/>
@@ -19,6 +19,7 @@
     <p:sldId id="266" r:id="rId10"/>
     <p:sldId id="271" r:id="rId11"/>
     <p:sldId id="259" r:id="rId12"/>
+    <p:sldId id="273" r:id="rId13"/>
   </p:sldIdLst>
   <p:sldSz cx="12192000" cy="6858000"/>
   <p:notesSz cx="6858000" cy="9144000"/>
@@ -207,7 +208,7 @@
           <a:p>
             <a:fld id="{45E6649E-9A8E-422B-B24E-DB4BFF164051}" type="datetimeFigureOut">
               <a:rPr lang="en-US" smtClean="0"/>
-              <a:t>7/29/2025</a:t>
+              <a:t>7/31/2025</a:t>
             </a:fld>
             <a:endParaRPr lang="en-US"/>
           </a:p>
@@ -621,7 +622,7 @@
           <a:p>
             <a:fld id="{6107D1DB-75BF-4160-8443-3D68D9EE6D63}" type="datetime1">
               <a:rPr lang="en-US" smtClean="0"/>
-              <a:t>7/29/2025</a:t>
+              <a:t>7/31/2025</a:t>
             </a:fld>
             <a:endParaRPr lang="en-US"/>
           </a:p>
@@ -819,7 +820,7 @@
           <a:p>
             <a:fld id="{1D71F3DB-A418-4B11-A5C9-DDE3A90E6B79}" type="datetime1">
               <a:rPr lang="en-US" smtClean="0"/>
-              <a:t>7/29/2025</a:t>
+              <a:t>7/31/2025</a:t>
             </a:fld>
             <a:endParaRPr lang="en-US"/>
           </a:p>
@@ -1027,7 +1028,7 @@
           <a:p>
             <a:fld id="{A712BFCA-0293-496E-B74F-46BB799AF43C}" type="datetime1">
               <a:rPr lang="en-US" smtClean="0"/>
-              <a:t>7/29/2025</a:t>
+              <a:t>7/31/2025</a:t>
             </a:fld>
             <a:endParaRPr lang="en-US"/>
           </a:p>
@@ -1225,7 +1226,7 @@
           <a:p>
             <a:fld id="{E54AE16B-A67F-45EB-A1E1-5D2E472CD9B9}" type="datetime1">
               <a:rPr lang="en-US" smtClean="0"/>
-              <a:t>7/29/2025</a:t>
+              <a:t>7/31/2025</a:t>
             </a:fld>
             <a:endParaRPr lang="en-US"/>
           </a:p>
@@ -1500,7 +1501,7 @@
           <a:p>
             <a:fld id="{9A2321D0-1716-4344-9325-DF672DFAF1F3}" type="datetime1">
               <a:rPr lang="en-US" smtClean="0"/>
-              <a:t>7/29/2025</a:t>
+              <a:t>7/31/2025</a:t>
             </a:fld>
             <a:endParaRPr lang="en-US"/>
           </a:p>
@@ -1765,7 +1766,7 @@
           <a:p>
             <a:fld id="{29B46B06-0C75-4C62-AF6B-10BED3EBE226}" type="datetime1">
               <a:rPr lang="en-US" smtClean="0"/>
-              <a:t>7/29/2025</a:t>
+              <a:t>7/31/2025</a:t>
             </a:fld>
             <a:endParaRPr lang="en-US"/>
           </a:p>
@@ -2177,7 +2178,7 @@
           <a:p>
             <a:fld id="{565259A9-176F-4BD0-B4AC-A377C89EBE2A}" type="datetime1">
               <a:rPr lang="en-US" smtClean="0"/>
-              <a:t>7/29/2025</a:t>
+              <a:t>7/31/2025</a:t>
             </a:fld>
             <a:endParaRPr lang="en-US"/>
           </a:p>
@@ -2318,7 +2319,7 @@
           <a:p>
             <a:fld id="{04D72311-A2DA-4C37-8940-DBB3AA3B80C6}" type="datetime1">
               <a:rPr lang="en-US" smtClean="0"/>
-              <a:t>7/29/2025</a:t>
+              <a:t>7/31/2025</a:t>
             </a:fld>
             <a:endParaRPr lang="en-US"/>
           </a:p>
@@ -2431,7 +2432,7 @@
           <a:p>
             <a:fld id="{0550C383-2E11-40B7-AA89-98AB224D34CC}" type="datetime1">
               <a:rPr lang="en-US" smtClean="0"/>
-              <a:t>7/29/2025</a:t>
+              <a:t>7/31/2025</a:t>
             </a:fld>
             <a:endParaRPr lang="en-US"/>
           </a:p>
@@ -2742,7 +2743,7 @@
           <a:p>
             <a:fld id="{AE2E9B79-8A1E-4881-9DCD-8B9CB59E2A4F}" type="datetime1">
               <a:rPr lang="en-US" smtClean="0"/>
-              <a:t>7/29/2025</a:t>
+              <a:t>7/31/2025</a:t>
             </a:fld>
             <a:endParaRPr lang="en-US"/>
           </a:p>
@@ -3030,7 +3031,7 @@
           <a:p>
             <a:fld id="{8986B0B8-2F97-4340-AFDE-113547E522B3}" type="datetime1">
               <a:rPr lang="en-US" smtClean="0"/>
-              <a:t>7/29/2025</a:t>
+              <a:t>7/31/2025</a:t>
             </a:fld>
             <a:endParaRPr lang="en-US"/>
           </a:p>
@@ -3271,7 +3272,7 @@
           <a:p>
             <a:fld id="{A1FEB2F6-0EEB-4518-A185-6035627DD751}" type="datetime1">
               <a:rPr lang="en-US" smtClean="0"/>
-              <a:t>7/29/2025</a:t>
+              <a:t>7/31/2025</a:t>
             </a:fld>
             <a:endParaRPr lang="en-US"/>
           </a:p>
@@ -4127,6 +4128,163 @@
     <p:extLst>
       <p:ext uri="{BB962C8B-B14F-4D97-AF65-F5344CB8AC3E}">
         <p14:creationId xmlns:p14="http://schemas.microsoft.com/office/powerpoint/2010/main" val="1430555641"/>
+      </p:ext>
+    </p:extLst>
+  </p:cSld>
+  <p:clrMapOvr>
+    <a:masterClrMapping/>
+  </p:clrMapOvr>
+</p:sld>
+</file>
+
+<file path=ppt/slides/slide12.xml><?xml version="1.0" encoding="utf-8"?>
+<p:sld xmlns:a="http://schemas.openxmlformats.org/drawingml/2006/main" xmlns:r="http://schemas.openxmlformats.org/officeDocument/2006/relationships" xmlns:p="http://schemas.openxmlformats.org/presentationml/2006/main">
+  <p:cSld>
+    <p:spTree>
+      <p:nvGrpSpPr>
+        <p:cNvPr id="1" name=""/>
+        <p:cNvGrpSpPr/>
+        <p:nvPr/>
+      </p:nvGrpSpPr>
+      <p:grpSpPr>
+        <a:xfrm>
+          <a:off x="0" y="0"/>
+          <a:ext cx="0" cy="0"/>
+          <a:chOff x="0" y="0"/>
+          <a:chExt cx="0" cy="0"/>
+        </a:xfrm>
+      </p:grpSpPr>
+      <p:sp>
+        <p:nvSpPr>
+          <p:cNvPr id="2" name="Slide Number Placeholder 1">
+            <a:extLst>
+              <a:ext uri="{FF2B5EF4-FFF2-40B4-BE49-F238E27FC236}">
+                <a16:creationId xmlns:a16="http://schemas.microsoft.com/office/drawing/2014/main" id="{79B79D86-291E-4FD1-99CD-0CE6AEF1129F}"/>
+              </a:ext>
+            </a:extLst>
+          </p:cNvPr>
+          <p:cNvSpPr>
+            <a:spLocks noGrp="1"/>
+          </p:cNvSpPr>
+          <p:nvPr>
+            <p:ph type="sldNum" sz="quarter" idx="12"/>
+          </p:nvPr>
+        </p:nvSpPr>
+        <p:spPr/>
+        <p:txBody>
+          <a:bodyPr/>
+          <a:lstStyle/>
+          <a:p>
+            <a:fld id="{4E4388CE-8408-4C4D-B35A-15C296EFDD48}" type="slidenum">
+              <a:rPr lang="en-US" smtClean="0"/>
+              <a:t>12</a:t>
+            </a:fld>
+            <a:endParaRPr lang="en-US"/>
+          </a:p>
+        </p:txBody>
+      </p:sp>
+      <p:pic>
+        <p:nvPicPr>
+          <p:cNvPr id="4" name="Picture 3">
+            <a:extLst>
+              <a:ext uri="{FF2B5EF4-FFF2-40B4-BE49-F238E27FC236}">
+                <a16:creationId xmlns:a16="http://schemas.microsoft.com/office/drawing/2014/main" id="{98086999-8C16-4B03-8B9D-679C036C1413}"/>
+              </a:ext>
+            </a:extLst>
+          </p:cNvPr>
+          <p:cNvPicPr>
+            <a:picLocks noChangeAspect="1"/>
+          </p:cNvPicPr>
+          <p:nvPr/>
+        </p:nvPicPr>
+        <p:blipFill>
+          <a:blip r:embed="rId2"/>
+          <a:stretch>
+            <a:fillRect/>
+          </a:stretch>
+        </p:blipFill>
+        <p:spPr>
+          <a:xfrm>
+            <a:off x="246269" y="0"/>
+            <a:ext cx="6388908" cy="6858000"/>
+          </a:xfrm>
+          <a:prstGeom prst="rect">
+            <a:avLst/>
+          </a:prstGeom>
+        </p:spPr>
+      </p:pic>
+      <p:sp>
+        <p:nvSpPr>
+          <p:cNvPr id="6" name="TextBox 5">
+            <a:extLst>
+              <a:ext uri="{FF2B5EF4-FFF2-40B4-BE49-F238E27FC236}">
+                <a16:creationId xmlns:a16="http://schemas.microsoft.com/office/drawing/2014/main" id="{FC0193F7-A299-4AC5-8BE9-868C8ABCF5F6}"/>
+              </a:ext>
+            </a:extLst>
+          </p:cNvPr>
+          <p:cNvSpPr txBox="1"/>
+          <p:nvPr/>
+        </p:nvSpPr>
+        <p:spPr>
+          <a:xfrm>
+            <a:off x="7200899" y="1441938"/>
+            <a:ext cx="4325815" cy="2400657"/>
+          </a:xfrm>
+          <a:prstGeom prst="rect">
+            <a:avLst/>
+          </a:prstGeom>
+          <a:noFill/>
+        </p:spPr>
+        <p:txBody>
+          <a:bodyPr wrap="square" rtlCol="0">
+            <a:spAutoFit/>
+          </a:bodyPr>
+          <a:lstStyle/>
+          <a:p>
+            <a:r>
+              <a:rPr lang="pt-BR" sz="1000" dirty="0"/>
+              <a:t>Sem Concordância de Mudança (Cinza): Esta é a categoria de base. Um pixel é cinza se, ao longo de toda a série temporal, nunca houve um momento em que as duas coleções concordassem sobre uma mudança (seja ganho ou perda) naquele </a:t>
+            </a:r>
+            <a:r>
+              <a:rPr lang="pt-BR" sz="1000" dirty="0" err="1"/>
+              <a:t>local.Ganho</a:t>
+            </a:r>
+            <a:r>
+              <a:rPr lang="pt-BR" sz="1000" dirty="0"/>
+              <a:t> Dominante (Azul): Um pixel é azul se a soma total da concordância sobre os ganhos foi maior do que a soma total da concordância sobre as perdas. Isso indica que, embora ambos os tipos de concordância pudessem ter ocorrido, a concordância sobre os ganhos foi a mais forte ou a única a </a:t>
+            </a:r>
+            <a:r>
+              <a:rPr lang="pt-BR" sz="1000" dirty="0" err="1"/>
+              <a:t>ocorrer.Perda</a:t>
+            </a:r>
+            <a:r>
+              <a:rPr lang="pt-BR" sz="1000" dirty="0"/>
+              <a:t> Dominante (Vermelho): Um pixel é vermelho se a soma total da concordância sobre as perdas foi maior do que a soma total da concordância sobre as ganhos. Isso mostra que a concordância sobre as perdas foi o evento predominante naquele </a:t>
+            </a:r>
+            <a:r>
+              <a:rPr lang="pt-BR" sz="1000" dirty="0" err="1"/>
+              <a:t>local.Concordância</a:t>
+            </a:r>
+            <a:r>
+              <a:rPr lang="pt-BR" sz="1000" dirty="0"/>
+              <a:t> Mista (Ganho = Perda) (Roxo): Um pixel é roxo se a magnitude da concordância sobre os ganhos foi exatamente igual à magnitude da concordância sobre as perdas (e ambas não são zero). Isso representa um equilíbrio, indicando que o local experimentou concordância sobre "</a:t>
+            </a:r>
+            <a:r>
+              <a:rPr lang="pt-BR" sz="1000" dirty="0" err="1"/>
+              <a:t>alternation</a:t>
+            </a:r>
+            <a:r>
+              <a:rPr lang="pt-BR" sz="1000" dirty="0"/>
+              <a:t>" (ganhos e perdas) na mesma medida.</a:t>
+            </a:r>
+            <a:endParaRPr lang="en-US" sz="1000" dirty="0"/>
+          </a:p>
+        </p:txBody>
+      </p:sp>
+    </p:spTree>
+    <p:extLst>
+      <p:ext uri="{BB962C8B-B14F-4D97-AF65-F5344CB8AC3E}">
+        <p14:creationId xmlns:p14="http://schemas.microsoft.com/office/powerpoint/2010/main" val="1277300885"/>
       </p:ext>
     </p:extLst>
   </p:cSld>

--- a/validation_results.pptx
+++ b/validation_results.pptx
@@ -5,7 +5,7 @@
     <p:sldMasterId id="2147483648" r:id="rId1"/>
   </p:sldMasterIdLst>
   <p:notesMasterIdLst>
-    <p:notesMasterId r:id="rId14"/>
+    <p:notesMasterId r:id="rId16"/>
   </p:notesMasterIdLst>
   <p:sldIdLst>
     <p:sldId id="260" r:id="rId2"/>
@@ -19,7 +19,9 @@
     <p:sldId id="266" r:id="rId10"/>
     <p:sldId id="271" r:id="rId11"/>
     <p:sldId id="259" r:id="rId12"/>
-    <p:sldId id="273" r:id="rId13"/>
+    <p:sldId id="274" r:id="rId13"/>
+    <p:sldId id="275" r:id="rId14"/>
+    <p:sldId id="273" r:id="rId15"/>
   </p:sldIdLst>
   <p:sldSz cx="12192000" cy="6858000"/>
   <p:notesSz cx="6858000" cy="9144000"/>
@@ -4159,7 +4161,7 @@
           <p:cNvPr id="2" name="Slide Number Placeholder 1">
             <a:extLst>
               <a:ext uri="{FF2B5EF4-FFF2-40B4-BE49-F238E27FC236}">
-                <a16:creationId xmlns:a16="http://schemas.microsoft.com/office/drawing/2014/main" id="{79B79D86-291E-4FD1-99CD-0CE6AEF1129F}"/>
+                <a16:creationId xmlns:a16="http://schemas.microsoft.com/office/drawing/2014/main" id="{63F1E131-719E-40F7-ACFA-41F545521E94}"/>
               </a:ext>
             </a:extLst>
           </p:cNvPr>
@@ -4178,6 +4180,184 @@
             <a:fld id="{4E4388CE-8408-4C4D-B35A-15C296EFDD48}" type="slidenum">
               <a:rPr lang="en-US" smtClean="0"/>
               <a:t>12</a:t>
+            </a:fld>
+            <a:endParaRPr lang="en-US"/>
+          </a:p>
+        </p:txBody>
+      </p:sp>
+      <p:pic>
+        <p:nvPicPr>
+          <p:cNvPr id="4" name="Picture 3">
+            <a:extLst>
+              <a:ext uri="{FF2B5EF4-FFF2-40B4-BE49-F238E27FC236}">
+                <a16:creationId xmlns:a16="http://schemas.microsoft.com/office/drawing/2014/main" id="{D25327FD-694A-4382-9783-38CF6177AC0A}"/>
+              </a:ext>
+            </a:extLst>
+          </p:cNvPr>
+          <p:cNvPicPr>
+            <a:picLocks noChangeAspect="1"/>
+          </p:cNvPicPr>
+          <p:nvPr/>
+        </p:nvPicPr>
+        <p:blipFill>
+          <a:blip r:embed="rId2"/>
+          <a:stretch>
+            <a:fillRect/>
+          </a:stretch>
+        </p:blipFill>
+        <p:spPr>
+          <a:xfrm>
+            <a:off x="0" y="332619"/>
+            <a:ext cx="12192000" cy="6192762"/>
+          </a:xfrm>
+          <a:prstGeom prst="rect">
+            <a:avLst/>
+          </a:prstGeom>
+        </p:spPr>
+      </p:pic>
+    </p:spTree>
+    <p:extLst>
+      <p:ext uri="{BB962C8B-B14F-4D97-AF65-F5344CB8AC3E}">
+        <p14:creationId xmlns:p14="http://schemas.microsoft.com/office/powerpoint/2010/main" val="2329111490"/>
+      </p:ext>
+    </p:extLst>
+  </p:cSld>
+  <p:clrMapOvr>
+    <a:masterClrMapping/>
+  </p:clrMapOvr>
+</p:sld>
+</file>
+
+<file path=ppt/slides/slide13.xml><?xml version="1.0" encoding="utf-8"?>
+<p:sld xmlns:a="http://schemas.openxmlformats.org/drawingml/2006/main" xmlns:r="http://schemas.openxmlformats.org/officeDocument/2006/relationships" xmlns:p="http://schemas.openxmlformats.org/presentationml/2006/main">
+  <p:cSld>
+    <p:spTree>
+      <p:nvGrpSpPr>
+        <p:cNvPr id="1" name=""/>
+        <p:cNvGrpSpPr/>
+        <p:nvPr/>
+      </p:nvGrpSpPr>
+      <p:grpSpPr>
+        <a:xfrm>
+          <a:off x="0" y="0"/>
+          <a:ext cx="0" cy="0"/>
+          <a:chOff x="0" y="0"/>
+          <a:chExt cx="0" cy="0"/>
+        </a:xfrm>
+      </p:grpSpPr>
+      <p:sp>
+        <p:nvSpPr>
+          <p:cNvPr id="2" name="Slide Number Placeholder 1">
+            <a:extLst>
+              <a:ext uri="{FF2B5EF4-FFF2-40B4-BE49-F238E27FC236}">
+                <a16:creationId xmlns:a16="http://schemas.microsoft.com/office/drawing/2014/main" id="{2ABD0883-2D61-4002-9ED1-57BE382746DF}"/>
+              </a:ext>
+            </a:extLst>
+          </p:cNvPr>
+          <p:cNvSpPr>
+            <a:spLocks noGrp="1"/>
+          </p:cNvSpPr>
+          <p:nvPr>
+            <p:ph type="sldNum" sz="quarter" idx="12"/>
+          </p:nvPr>
+        </p:nvSpPr>
+        <p:spPr/>
+        <p:txBody>
+          <a:bodyPr/>
+          <a:lstStyle/>
+          <a:p>
+            <a:fld id="{4E4388CE-8408-4C4D-B35A-15C296EFDD48}" type="slidenum">
+              <a:rPr lang="en-US" smtClean="0"/>
+              <a:t>13</a:t>
+            </a:fld>
+            <a:endParaRPr lang="en-US"/>
+          </a:p>
+        </p:txBody>
+      </p:sp>
+      <p:pic>
+        <p:nvPicPr>
+          <p:cNvPr id="4" name="Picture 3">
+            <a:extLst>
+              <a:ext uri="{FF2B5EF4-FFF2-40B4-BE49-F238E27FC236}">
+                <a16:creationId xmlns:a16="http://schemas.microsoft.com/office/drawing/2014/main" id="{FF6BCA8F-9EF3-42D8-AB30-FE59F5A2EEFA}"/>
+              </a:ext>
+            </a:extLst>
+          </p:cNvPr>
+          <p:cNvPicPr>
+            <a:picLocks noChangeAspect="1"/>
+          </p:cNvPicPr>
+          <p:nvPr/>
+        </p:nvPicPr>
+        <p:blipFill>
+          <a:blip r:embed="rId2"/>
+          <a:stretch>
+            <a:fillRect/>
+          </a:stretch>
+        </p:blipFill>
+        <p:spPr>
+          <a:xfrm>
+            <a:off x="0" y="314643"/>
+            <a:ext cx="12192000" cy="6228714"/>
+          </a:xfrm>
+          <a:prstGeom prst="rect">
+            <a:avLst/>
+          </a:prstGeom>
+        </p:spPr>
+      </p:pic>
+    </p:spTree>
+    <p:extLst>
+      <p:ext uri="{BB962C8B-B14F-4D97-AF65-F5344CB8AC3E}">
+        <p14:creationId xmlns:p14="http://schemas.microsoft.com/office/powerpoint/2010/main" val="2782486928"/>
+      </p:ext>
+    </p:extLst>
+  </p:cSld>
+  <p:clrMapOvr>
+    <a:masterClrMapping/>
+  </p:clrMapOvr>
+</p:sld>
+</file>
+
+<file path=ppt/slides/slide14.xml><?xml version="1.0" encoding="utf-8"?>
+<p:sld xmlns:a="http://schemas.openxmlformats.org/drawingml/2006/main" xmlns:r="http://schemas.openxmlformats.org/officeDocument/2006/relationships" xmlns:p="http://schemas.openxmlformats.org/presentationml/2006/main">
+  <p:cSld>
+    <p:spTree>
+      <p:nvGrpSpPr>
+        <p:cNvPr id="1" name=""/>
+        <p:cNvGrpSpPr/>
+        <p:nvPr/>
+      </p:nvGrpSpPr>
+      <p:grpSpPr>
+        <a:xfrm>
+          <a:off x="0" y="0"/>
+          <a:ext cx="0" cy="0"/>
+          <a:chOff x="0" y="0"/>
+          <a:chExt cx="0" cy="0"/>
+        </a:xfrm>
+      </p:grpSpPr>
+      <p:sp>
+        <p:nvSpPr>
+          <p:cNvPr id="2" name="Slide Number Placeholder 1">
+            <a:extLst>
+              <a:ext uri="{FF2B5EF4-FFF2-40B4-BE49-F238E27FC236}">
+                <a16:creationId xmlns:a16="http://schemas.microsoft.com/office/drawing/2014/main" id="{79B79D86-291E-4FD1-99CD-0CE6AEF1129F}"/>
+              </a:ext>
+            </a:extLst>
+          </p:cNvPr>
+          <p:cNvSpPr>
+            <a:spLocks noGrp="1"/>
+          </p:cNvSpPr>
+          <p:nvPr>
+            <p:ph type="sldNum" sz="quarter" idx="12"/>
+          </p:nvPr>
+        </p:nvSpPr>
+        <p:spPr/>
+        <p:txBody>
+          <a:bodyPr/>
+          <a:lstStyle/>
+          <a:p>
+            <a:fld id="{4E4388CE-8408-4C4D-B35A-15C296EFDD48}" type="slidenum">
+              <a:rPr lang="en-US" smtClean="0"/>
+              <a:t>14</a:t>
             </a:fld>
             <a:endParaRPr lang="en-US"/>
           </a:p>

--- a/validation_results.pptx
+++ b/validation_results.pptx
@@ -5,23 +5,32 @@
     <p:sldMasterId id="2147483648" r:id="rId1"/>
   </p:sldMasterIdLst>
   <p:notesMasterIdLst>
-    <p:notesMasterId r:id="rId16"/>
+    <p:notesMasterId r:id="rId25"/>
   </p:notesMasterIdLst>
   <p:sldIdLst>
     <p:sldId id="260" r:id="rId2"/>
     <p:sldId id="256" r:id="rId3"/>
     <p:sldId id="267" r:id="rId4"/>
     <p:sldId id="268" r:id="rId5"/>
-    <p:sldId id="265" r:id="rId6"/>
-    <p:sldId id="269" r:id="rId7"/>
-    <p:sldId id="270" r:id="rId8"/>
-    <p:sldId id="272" r:id="rId9"/>
-    <p:sldId id="266" r:id="rId10"/>
-    <p:sldId id="271" r:id="rId11"/>
-    <p:sldId id="259" r:id="rId12"/>
-    <p:sldId id="274" r:id="rId13"/>
-    <p:sldId id="275" r:id="rId14"/>
-    <p:sldId id="273" r:id="rId15"/>
+    <p:sldId id="276" r:id="rId6"/>
+    <p:sldId id="278" r:id="rId7"/>
+    <p:sldId id="279" r:id="rId8"/>
+    <p:sldId id="280" r:id="rId9"/>
+    <p:sldId id="281" r:id="rId10"/>
+    <p:sldId id="265" r:id="rId11"/>
+    <p:sldId id="269" r:id="rId12"/>
+    <p:sldId id="270" r:id="rId13"/>
+    <p:sldId id="272" r:id="rId14"/>
+    <p:sldId id="266" r:id="rId15"/>
+    <p:sldId id="271" r:id="rId16"/>
+    <p:sldId id="274" r:id="rId17"/>
+    <p:sldId id="277" r:id="rId18"/>
+    <p:sldId id="282" r:id="rId19"/>
+    <p:sldId id="283" r:id="rId20"/>
+    <p:sldId id="284" r:id="rId21"/>
+    <p:sldId id="287" r:id="rId22"/>
+    <p:sldId id="286" r:id="rId23"/>
+    <p:sldId id="273" r:id="rId24"/>
   </p:sldIdLst>
   <p:sldSz cx="12192000" cy="6858000"/>
   <p:notesSz cx="6858000" cy="9144000"/>
@@ -210,7 +219,7 @@
           <a:p>
             <a:fld id="{45E6649E-9A8E-422B-B24E-DB4BFF164051}" type="datetimeFigureOut">
               <a:rPr lang="en-US" smtClean="0"/>
-              <a:t>7/31/2025</a:t>
+              <a:t>8/5/2025</a:t>
             </a:fld>
             <a:endParaRPr lang="en-US"/>
           </a:p>
@@ -624,7 +633,7 @@
           <a:p>
             <a:fld id="{6107D1DB-75BF-4160-8443-3D68D9EE6D63}" type="datetime1">
               <a:rPr lang="en-US" smtClean="0"/>
-              <a:t>7/31/2025</a:t>
+              <a:t>8/5/2025</a:t>
             </a:fld>
             <a:endParaRPr lang="en-US"/>
           </a:p>
@@ -822,7 +831,7 @@
           <a:p>
             <a:fld id="{1D71F3DB-A418-4B11-A5C9-DDE3A90E6B79}" type="datetime1">
               <a:rPr lang="en-US" smtClean="0"/>
-              <a:t>7/31/2025</a:t>
+              <a:t>8/5/2025</a:t>
             </a:fld>
             <a:endParaRPr lang="en-US"/>
           </a:p>
@@ -1030,7 +1039,7 @@
           <a:p>
             <a:fld id="{A712BFCA-0293-496E-B74F-46BB799AF43C}" type="datetime1">
               <a:rPr lang="en-US" smtClean="0"/>
-              <a:t>7/31/2025</a:t>
+              <a:t>8/5/2025</a:t>
             </a:fld>
             <a:endParaRPr lang="en-US"/>
           </a:p>
@@ -1228,7 +1237,7 @@
           <a:p>
             <a:fld id="{E54AE16B-A67F-45EB-A1E1-5D2E472CD9B9}" type="datetime1">
               <a:rPr lang="en-US" smtClean="0"/>
-              <a:t>7/31/2025</a:t>
+              <a:t>8/5/2025</a:t>
             </a:fld>
             <a:endParaRPr lang="en-US"/>
           </a:p>
@@ -1503,7 +1512,7 @@
           <a:p>
             <a:fld id="{9A2321D0-1716-4344-9325-DF672DFAF1F3}" type="datetime1">
               <a:rPr lang="en-US" smtClean="0"/>
-              <a:t>7/31/2025</a:t>
+              <a:t>8/5/2025</a:t>
             </a:fld>
             <a:endParaRPr lang="en-US"/>
           </a:p>
@@ -1768,7 +1777,7 @@
           <a:p>
             <a:fld id="{29B46B06-0C75-4C62-AF6B-10BED3EBE226}" type="datetime1">
               <a:rPr lang="en-US" smtClean="0"/>
-              <a:t>7/31/2025</a:t>
+              <a:t>8/5/2025</a:t>
             </a:fld>
             <a:endParaRPr lang="en-US"/>
           </a:p>
@@ -2180,7 +2189,7 @@
           <a:p>
             <a:fld id="{565259A9-176F-4BD0-B4AC-A377C89EBE2A}" type="datetime1">
               <a:rPr lang="en-US" smtClean="0"/>
-              <a:t>7/31/2025</a:t>
+              <a:t>8/5/2025</a:t>
             </a:fld>
             <a:endParaRPr lang="en-US"/>
           </a:p>
@@ -2321,7 +2330,7 @@
           <a:p>
             <a:fld id="{04D72311-A2DA-4C37-8940-DBB3AA3B80C6}" type="datetime1">
               <a:rPr lang="en-US" smtClean="0"/>
-              <a:t>7/31/2025</a:t>
+              <a:t>8/5/2025</a:t>
             </a:fld>
             <a:endParaRPr lang="en-US"/>
           </a:p>
@@ -2434,7 +2443,7 @@
           <a:p>
             <a:fld id="{0550C383-2E11-40B7-AA89-98AB224D34CC}" type="datetime1">
               <a:rPr lang="en-US" smtClean="0"/>
-              <a:t>7/31/2025</a:t>
+              <a:t>8/5/2025</a:t>
             </a:fld>
             <a:endParaRPr lang="en-US"/>
           </a:p>
@@ -2745,7 +2754,7 @@
           <a:p>
             <a:fld id="{AE2E9B79-8A1E-4881-9DCD-8B9CB59E2A4F}" type="datetime1">
               <a:rPr lang="en-US" smtClean="0"/>
-              <a:t>7/31/2025</a:t>
+              <a:t>8/5/2025</a:t>
             </a:fld>
             <a:endParaRPr lang="en-US"/>
           </a:p>
@@ -3033,7 +3042,7 @@
           <a:p>
             <a:fld id="{8986B0B8-2F97-4340-AFDE-113547E522B3}" type="datetime1">
               <a:rPr lang="en-US" smtClean="0"/>
-              <a:t>7/31/2025</a:t>
+              <a:t>8/5/2025</a:t>
             </a:fld>
             <a:endParaRPr lang="en-US"/>
           </a:p>
@@ -3274,7 +3283,7 @@
           <a:p>
             <a:fld id="{A1FEB2F6-0EEB-4518-A185-6035627DD751}" type="datetime1">
               <a:rPr lang="en-US" smtClean="0"/>
-              <a:t>7/31/2025</a:t>
+              <a:t>8/5/2025</a:t>
             </a:fld>
             <a:endParaRPr lang="en-US"/>
           </a:p>
@@ -3810,85 +3819,74 @@
           <a:chExt cx="0" cy="0"/>
         </a:xfrm>
       </p:grpSpPr>
-      <p:pic>
-        <p:nvPicPr>
-          <p:cNvPr id="7" name="Picture 6">
-            <a:extLst>
-              <a:ext uri="{FF2B5EF4-FFF2-40B4-BE49-F238E27FC236}">
-                <a16:creationId xmlns:a16="http://schemas.microsoft.com/office/drawing/2014/main" id="{952A4C88-53CA-4F11-8307-A7FFAA61B46E}"/>
-              </a:ext>
-            </a:extLst>
-          </p:cNvPr>
-          <p:cNvPicPr>
-            <a:picLocks noChangeAspect="1"/>
-          </p:cNvPicPr>
-          <p:nvPr/>
-        </p:nvPicPr>
-        <p:blipFill>
-          <a:blip r:embed="rId2">
-            <a:extLst>
-              <a:ext uri="{28A0092B-C50C-407E-A947-70E740481C1C}">
-                <a14:useLocalDpi xmlns:a14="http://schemas.microsoft.com/office/drawing/2010/main" val="0"/>
-              </a:ext>
-            </a:extLst>
-          </a:blip>
-          <a:srcRect/>
-          <a:stretch/>
-        </p:blipFill>
-        <p:spPr>
-          <a:xfrm>
-            <a:off x="1780727" y="1169958"/>
-            <a:ext cx="9052578" cy="5379731"/>
-          </a:xfrm>
-          <a:prstGeom prst="rect">
-            <a:avLst/>
-          </a:prstGeom>
-        </p:spPr>
-      </p:pic>
-      <p:sp>
-        <p:nvSpPr>
-          <p:cNvPr id="8" name="TextBox 7">
-            <a:extLst>
-              <a:ext uri="{FF2B5EF4-FFF2-40B4-BE49-F238E27FC236}">
-                <a16:creationId xmlns:a16="http://schemas.microsoft.com/office/drawing/2014/main" id="{7B317ED1-98FF-4CEC-875C-811749FDBE2E}"/>
-              </a:ext>
-            </a:extLst>
-          </p:cNvPr>
-          <p:cNvSpPr txBox="1"/>
-          <p:nvPr/>
-        </p:nvSpPr>
-        <p:spPr>
-          <a:xfrm>
-            <a:off x="316523" y="362930"/>
-            <a:ext cx="10691446" cy="584775"/>
-          </a:xfrm>
-          <a:prstGeom prst="rect">
-            <a:avLst/>
-          </a:prstGeom>
-          <a:noFill/>
-        </p:spPr>
-        <p:txBody>
-          <a:bodyPr wrap="square" rtlCol="0">
-            <a:spAutoFit/>
-          </a:bodyPr>
-          <a:lstStyle/>
-          <a:p>
-            <a:r>
-              <a:rPr lang="en-US" sz="3200" dirty="0">
+      <p:sp>
+        <p:nvSpPr>
+          <p:cNvPr id="3" name="Title 2">
+            <a:extLst>
+              <a:ext uri="{FF2B5EF4-FFF2-40B4-BE49-F238E27FC236}">
+                <a16:creationId xmlns:a16="http://schemas.microsoft.com/office/drawing/2014/main" id="{FD846386-E384-4475-837E-0CEE3E9D7C02}"/>
+              </a:ext>
+            </a:extLst>
+          </p:cNvPr>
+          <p:cNvSpPr>
+            <a:spLocks noGrp="1"/>
+          </p:cNvSpPr>
+          <p:nvPr>
+            <p:ph type="title"/>
+          </p:nvPr>
+        </p:nvSpPr>
+        <p:spPr/>
+        <p:txBody>
+          <a:bodyPr/>
+          <a:lstStyle/>
+          <a:p>
+            <a:r>
+              <a:rPr lang="en-US" dirty="0">
                 <a:latin typeface="Times New Roman" panose="02020603050405020304" pitchFamily="18" charset="0"/>
                 <a:cs typeface="Times New Roman" panose="02020603050405020304" pitchFamily="18" charset="0"/>
               </a:rPr>
-              <a:t>Gross Losses and Gross Gains graphics using Savanna class</a:t>
-            </a:r>
-          </a:p>
-        </p:txBody>
-      </p:sp>
-      <p:sp>
-        <p:nvSpPr>
-          <p:cNvPr id="9" name="Slide Number Placeholder 8">
-            <a:extLst>
-              <a:ext uri="{FF2B5EF4-FFF2-40B4-BE49-F238E27FC236}">
-                <a16:creationId xmlns:a16="http://schemas.microsoft.com/office/drawing/2014/main" id="{9C58E193-3EFA-4C21-AE87-0AD31F80AF89}"/>
+              <a:t>Savanna</a:t>
+            </a:r>
+          </a:p>
+        </p:txBody>
+      </p:sp>
+      <p:sp>
+        <p:nvSpPr>
+          <p:cNvPr id="4" name="Text Placeholder 3">
+            <a:extLst>
+              <a:ext uri="{FF2B5EF4-FFF2-40B4-BE49-F238E27FC236}">
+                <a16:creationId xmlns:a16="http://schemas.microsoft.com/office/drawing/2014/main" id="{174BC32C-813B-4D05-8B94-B151BDE6AAF4}"/>
+              </a:ext>
+            </a:extLst>
+          </p:cNvPr>
+          <p:cNvSpPr>
+            <a:spLocks noGrp="1"/>
+          </p:cNvSpPr>
+          <p:nvPr>
+            <p:ph type="body" idx="1"/>
+          </p:nvPr>
+        </p:nvSpPr>
+        <p:spPr/>
+        <p:txBody>
+          <a:bodyPr/>
+          <a:lstStyle/>
+          <a:p>
+            <a:r>
+              <a:rPr lang="en-US" dirty="0">
+                <a:latin typeface="Times New Roman" panose="02020603050405020304" pitchFamily="18" charset="0"/>
+                <a:cs typeface="Times New Roman" panose="02020603050405020304" pitchFamily="18" charset="0"/>
+              </a:rPr>
+              <a:t>MapBiomas Collection 6 and Collection 8</a:t>
+            </a:r>
+          </a:p>
+        </p:txBody>
+      </p:sp>
+      <p:sp>
+        <p:nvSpPr>
+          <p:cNvPr id="2" name="Slide Number Placeholder 1">
+            <a:extLst>
+              <a:ext uri="{FF2B5EF4-FFF2-40B4-BE49-F238E27FC236}">
+                <a16:creationId xmlns:a16="http://schemas.microsoft.com/office/drawing/2014/main" id="{310A4DB7-28C7-459D-A56D-31913D656D06}"/>
               </a:ext>
             </a:extLst>
           </p:cNvPr>
@@ -3912,51 +3910,10 @@
           </a:p>
         </p:txBody>
       </p:sp>
-      <p:sp>
-        <p:nvSpPr>
-          <p:cNvPr id="2" name="TextBox 1">
-            <a:extLst>
-              <a:ext uri="{FF2B5EF4-FFF2-40B4-BE49-F238E27FC236}">
-                <a16:creationId xmlns:a16="http://schemas.microsoft.com/office/drawing/2014/main" id="{ABEDC8AB-711D-4421-A0DC-A65FEAA73296}"/>
-              </a:ext>
-            </a:extLst>
-          </p:cNvPr>
-          <p:cNvSpPr txBox="1"/>
-          <p:nvPr/>
-        </p:nvSpPr>
-        <p:spPr>
-          <a:xfrm>
-            <a:off x="167478" y="957078"/>
-            <a:ext cx="2382433" cy="646331"/>
-          </a:xfrm>
-          <a:prstGeom prst="rect">
-            <a:avLst/>
-          </a:prstGeom>
-          <a:noFill/>
-        </p:spPr>
-        <p:txBody>
-          <a:bodyPr wrap="square" rtlCol="0">
-            <a:spAutoFit/>
-          </a:bodyPr>
-          <a:lstStyle/>
-          <a:p>
-            <a:r>
-              <a:rPr lang="en-US" b="1" dirty="0">
-                <a:solidFill>
-                  <a:srgbClr val="FF0000"/>
-                </a:solidFill>
-                <a:latin typeface="Times New Roman" panose="02020603050405020304" pitchFamily="18" charset="0"/>
-                <a:cs typeface="Times New Roman" panose="02020603050405020304" pitchFamily="18" charset="0"/>
-              </a:rPr>
-              <a:t>This graphic needs to be reviewed</a:t>
-            </a:r>
-          </a:p>
-        </p:txBody>
-      </p:sp>
     </p:spTree>
     <p:extLst>
       <p:ext uri="{BB962C8B-B14F-4D97-AF65-F5344CB8AC3E}">
-        <p14:creationId xmlns:p14="http://schemas.microsoft.com/office/powerpoint/2010/main" val="1301988076"/>
+        <p14:creationId xmlns:p14="http://schemas.microsoft.com/office/powerpoint/2010/main" val="409212631"/>
       </p:ext>
     </p:extLst>
   </p:cSld>
@@ -3967,7 +3924,7 @@
 </file>
 
 <file path=ppt/slides/slide11.xml><?xml version="1.0" encoding="utf-8"?>
-<p:sld xmlns:a="http://schemas.openxmlformats.org/drawingml/2006/main" xmlns:r="http://schemas.openxmlformats.org/officeDocument/2006/relationships" xmlns:p="http://schemas.openxmlformats.org/presentationml/2006/main">
+<p:sld xmlns:a="http://schemas.openxmlformats.org/drawingml/2006/main" xmlns:r="http://schemas.openxmlformats.org/officeDocument/2006/relationships" xmlns:p="http://schemas.openxmlformats.org/presentationml/2006/main" show="0">
   <p:cSld>
     <p:spTree>
       <p:nvGrpSpPr>
@@ -3983,85 +3940,12 @@
           <a:chExt cx="0" cy="0"/>
         </a:xfrm>
       </p:grpSpPr>
-      <p:pic>
-        <p:nvPicPr>
-          <p:cNvPr id="7" name="Picture 6">
-            <a:extLst>
-              <a:ext uri="{FF2B5EF4-FFF2-40B4-BE49-F238E27FC236}">
-                <a16:creationId xmlns:a16="http://schemas.microsoft.com/office/drawing/2014/main" id="{952A4C88-53CA-4F11-8307-A7FFAA61B46E}"/>
-              </a:ext>
-            </a:extLst>
-          </p:cNvPr>
-          <p:cNvPicPr>
-            <a:picLocks noChangeAspect="1"/>
-          </p:cNvPicPr>
-          <p:nvPr/>
-        </p:nvPicPr>
-        <p:blipFill>
-          <a:blip r:embed="rId2">
-            <a:extLst>
-              <a:ext uri="{28A0092B-C50C-407E-A947-70E740481C1C}">
-                <a14:useLocalDpi xmlns:a14="http://schemas.microsoft.com/office/drawing/2010/main" val="0"/>
-              </a:ext>
-            </a:extLst>
-          </a:blip>
-          <a:srcRect/>
-          <a:stretch/>
-        </p:blipFill>
-        <p:spPr>
-          <a:xfrm>
-            <a:off x="1780727" y="1169958"/>
-            <a:ext cx="9052578" cy="5379731"/>
-          </a:xfrm>
-          <a:prstGeom prst="rect">
-            <a:avLst/>
-          </a:prstGeom>
-        </p:spPr>
-      </p:pic>
-      <p:sp>
-        <p:nvSpPr>
-          <p:cNvPr id="8" name="TextBox 7">
-            <a:extLst>
-              <a:ext uri="{FF2B5EF4-FFF2-40B4-BE49-F238E27FC236}">
-                <a16:creationId xmlns:a16="http://schemas.microsoft.com/office/drawing/2014/main" id="{7B317ED1-98FF-4CEC-875C-811749FDBE2E}"/>
-              </a:ext>
-            </a:extLst>
-          </p:cNvPr>
-          <p:cNvSpPr txBox="1"/>
-          <p:nvPr/>
-        </p:nvSpPr>
-        <p:spPr>
-          <a:xfrm>
-            <a:off x="316523" y="362930"/>
-            <a:ext cx="10691446" cy="584775"/>
-          </a:xfrm>
-          <a:prstGeom prst="rect">
-            <a:avLst/>
-          </a:prstGeom>
-          <a:noFill/>
-        </p:spPr>
-        <p:txBody>
-          <a:bodyPr wrap="square" rtlCol="0">
-            <a:spAutoFit/>
-          </a:bodyPr>
-          <a:lstStyle/>
-          <a:p>
-            <a:r>
-              <a:rPr lang="en-US" sz="3200" dirty="0">
-                <a:latin typeface="Times New Roman" panose="02020603050405020304" pitchFamily="18" charset="0"/>
-                <a:cs typeface="Times New Roman" panose="02020603050405020304" pitchFamily="18" charset="0"/>
-              </a:rPr>
-              <a:t>Net change graphic using Savanna class</a:t>
-            </a:r>
-          </a:p>
-        </p:txBody>
-      </p:sp>
-      <p:sp>
-        <p:nvSpPr>
-          <p:cNvPr id="9" name="Slide Number Placeholder 8">
-            <a:extLst>
-              <a:ext uri="{FF2B5EF4-FFF2-40B4-BE49-F238E27FC236}">
-                <a16:creationId xmlns:a16="http://schemas.microsoft.com/office/drawing/2014/main" id="{9C58E193-3EFA-4C21-AE87-0AD31F80AF89}"/>
+      <p:sp>
+        <p:nvSpPr>
+          <p:cNvPr id="4" name="Slide Number Placeholder 3">
+            <a:extLst>
+              <a:ext uri="{FF2B5EF4-FFF2-40B4-BE49-F238E27FC236}">
+                <a16:creationId xmlns:a16="http://schemas.microsoft.com/office/drawing/2014/main" id="{C9263802-CA16-42DE-B347-CE6851A0C2E5}"/>
               </a:ext>
             </a:extLst>
           </p:cNvPr>
@@ -4080,953 +3964,6 @@
             <a:fld id="{4E4388CE-8408-4C4D-B35A-15C296EFDD48}" type="slidenum">
               <a:rPr lang="en-US" smtClean="0"/>
               <a:t>11</a:t>
-            </a:fld>
-            <a:endParaRPr lang="en-US"/>
-          </a:p>
-        </p:txBody>
-      </p:sp>
-      <p:sp>
-        <p:nvSpPr>
-          <p:cNvPr id="5" name="TextBox 4">
-            <a:extLst>
-              <a:ext uri="{FF2B5EF4-FFF2-40B4-BE49-F238E27FC236}">
-                <a16:creationId xmlns:a16="http://schemas.microsoft.com/office/drawing/2014/main" id="{B255A13C-E7A5-407B-A403-EF55E9FBEFB6}"/>
-              </a:ext>
-            </a:extLst>
-          </p:cNvPr>
-          <p:cNvSpPr txBox="1"/>
-          <p:nvPr/>
-        </p:nvSpPr>
-        <p:spPr>
-          <a:xfrm>
-            <a:off x="167478" y="957078"/>
-            <a:ext cx="2382433" cy="646331"/>
-          </a:xfrm>
-          <a:prstGeom prst="rect">
-            <a:avLst/>
-          </a:prstGeom>
-          <a:noFill/>
-        </p:spPr>
-        <p:txBody>
-          <a:bodyPr wrap="square" rtlCol="0">
-            <a:spAutoFit/>
-          </a:bodyPr>
-          <a:lstStyle/>
-          <a:p>
-            <a:r>
-              <a:rPr lang="en-US" b="1" dirty="0">
-                <a:solidFill>
-                  <a:srgbClr val="FF0000"/>
-                </a:solidFill>
-                <a:latin typeface="Times New Roman" panose="02020603050405020304" pitchFamily="18" charset="0"/>
-                <a:cs typeface="Times New Roman" panose="02020603050405020304" pitchFamily="18" charset="0"/>
-              </a:rPr>
-              <a:t>This graphic needs to be reviewed</a:t>
-            </a:r>
-          </a:p>
-        </p:txBody>
-      </p:sp>
-    </p:spTree>
-    <p:extLst>
-      <p:ext uri="{BB962C8B-B14F-4D97-AF65-F5344CB8AC3E}">
-        <p14:creationId xmlns:p14="http://schemas.microsoft.com/office/powerpoint/2010/main" val="1430555641"/>
-      </p:ext>
-    </p:extLst>
-  </p:cSld>
-  <p:clrMapOvr>
-    <a:masterClrMapping/>
-  </p:clrMapOvr>
-</p:sld>
-</file>
-
-<file path=ppt/slides/slide12.xml><?xml version="1.0" encoding="utf-8"?>
-<p:sld xmlns:a="http://schemas.openxmlformats.org/drawingml/2006/main" xmlns:r="http://schemas.openxmlformats.org/officeDocument/2006/relationships" xmlns:p="http://schemas.openxmlformats.org/presentationml/2006/main">
-  <p:cSld>
-    <p:spTree>
-      <p:nvGrpSpPr>
-        <p:cNvPr id="1" name=""/>
-        <p:cNvGrpSpPr/>
-        <p:nvPr/>
-      </p:nvGrpSpPr>
-      <p:grpSpPr>
-        <a:xfrm>
-          <a:off x="0" y="0"/>
-          <a:ext cx="0" cy="0"/>
-          <a:chOff x="0" y="0"/>
-          <a:chExt cx="0" cy="0"/>
-        </a:xfrm>
-      </p:grpSpPr>
-      <p:sp>
-        <p:nvSpPr>
-          <p:cNvPr id="2" name="Slide Number Placeholder 1">
-            <a:extLst>
-              <a:ext uri="{FF2B5EF4-FFF2-40B4-BE49-F238E27FC236}">
-                <a16:creationId xmlns:a16="http://schemas.microsoft.com/office/drawing/2014/main" id="{63F1E131-719E-40F7-ACFA-41F545521E94}"/>
-              </a:ext>
-            </a:extLst>
-          </p:cNvPr>
-          <p:cNvSpPr>
-            <a:spLocks noGrp="1"/>
-          </p:cNvSpPr>
-          <p:nvPr>
-            <p:ph type="sldNum" sz="quarter" idx="12"/>
-          </p:nvPr>
-        </p:nvSpPr>
-        <p:spPr/>
-        <p:txBody>
-          <a:bodyPr/>
-          <a:lstStyle/>
-          <a:p>
-            <a:fld id="{4E4388CE-8408-4C4D-B35A-15C296EFDD48}" type="slidenum">
-              <a:rPr lang="en-US" smtClean="0"/>
-              <a:t>12</a:t>
-            </a:fld>
-            <a:endParaRPr lang="en-US"/>
-          </a:p>
-        </p:txBody>
-      </p:sp>
-      <p:pic>
-        <p:nvPicPr>
-          <p:cNvPr id="4" name="Picture 3">
-            <a:extLst>
-              <a:ext uri="{FF2B5EF4-FFF2-40B4-BE49-F238E27FC236}">
-                <a16:creationId xmlns:a16="http://schemas.microsoft.com/office/drawing/2014/main" id="{D25327FD-694A-4382-9783-38CF6177AC0A}"/>
-              </a:ext>
-            </a:extLst>
-          </p:cNvPr>
-          <p:cNvPicPr>
-            <a:picLocks noChangeAspect="1"/>
-          </p:cNvPicPr>
-          <p:nvPr/>
-        </p:nvPicPr>
-        <p:blipFill>
-          <a:blip r:embed="rId2"/>
-          <a:stretch>
-            <a:fillRect/>
-          </a:stretch>
-        </p:blipFill>
-        <p:spPr>
-          <a:xfrm>
-            <a:off x="0" y="332619"/>
-            <a:ext cx="12192000" cy="6192762"/>
-          </a:xfrm>
-          <a:prstGeom prst="rect">
-            <a:avLst/>
-          </a:prstGeom>
-        </p:spPr>
-      </p:pic>
-    </p:spTree>
-    <p:extLst>
-      <p:ext uri="{BB962C8B-B14F-4D97-AF65-F5344CB8AC3E}">
-        <p14:creationId xmlns:p14="http://schemas.microsoft.com/office/powerpoint/2010/main" val="2329111490"/>
-      </p:ext>
-    </p:extLst>
-  </p:cSld>
-  <p:clrMapOvr>
-    <a:masterClrMapping/>
-  </p:clrMapOvr>
-</p:sld>
-</file>
-
-<file path=ppt/slides/slide13.xml><?xml version="1.0" encoding="utf-8"?>
-<p:sld xmlns:a="http://schemas.openxmlformats.org/drawingml/2006/main" xmlns:r="http://schemas.openxmlformats.org/officeDocument/2006/relationships" xmlns:p="http://schemas.openxmlformats.org/presentationml/2006/main">
-  <p:cSld>
-    <p:spTree>
-      <p:nvGrpSpPr>
-        <p:cNvPr id="1" name=""/>
-        <p:cNvGrpSpPr/>
-        <p:nvPr/>
-      </p:nvGrpSpPr>
-      <p:grpSpPr>
-        <a:xfrm>
-          <a:off x="0" y="0"/>
-          <a:ext cx="0" cy="0"/>
-          <a:chOff x="0" y="0"/>
-          <a:chExt cx="0" cy="0"/>
-        </a:xfrm>
-      </p:grpSpPr>
-      <p:sp>
-        <p:nvSpPr>
-          <p:cNvPr id="2" name="Slide Number Placeholder 1">
-            <a:extLst>
-              <a:ext uri="{FF2B5EF4-FFF2-40B4-BE49-F238E27FC236}">
-                <a16:creationId xmlns:a16="http://schemas.microsoft.com/office/drawing/2014/main" id="{2ABD0883-2D61-4002-9ED1-57BE382746DF}"/>
-              </a:ext>
-            </a:extLst>
-          </p:cNvPr>
-          <p:cNvSpPr>
-            <a:spLocks noGrp="1"/>
-          </p:cNvSpPr>
-          <p:nvPr>
-            <p:ph type="sldNum" sz="quarter" idx="12"/>
-          </p:nvPr>
-        </p:nvSpPr>
-        <p:spPr/>
-        <p:txBody>
-          <a:bodyPr/>
-          <a:lstStyle/>
-          <a:p>
-            <a:fld id="{4E4388CE-8408-4C4D-B35A-15C296EFDD48}" type="slidenum">
-              <a:rPr lang="en-US" smtClean="0"/>
-              <a:t>13</a:t>
-            </a:fld>
-            <a:endParaRPr lang="en-US"/>
-          </a:p>
-        </p:txBody>
-      </p:sp>
-      <p:pic>
-        <p:nvPicPr>
-          <p:cNvPr id="4" name="Picture 3">
-            <a:extLst>
-              <a:ext uri="{FF2B5EF4-FFF2-40B4-BE49-F238E27FC236}">
-                <a16:creationId xmlns:a16="http://schemas.microsoft.com/office/drawing/2014/main" id="{FF6BCA8F-9EF3-42D8-AB30-FE59F5A2EEFA}"/>
-              </a:ext>
-            </a:extLst>
-          </p:cNvPr>
-          <p:cNvPicPr>
-            <a:picLocks noChangeAspect="1"/>
-          </p:cNvPicPr>
-          <p:nvPr/>
-        </p:nvPicPr>
-        <p:blipFill>
-          <a:blip r:embed="rId2"/>
-          <a:stretch>
-            <a:fillRect/>
-          </a:stretch>
-        </p:blipFill>
-        <p:spPr>
-          <a:xfrm>
-            <a:off x="0" y="314643"/>
-            <a:ext cx="12192000" cy="6228714"/>
-          </a:xfrm>
-          <a:prstGeom prst="rect">
-            <a:avLst/>
-          </a:prstGeom>
-        </p:spPr>
-      </p:pic>
-    </p:spTree>
-    <p:extLst>
-      <p:ext uri="{BB962C8B-B14F-4D97-AF65-F5344CB8AC3E}">
-        <p14:creationId xmlns:p14="http://schemas.microsoft.com/office/powerpoint/2010/main" val="2782486928"/>
-      </p:ext>
-    </p:extLst>
-  </p:cSld>
-  <p:clrMapOvr>
-    <a:masterClrMapping/>
-  </p:clrMapOvr>
-</p:sld>
-</file>
-
-<file path=ppt/slides/slide14.xml><?xml version="1.0" encoding="utf-8"?>
-<p:sld xmlns:a="http://schemas.openxmlformats.org/drawingml/2006/main" xmlns:r="http://schemas.openxmlformats.org/officeDocument/2006/relationships" xmlns:p="http://schemas.openxmlformats.org/presentationml/2006/main">
-  <p:cSld>
-    <p:spTree>
-      <p:nvGrpSpPr>
-        <p:cNvPr id="1" name=""/>
-        <p:cNvGrpSpPr/>
-        <p:nvPr/>
-      </p:nvGrpSpPr>
-      <p:grpSpPr>
-        <a:xfrm>
-          <a:off x="0" y="0"/>
-          <a:ext cx="0" cy="0"/>
-          <a:chOff x="0" y="0"/>
-          <a:chExt cx="0" cy="0"/>
-        </a:xfrm>
-      </p:grpSpPr>
-      <p:sp>
-        <p:nvSpPr>
-          <p:cNvPr id="2" name="Slide Number Placeholder 1">
-            <a:extLst>
-              <a:ext uri="{FF2B5EF4-FFF2-40B4-BE49-F238E27FC236}">
-                <a16:creationId xmlns:a16="http://schemas.microsoft.com/office/drawing/2014/main" id="{79B79D86-291E-4FD1-99CD-0CE6AEF1129F}"/>
-              </a:ext>
-            </a:extLst>
-          </p:cNvPr>
-          <p:cNvSpPr>
-            <a:spLocks noGrp="1"/>
-          </p:cNvSpPr>
-          <p:nvPr>
-            <p:ph type="sldNum" sz="quarter" idx="12"/>
-          </p:nvPr>
-        </p:nvSpPr>
-        <p:spPr/>
-        <p:txBody>
-          <a:bodyPr/>
-          <a:lstStyle/>
-          <a:p>
-            <a:fld id="{4E4388CE-8408-4C4D-B35A-15C296EFDD48}" type="slidenum">
-              <a:rPr lang="en-US" smtClean="0"/>
-              <a:t>14</a:t>
-            </a:fld>
-            <a:endParaRPr lang="en-US"/>
-          </a:p>
-        </p:txBody>
-      </p:sp>
-      <p:pic>
-        <p:nvPicPr>
-          <p:cNvPr id="4" name="Picture 3">
-            <a:extLst>
-              <a:ext uri="{FF2B5EF4-FFF2-40B4-BE49-F238E27FC236}">
-                <a16:creationId xmlns:a16="http://schemas.microsoft.com/office/drawing/2014/main" id="{98086999-8C16-4B03-8B9D-679C036C1413}"/>
-              </a:ext>
-            </a:extLst>
-          </p:cNvPr>
-          <p:cNvPicPr>
-            <a:picLocks noChangeAspect="1"/>
-          </p:cNvPicPr>
-          <p:nvPr/>
-        </p:nvPicPr>
-        <p:blipFill>
-          <a:blip r:embed="rId2"/>
-          <a:stretch>
-            <a:fillRect/>
-          </a:stretch>
-        </p:blipFill>
-        <p:spPr>
-          <a:xfrm>
-            <a:off x="246269" y="0"/>
-            <a:ext cx="6388908" cy="6858000"/>
-          </a:xfrm>
-          <a:prstGeom prst="rect">
-            <a:avLst/>
-          </a:prstGeom>
-        </p:spPr>
-      </p:pic>
-      <p:sp>
-        <p:nvSpPr>
-          <p:cNvPr id="6" name="TextBox 5">
-            <a:extLst>
-              <a:ext uri="{FF2B5EF4-FFF2-40B4-BE49-F238E27FC236}">
-                <a16:creationId xmlns:a16="http://schemas.microsoft.com/office/drawing/2014/main" id="{FC0193F7-A299-4AC5-8BE9-868C8ABCF5F6}"/>
-              </a:ext>
-            </a:extLst>
-          </p:cNvPr>
-          <p:cNvSpPr txBox="1"/>
-          <p:nvPr/>
-        </p:nvSpPr>
-        <p:spPr>
-          <a:xfrm>
-            <a:off x="7200899" y="1441938"/>
-            <a:ext cx="4325815" cy="2400657"/>
-          </a:xfrm>
-          <a:prstGeom prst="rect">
-            <a:avLst/>
-          </a:prstGeom>
-          <a:noFill/>
-        </p:spPr>
-        <p:txBody>
-          <a:bodyPr wrap="square" rtlCol="0">
-            <a:spAutoFit/>
-          </a:bodyPr>
-          <a:lstStyle/>
-          <a:p>
-            <a:r>
-              <a:rPr lang="pt-BR" sz="1000" dirty="0"/>
-              <a:t>Sem Concordância de Mudança (Cinza): Esta é a categoria de base. Um pixel é cinza se, ao longo de toda a série temporal, nunca houve um momento em que as duas coleções concordassem sobre uma mudança (seja ganho ou perda) naquele </a:t>
-            </a:r>
-            <a:r>
-              <a:rPr lang="pt-BR" sz="1000" dirty="0" err="1"/>
-              <a:t>local.Ganho</a:t>
-            </a:r>
-            <a:r>
-              <a:rPr lang="pt-BR" sz="1000" dirty="0"/>
-              <a:t> Dominante (Azul): Um pixel é azul se a soma total da concordância sobre os ganhos foi maior do que a soma total da concordância sobre as perdas. Isso indica que, embora ambos os tipos de concordância pudessem ter ocorrido, a concordância sobre os ganhos foi a mais forte ou a única a </a:t>
-            </a:r>
-            <a:r>
-              <a:rPr lang="pt-BR" sz="1000" dirty="0" err="1"/>
-              <a:t>ocorrer.Perda</a:t>
-            </a:r>
-            <a:r>
-              <a:rPr lang="pt-BR" sz="1000" dirty="0"/>
-              <a:t> Dominante (Vermelho): Um pixel é vermelho se a soma total da concordância sobre as perdas foi maior do que a soma total da concordância sobre as ganhos. Isso mostra que a concordância sobre as perdas foi o evento predominante naquele </a:t>
-            </a:r>
-            <a:r>
-              <a:rPr lang="pt-BR" sz="1000" dirty="0" err="1"/>
-              <a:t>local.Concordância</a:t>
-            </a:r>
-            <a:r>
-              <a:rPr lang="pt-BR" sz="1000" dirty="0"/>
-              <a:t> Mista (Ganho = Perda) (Roxo): Um pixel é roxo se a magnitude da concordância sobre os ganhos foi exatamente igual à magnitude da concordância sobre as perdas (e ambas não são zero). Isso representa um equilíbrio, indicando que o local experimentou concordância sobre "</a:t>
-            </a:r>
-            <a:r>
-              <a:rPr lang="pt-BR" sz="1000" dirty="0" err="1"/>
-              <a:t>alternation</a:t>
-            </a:r>
-            <a:r>
-              <a:rPr lang="pt-BR" sz="1000" dirty="0"/>
-              <a:t>" (ganhos e perdas) na mesma medida.</a:t>
-            </a:r>
-            <a:endParaRPr lang="en-US" sz="1000" dirty="0"/>
-          </a:p>
-        </p:txBody>
-      </p:sp>
-    </p:spTree>
-    <p:extLst>
-      <p:ext uri="{BB962C8B-B14F-4D97-AF65-F5344CB8AC3E}">
-        <p14:creationId xmlns:p14="http://schemas.microsoft.com/office/powerpoint/2010/main" val="1277300885"/>
-      </p:ext>
-    </p:extLst>
-  </p:cSld>
-  <p:clrMapOvr>
-    <a:masterClrMapping/>
-  </p:clrMapOvr>
-</p:sld>
-</file>
-
-<file path=ppt/slides/slide2.xml><?xml version="1.0" encoding="utf-8"?>
-<p:sld xmlns:a="http://schemas.openxmlformats.org/drawingml/2006/main" xmlns:r="http://schemas.openxmlformats.org/officeDocument/2006/relationships" xmlns:p="http://schemas.openxmlformats.org/presentationml/2006/main">
-  <p:cSld>
-    <p:spTree>
-      <p:nvGrpSpPr>
-        <p:cNvPr id="1" name=""/>
-        <p:cNvGrpSpPr/>
-        <p:nvPr/>
-      </p:nvGrpSpPr>
-      <p:grpSpPr>
-        <a:xfrm>
-          <a:off x="0" y="0"/>
-          <a:ext cx="0" cy="0"/>
-          <a:chOff x="0" y="0"/>
-          <a:chExt cx="0" cy="0"/>
-        </a:xfrm>
-      </p:grpSpPr>
-      <p:pic>
-        <p:nvPicPr>
-          <p:cNvPr id="3" name="Picture 2">
-            <a:extLst>
-              <a:ext uri="{FF2B5EF4-FFF2-40B4-BE49-F238E27FC236}">
-                <a16:creationId xmlns:a16="http://schemas.microsoft.com/office/drawing/2014/main" id="{8C7CD77C-506E-49D7-A5B1-4531E3E9A800}"/>
-              </a:ext>
-            </a:extLst>
-          </p:cNvPr>
-          <p:cNvPicPr>
-            <a:picLocks noChangeAspect="1"/>
-          </p:cNvPicPr>
-          <p:nvPr/>
-        </p:nvPicPr>
-        <p:blipFill>
-          <a:blip r:embed="rId2"/>
-          <a:stretch>
-            <a:fillRect/>
-          </a:stretch>
-        </p:blipFill>
-        <p:spPr>
-          <a:xfrm>
-            <a:off x="1381125" y="947705"/>
-            <a:ext cx="9429750" cy="5619750"/>
-          </a:xfrm>
-          <a:prstGeom prst="rect">
-            <a:avLst/>
-          </a:prstGeom>
-        </p:spPr>
-      </p:pic>
-      <p:sp>
-        <p:nvSpPr>
-          <p:cNvPr id="8" name="TextBox 7">
-            <a:extLst>
-              <a:ext uri="{FF2B5EF4-FFF2-40B4-BE49-F238E27FC236}">
-                <a16:creationId xmlns:a16="http://schemas.microsoft.com/office/drawing/2014/main" id="{7B317ED1-98FF-4CEC-875C-811749FDBE2E}"/>
-              </a:ext>
-            </a:extLst>
-          </p:cNvPr>
-          <p:cNvSpPr txBox="1"/>
-          <p:nvPr/>
-        </p:nvSpPr>
-        <p:spPr>
-          <a:xfrm>
-            <a:off x="316523" y="362930"/>
-            <a:ext cx="11192608" cy="584775"/>
-          </a:xfrm>
-          <a:prstGeom prst="rect">
-            <a:avLst/>
-          </a:prstGeom>
-          <a:noFill/>
-        </p:spPr>
-        <p:txBody>
-          <a:bodyPr wrap="square" rtlCol="0">
-            <a:spAutoFit/>
-          </a:bodyPr>
-          <a:lstStyle/>
-          <a:p>
-            <a:r>
-              <a:rPr lang="en-US" sz="3200" dirty="0">
-                <a:latin typeface="Times New Roman" panose="02020603050405020304" pitchFamily="18" charset="0"/>
-                <a:cs typeface="Times New Roman" panose="02020603050405020304" pitchFamily="18" charset="0"/>
-              </a:rPr>
-              <a:t>Presence Agreement graphic using Toy data</a:t>
-            </a:r>
-          </a:p>
-        </p:txBody>
-      </p:sp>
-      <p:sp>
-        <p:nvSpPr>
-          <p:cNvPr id="9" name="Slide Number Placeholder 8">
-            <a:extLst>
-              <a:ext uri="{FF2B5EF4-FFF2-40B4-BE49-F238E27FC236}">
-                <a16:creationId xmlns:a16="http://schemas.microsoft.com/office/drawing/2014/main" id="{9C58E193-3EFA-4C21-AE87-0AD31F80AF89}"/>
-              </a:ext>
-            </a:extLst>
-          </p:cNvPr>
-          <p:cNvSpPr>
-            <a:spLocks noGrp="1"/>
-          </p:cNvSpPr>
-          <p:nvPr>
-            <p:ph type="sldNum" sz="quarter" idx="12"/>
-          </p:nvPr>
-        </p:nvSpPr>
-        <p:spPr/>
-        <p:txBody>
-          <a:bodyPr/>
-          <a:lstStyle/>
-          <a:p>
-            <a:fld id="{4E4388CE-8408-4C4D-B35A-15C296EFDD48}" type="slidenum">
-              <a:rPr lang="en-US" smtClean="0"/>
-              <a:t>2</a:t>
-            </a:fld>
-            <a:endParaRPr lang="en-US"/>
-          </a:p>
-        </p:txBody>
-      </p:sp>
-    </p:spTree>
-    <p:extLst>
-      <p:ext uri="{BB962C8B-B14F-4D97-AF65-F5344CB8AC3E}">
-        <p14:creationId xmlns:p14="http://schemas.microsoft.com/office/powerpoint/2010/main" val="2313232701"/>
-      </p:ext>
-    </p:extLst>
-  </p:cSld>
-  <p:clrMapOvr>
-    <a:masterClrMapping/>
-  </p:clrMapOvr>
-</p:sld>
-</file>
-
-<file path=ppt/slides/slide3.xml><?xml version="1.0" encoding="utf-8"?>
-<p:sld xmlns:a="http://schemas.openxmlformats.org/drawingml/2006/main" xmlns:r="http://schemas.openxmlformats.org/officeDocument/2006/relationships" xmlns:p="http://schemas.openxmlformats.org/presentationml/2006/main">
-  <p:cSld>
-    <p:spTree>
-      <p:nvGrpSpPr>
-        <p:cNvPr id="1" name=""/>
-        <p:cNvGrpSpPr/>
-        <p:nvPr/>
-      </p:nvGrpSpPr>
-      <p:grpSpPr>
-        <a:xfrm>
-          <a:off x="0" y="0"/>
-          <a:ext cx="0" cy="0"/>
-          <a:chOff x="0" y="0"/>
-          <a:chExt cx="0" cy="0"/>
-        </a:xfrm>
-      </p:grpSpPr>
-      <p:pic>
-        <p:nvPicPr>
-          <p:cNvPr id="7" name="Picture 6">
-            <a:extLst>
-              <a:ext uri="{FF2B5EF4-FFF2-40B4-BE49-F238E27FC236}">
-                <a16:creationId xmlns:a16="http://schemas.microsoft.com/office/drawing/2014/main" id="{952A4C88-53CA-4F11-8307-A7FFAA61B46E}"/>
-              </a:ext>
-            </a:extLst>
-          </p:cNvPr>
-          <p:cNvPicPr>
-            <a:picLocks noChangeAspect="1"/>
-          </p:cNvPicPr>
-          <p:nvPr/>
-        </p:nvPicPr>
-        <p:blipFill>
-          <a:blip r:embed="rId2">
-            <a:extLst>
-              <a:ext uri="{28A0092B-C50C-407E-A947-70E740481C1C}">
-                <a14:useLocalDpi xmlns:a14="http://schemas.microsoft.com/office/drawing/2010/main" val="0"/>
-              </a:ext>
-            </a:extLst>
-          </a:blip>
-          <a:srcRect/>
-          <a:stretch/>
-        </p:blipFill>
-        <p:spPr>
-          <a:xfrm>
-            <a:off x="1882835" y="1229753"/>
-            <a:ext cx="8848362" cy="5260141"/>
-          </a:xfrm>
-          <a:prstGeom prst="rect">
-            <a:avLst/>
-          </a:prstGeom>
-        </p:spPr>
-      </p:pic>
-      <p:sp>
-        <p:nvSpPr>
-          <p:cNvPr id="8" name="TextBox 7">
-            <a:extLst>
-              <a:ext uri="{FF2B5EF4-FFF2-40B4-BE49-F238E27FC236}">
-                <a16:creationId xmlns:a16="http://schemas.microsoft.com/office/drawing/2014/main" id="{7B317ED1-98FF-4CEC-875C-811749FDBE2E}"/>
-              </a:ext>
-            </a:extLst>
-          </p:cNvPr>
-          <p:cNvSpPr txBox="1"/>
-          <p:nvPr/>
-        </p:nvSpPr>
-        <p:spPr>
-          <a:xfrm>
-            <a:off x="316523" y="362930"/>
-            <a:ext cx="11192608" cy="584775"/>
-          </a:xfrm>
-          <a:prstGeom prst="rect">
-            <a:avLst/>
-          </a:prstGeom>
-          <a:noFill/>
-        </p:spPr>
-        <p:txBody>
-          <a:bodyPr wrap="square" rtlCol="0">
-            <a:spAutoFit/>
-          </a:bodyPr>
-          <a:lstStyle/>
-          <a:p>
-            <a:r>
-              <a:rPr lang="en-US" sz="3200" dirty="0">
-                <a:latin typeface="Times New Roman" panose="02020603050405020304" pitchFamily="18" charset="0"/>
-                <a:cs typeface="Times New Roman" panose="02020603050405020304" pitchFamily="18" charset="0"/>
-              </a:rPr>
-              <a:t>Gross Losses and Gross Gains graphic using Toy data</a:t>
-            </a:r>
-          </a:p>
-        </p:txBody>
-      </p:sp>
-      <p:sp>
-        <p:nvSpPr>
-          <p:cNvPr id="9" name="Slide Number Placeholder 8">
-            <a:extLst>
-              <a:ext uri="{FF2B5EF4-FFF2-40B4-BE49-F238E27FC236}">
-                <a16:creationId xmlns:a16="http://schemas.microsoft.com/office/drawing/2014/main" id="{9C58E193-3EFA-4C21-AE87-0AD31F80AF89}"/>
-              </a:ext>
-            </a:extLst>
-          </p:cNvPr>
-          <p:cNvSpPr>
-            <a:spLocks noGrp="1"/>
-          </p:cNvSpPr>
-          <p:nvPr>
-            <p:ph type="sldNum" sz="quarter" idx="12"/>
-          </p:nvPr>
-        </p:nvSpPr>
-        <p:spPr/>
-        <p:txBody>
-          <a:bodyPr/>
-          <a:lstStyle/>
-          <a:p>
-            <a:fld id="{4E4388CE-8408-4C4D-B35A-15C296EFDD48}" type="slidenum">
-              <a:rPr lang="en-US" smtClean="0"/>
-              <a:t>3</a:t>
-            </a:fld>
-            <a:endParaRPr lang="en-US"/>
-          </a:p>
-        </p:txBody>
-      </p:sp>
-    </p:spTree>
-    <p:extLst>
-      <p:ext uri="{BB962C8B-B14F-4D97-AF65-F5344CB8AC3E}">
-        <p14:creationId xmlns:p14="http://schemas.microsoft.com/office/powerpoint/2010/main" val="4193320713"/>
-      </p:ext>
-    </p:extLst>
-  </p:cSld>
-  <p:clrMapOvr>
-    <a:masterClrMapping/>
-  </p:clrMapOvr>
-</p:sld>
-</file>
-
-<file path=ppt/slides/slide4.xml><?xml version="1.0" encoding="utf-8"?>
-<p:sld xmlns:a="http://schemas.openxmlformats.org/drawingml/2006/main" xmlns:r="http://schemas.openxmlformats.org/officeDocument/2006/relationships" xmlns:p="http://schemas.openxmlformats.org/presentationml/2006/main">
-  <p:cSld>
-    <p:spTree>
-      <p:nvGrpSpPr>
-        <p:cNvPr id="1" name=""/>
-        <p:cNvGrpSpPr/>
-        <p:nvPr/>
-      </p:nvGrpSpPr>
-      <p:grpSpPr>
-        <a:xfrm>
-          <a:off x="0" y="0"/>
-          <a:ext cx="0" cy="0"/>
-          <a:chOff x="0" y="0"/>
-          <a:chExt cx="0" cy="0"/>
-        </a:xfrm>
-      </p:grpSpPr>
-      <p:pic>
-        <p:nvPicPr>
-          <p:cNvPr id="7" name="Picture 6">
-            <a:extLst>
-              <a:ext uri="{FF2B5EF4-FFF2-40B4-BE49-F238E27FC236}">
-                <a16:creationId xmlns:a16="http://schemas.microsoft.com/office/drawing/2014/main" id="{952A4C88-53CA-4F11-8307-A7FFAA61B46E}"/>
-              </a:ext>
-            </a:extLst>
-          </p:cNvPr>
-          <p:cNvPicPr>
-            <a:picLocks noChangeAspect="1"/>
-          </p:cNvPicPr>
-          <p:nvPr/>
-        </p:nvPicPr>
-        <p:blipFill>
-          <a:blip r:embed="rId2">
-            <a:extLst>
-              <a:ext uri="{28A0092B-C50C-407E-A947-70E740481C1C}">
-                <a14:useLocalDpi xmlns:a14="http://schemas.microsoft.com/office/drawing/2010/main" val="0"/>
-              </a:ext>
-            </a:extLst>
-          </a:blip>
-          <a:srcRect/>
-          <a:stretch/>
-        </p:blipFill>
-        <p:spPr>
-          <a:xfrm>
-            <a:off x="1882835" y="1229753"/>
-            <a:ext cx="8848361" cy="5260141"/>
-          </a:xfrm>
-          <a:prstGeom prst="rect">
-            <a:avLst/>
-          </a:prstGeom>
-        </p:spPr>
-      </p:pic>
-      <p:sp>
-        <p:nvSpPr>
-          <p:cNvPr id="8" name="TextBox 7">
-            <a:extLst>
-              <a:ext uri="{FF2B5EF4-FFF2-40B4-BE49-F238E27FC236}">
-                <a16:creationId xmlns:a16="http://schemas.microsoft.com/office/drawing/2014/main" id="{7B317ED1-98FF-4CEC-875C-811749FDBE2E}"/>
-              </a:ext>
-            </a:extLst>
-          </p:cNvPr>
-          <p:cNvSpPr txBox="1"/>
-          <p:nvPr/>
-        </p:nvSpPr>
-        <p:spPr>
-          <a:xfrm>
-            <a:off x="316523" y="362930"/>
-            <a:ext cx="11192608" cy="584775"/>
-          </a:xfrm>
-          <a:prstGeom prst="rect">
-            <a:avLst/>
-          </a:prstGeom>
-          <a:noFill/>
-        </p:spPr>
-        <p:txBody>
-          <a:bodyPr wrap="square" rtlCol="0">
-            <a:spAutoFit/>
-          </a:bodyPr>
-          <a:lstStyle/>
-          <a:p>
-            <a:r>
-              <a:rPr lang="en-US" sz="3200" dirty="0">
-                <a:latin typeface="Times New Roman" panose="02020603050405020304" pitchFamily="18" charset="0"/>
-                <a:cs typeface="Times New Roman" panose="02020603050405020304" pitchFamily="18" charset="0"/>
-              </a:rPr>
-              <a:t>Net change graphic using Toy data</a:t>
-            </a:r>
-          </a:p>
-        </p:txBody>
-      </p:sp>
-      <p:sp>
-        <p:nvSpPr>
-          <p:cNvPr id="9" name="Slide Number Placeholder 8">
-            <a:extLst>
-              <a:ext uri="{FF2B5EF4-FFF2-40B4-BE49-F238E27FC236}">
-                <a16:creationId xmlns:a16="http://schemas.microsoft.com/office/drawing/2014/main" id="{9C58E193-3EFA-4C21-AE87-0AD31F80AF89}"/>
-              </a:ext>
-            </a:extLst>
-          </p:cNvPr>
-          <p:cNvSpPr>
-            <a:spLocks noGrp="1"/>
-          </p:cNvSpPr>
-          <p:nvPr>
-            <p:ph type="sldNum" sz="quarter" idx="12"/>
-          </p:nvPr>
-        </p:nvSpPr>
-        <p:spPr/>
-        <p:txBody>
-          <a:bodyPr/>
-          <a:lstStyle/>
-          <a:p>
-            <a:fld id="{4E4388CE-8408-4C4D-B35A-15C296EFDD48}" type="slidenum">
-              <a:rPr lang="en-US" smtClean="0"/>
-              <a:t>4</a:t>
-            </a:fld>
-            <a:endParaRPr lang="en-US"/>
-          </a:p>
-        </p:txBody>
-      </p:sp>
-    </p:spTree>
-    <p:extLst>
-      <p:ext uri="{BB962C8B-B14F-4D97-AF65-F5344CB8AC3E}">
-        <p14:creationId xmlns:p14="http://schemas.microsoft.com/office/powerpoint/2010/main" val="2005176352"/>
-      </p:ext>
-    </p:extLst>
-  </p:cSld>
-  <p:clrMapOvr>
-    <a:masterClrMapping/>
-  </p:clrMapOvr>
-</p:sld>
-</file>
-
-<file path=ppt/slides/slide5.xml><?xml version="1.0" encoding="utf-8"?>
-<p:sld xmlns:a="http://schemas.openxmlformats.org/drawingml/2006/main" xmlns:r="http://schemas.openxmlformats.org/officeDocument/2006/relationships" xmlns:p="http://schemas.openxmlformats.org/presentationml/2006/main">
-  <p:cSld>
-    <p:spTree>
-      <p:nvGrpSpPr>
-        <p:cNvPr id="1" name=""/>
-        <p:cNvGrpSpPr/>
-        <p:nvPr/>
-      </p:nvGrpSpPr>
-      <p:grpSpPr>
-        <a:xfrm>
-          <a:off x="0" y="0"/>
-          <a:ext cx="0" cy="0"/>
-          <a:chOff x="0" y="0"/>
-          <a:chExt cx="0" cy="0"/>
-        </a:xfrm>
-      </p:grpSpPr>
-      <p:sp>
-        <p:nvSpPr>
-          <p:cNvPr id="3" name="Title 2">
-            <a:extLst>
-              <a:ext uri="{FF2B5EF4-FFF2-40B4-BE49-F238E27FC236}">
-                <a16:creationId xmlns:a16="http://schemas.microsoft.com/office/drawing/2014/main" id="{FD846386-E384-4475-837E-0CEE3E9D7C02}"/>
-              </a:ext>
-            </a:extLst>
-          </p:cNvPr>
-          <p:cNvSpPr>
-            <a:spLocks noGrp="1"/>
-          </p:cNvSpPr>
-          <p:nvPr>
-            <p:ph type="title"/>
-          </p:nvPr>
-        </p:nvSpPr>
-        <p:spPr/>
-        <p:txBody>
-          <a:bodyPr/>
-          <a:lstStyle/>
-          <a:p>
-            <a:r>
-              <a:rPr lang="en-US" dirty="0">
-                <a:latin typeface="Times New Roman" panose="02020603050405020304" pitchFamily="18" charset="0"/>
-                <a:cs typeface="Times New Roman" panose="02020603050405020304" pitchFamily="18" charset="0"/>
-              </a:rPr>
-              <a:t>Savanna</a:t>
-            </a:r>
-          </a:p>
-        </p:txBody>
-      </p:sp>
-      <p:sp>
-        <p:nvSpPr>
-          <p:cNvPr id="4" name="Text Placeholder 3">
-            <a:extLst>
-              <a:ext uri="{FF2B5EF4-FFF2-40B4-BE49-F238E27FC236}">
-                <a16:creationId xmlns:a16="http://schemas.microsoft.com/office/drawing/2014/main" id="{174BC32C-813B-4D05-8B94-B151BDE6AAF4}"/>
-              </a:ext>
-            </a:extLst>
-          </p:cNvPr>
-          <p:cNvSpPr>
-            <a:spLocks noGrp="1"/>
-          </p:cNvSpPr>
-          <p:nvPr>
-            <p:ph type="body" idx="1"/>
-          </p:nvPr>
-        </p:nvSpPr>
-        <p:spPr/>
-        <p:txBody>
-          <a:bodyPr/>
-          <a:lstStyle/>
-          <a:p>
-            <a:r>
-              <a:rPr lang="en-US" dirty="0">
-                <a:latin typeface="Times New Roman" panose="02020603050405020304" pitchFamily="18" charset="0"/>
-                <a:cs typeface="Times New Roman" panose="02020603050405020304" pitchFamily="18" charset="0"/>
-              </a:rPr>
-              <a:t>MapBiomas Collection 6 and Collection 8</a:t>
-            </a:r>
-          </a:p>
-        </p:txBody>
-      </p:sp>
-      <p:sp>
-        <p:nvSpPr>
-          <p:cNvPr id="2" name="Slide Number Placeholder 1">
-            <a:extLst>
-              <a:ext uri="{FF2B5EF4-FFF2-40B4-BE49-F238E27FC236}">
-                <a16:creationId xmlns:a16="http://schemas.microsoft.com/office/drawing/2014/main" id="{310A4DB7-28C7-459D-A56D-31913D656D06}"/>
-              </a:ext>
-            </a:extLst>
-          </p:cNvPr>
-          <p:cNvSpPr>
-            <a:spLocks noGrp="1"/>
-          </p:cNvSpPr>
-          <p:nvPr>
-            <p:ph type="sldNum" sz="quarter" idx="12"/>
-          </p:nvPr>
-        </p:nvSpPr>
-        <p:spPr/>
-        <p:txBody>
-          <a:bodyPr/>
-          <a:lstStyle/>
-          <a:p>
-            <a:fld id="{4E4388CE-8408-4C4D-B35A-15C296EFDD48}" type="slidenum">
-              <a:rPr lang="en-US" smtClean="0"/>
-              <a:t>5</a:t>
-            </a:fld>
-            <a:endParaRPr lang="en-US"/>
-          </a:p>
-        </p:txBody>
-      </p:sp>
-    </p:spTree>
-    <p:extLst>
-      <p:ext uri="{BB962C8B-B14F-4D97-AF65-F5344CB8AC3E}">
-        <p14:creationId xmlns:p14="http://schemas.microsoft.com/office/powerpoint/2010/main" val="409212631"/>
-      </p:ext>
-    </p:extLst>
-  </p:cSld>
-  <p:clrMapOvr>
-    <a:masterClrMapping/>
-  </p:clrMapOvr>
-</p:sld>
-</file>
-
-<file path=ppt/slides/slide6.xml><?xml version="1.0" encoding="utf-8"?>
-<p:sld xmlns:a="http://schemas.openxmlformats.org/drawingml/2006/main" xmlns:r="http://schemas.openxmlformats.org/officeDocument/2006/relationships" xmlns:p="http://schemas.openxmlformats.org/presentationml/2006/main">
-  <p:cSld>
-    <p:spTree>
-      <p:nvGrpSpPr>
-        <p:cNvPr id="1" name=""/>
-        <p:cNvGrpSpPr/>
-        <p:nvPr/>
-      </p:nvGrpSpPr>
-      <p:grpSpPr>
-        <a:xfrm>
-          <a:off x="0" y="0"/>
-          <a:ext cx="0" cy="0"/>
-          <a:chOff x="0" y="0"/>
-          <a:chExt cx="0" cy="0"/>
-        </a:xfrm>
-      </p:grpSpPr>
-      <p:sp>
-        <p:nvSpPr>
-          <p:cNvPr id="4" name="Slide Number Placeholder 3">
-            <a:extLst>
-              <a:ext uri="{FF2B5EF4-FFF2-40B4-BE49-F238E27FC236}">
-                <a16:creationId xmlns:a16="http://schemas.microsoft.com/office/drawing/2014/main" id="{C9263802-CA16-42DE-B347-CE6851A0C2E5}"/>
-              </a:ext>
-            </a:extLst>
-          </p:cNvPr>
-          <p:cNvSpPr>
-            <a:spLocks noGrp="1"/>
-          </p:cNvSpPr>
-          <p:nvPr>
-            <p:ph type="sldNum" sz="quarter" idx="12"/>
-          </p:nvPr>
-        </p:nvSpPr>
-        <p:spPr/>
-        <p:txBody>
-          <a:bodyPr/>
-          <a:lstStyle/>
-          <a:p>
-            <a:fld id="{4E4388CE-8408-4C4D-B35A-15C296EFDD48}" type="slidenum">
-              <a:rPr lang="en-US" smtClean="0"/>
-              <a:t>6</a:t>
             </a:fld>
             <a:endParaRPr lang="en-US"/>
           </a:p>
@@ -5075,8 +4012,8 @@
 </p:sld>
 </file>
 
-<file path=ppt/slides/slide7.xml><?xml version="1.0" encoding="utf-8"?>
-<p:sld xmlns:a="http://schemas.openxmlformats.org/drawingml/2006/main" xmlns:r="http://schemas.openxmlformats.org/officeDocument/2006/relationships" xmlns:p="http://schemas.openxmlformats.org/presentationml/2006/main">
+<file path=ppt/slides/slide12.xml><?xml version="1.0" encoding="utf-8"?>
+<p:sld xmlns:a="http://schemas.openxmlformats.org/drawingml/2006/main" xmlns:r="http://schemas.openxmlformats.org/officeDocument/2006/relationships" xmlns:p="http://schemas.openxmlformats.org/presentationml/2006/main" show="0">
   <p:cSld>
     <p:spTree>
       <p:nvGrpSpPr>
@@ -5115,7 +4052,7 @@
           <a:p>
             <a:fld id="{4E4388CE-8408-4C4D-B35A-15C296EFDD48}" type="slidenum">
               <a:rPr lang="en-US" smtClean="0"/>
-              <a:t>7</a:t>
+              <a:t>12</a:t>
             </a:fld>
             <a:endParaRPr lang="en-US"/>
           </a:p>
@@ -5164,8 +4101,8 @@
 </p:sld>
 </file>
 
-<file path=ppt/slides/slide8.xml><?xml version="1.0" encoding="utf-8"?>
-<p:sld xmlns:a="http://schemas.openxmlformats.org/drawingml/2006/main" xmlns:r="http://schemas.openxmlformats.org/officeDocument/2006/relationships" xmlns:p="http://schemas.openxmlformats.org/presentationml/2006/main">
+<file path=ppt/slides/slide13.xml><?xml version="1.0" encoding="utf-8"?>
+<p:sld xmlns:a="http://schemas.openxmlformats.org/drawingml/2006/main" xmlns:r="http://schemas.openxmlformats.org/officeDocument/2006/relationships" xmlns:p="http://schemas.openxmlformats.org/presentationml/2006/main" show="0">
   <p:cSld>
     <p:spTree>
       <p:nvGrpSpPr>
@@ -5204,7 +4141,7 @@
           <a:p>
             <a:fld id="{4E4388CE-8408-4C4D-B35A-15C296EFDD48}" type="slidenum">
               <a:rPr lang="en-US" smtClean="0"/>
-              <a:t>8</a:t>
+              <a:t>13</a:t>
             </a:fld>
             <a:endParaRPr lang="en-US"/>
           </a:p>
@@ -5253,6 +4190,2227 @@
 </p:sld>
 </file>
 
+<file path=ppt/slides/slide14.xml><?xml version="1.0" encoding="utf-8"?>
+<p:sld xmlns:a="http://schemas.openxmlformats.org/drawingml/2006/main" xmlns:r="http://schemas.openxmlformats.org/officeDocument/2006/relationships" xmlns:p="http://schemas.openxmlformats.org/presentationml/2006/main">
+  <p:cSld>
+    <p:spTree>
+      <p:nvGrpSpPr>
+        <p:cNvPr id="1" name=""/>
+        <p:cNvGrpSpPr/>
+        <p:nvPr/>
+      </p:nvGrpSpPr>
+      <p:grpSpPr>
+        <a:xfrm>
+          <a:off x="0" y="0"/>
+          <a:ext cx="0" cy="0"/>
+          <a:chOff x="0" y="0"/>
+          <a:chExt cx="0" cy="0"/>
+        </a:xfrm>
+      </p:grpSpPr>
+      <p:pic>
+        <p:nvPicPr>
+          <p:cNvPr id="5" name="Picture 4">
+            <a:extLst>
+              <a:ext uri="{FF2B5EF4-FFF2-40B4-BE49-F238E27FC236}">
+                <a16:creationId xmlns:a16="http://schemas.microsoft.com/office/drawing/2014/main" id="{6C496447-FD7D-41D3-88CC-B324420AE391}"/>
+              </a:ext>
+            </a:extLst>
+          </p:cNvPr>
+          <p:cNvPicPr>
+            <a:picLocks noChangeAspect="1"/>
+          </p:cNvPicPr>
+          <p:nvPr/>
+        </p:nvPicPr>
+        <p:blipFill>
+          <a:blip r:embed="rId2"/>
+          <a:stretch>
+            <a:fillRect/>
+          </a:stretch>
+        </p:blipFill>
+        <p:spPr>
+          <a:xfrm>
+            <a:off x="1899213" y="1060704"/>
+            <a:ext cx="8345115" cy="5586984"/>
+          </a:xfrm>
+          <a:prstGeom prst="rect">
+            <a:avLst/>
+          </a:prstGeom>
+        </p:spPr>
+      </p:pic>
+      <p:sp>
+        <p:nvSpPr>
+          <p:cNvPr id="8" name="TextBox 7">
+            <a:extLst>
+              <a:ext uri="{FF2B5EF4-FFF2-40B4-BE49-F238E27FC236}">
+                <a16:creationId xmlns:a16="http://schemas.microsoft.com/office/drawing/2014/main" id="{7B317ED1-98FF-4CEC-875C-811749FDBE2E}"/>
+              </a:ext>
+            </a:extLst>
+          </p:cNvPr>
+          <p:cNvSpPr txBox="1"/>
+          <p:nvPr/>
+        </p:nvSpPr>
+        <p:spPr>
+          <a:xfrm>
+            <a:off x="316523" y="362930"/>
+            <a:ext cx="11192608" cy="584775"/>
+          </a:xfrm>
+          <a:prstGeom prst="rect">
+            <a:avLst/>
+          </a:prstGeom>
+          <a:noFill/>
+        </p:spPr>
+        <p:txBody>
+          <a:bodyPr wrap="square" rtlCol="0">
+            <a:spAutoFit/>
+          </a:bodyPr>
+          <a:lstStyle/>
+          <a:p>
+            <a:r>
+              <a:rPr lang="en-US" sz="3200" dirty="0">
+                <a:latin typeface="Times New Roman" panose="02020603050405020304" pitchFamily="18" charset="0"/>
+                <a:cs typeface="Times New Roman" panose="02020603050405020304" pitchFamily="18" charset="0"/>
+              </a:rPr>
+              <a:t>Presence Agreement graphic using Savanna class</a:t>
+            </a:r>
+          </a:p>
+        </p:txBody>
+      </p:sp>
+      <p:sp>
+        <p:nvSpPr>
+          <p:cNvPr id="9" name="Slide Number Placeholder 8">
+            <a:extLst>
+              <a:ext uri="{FF2B5EF4-FFF2-40B4-BE49-F238E27FC236}">
+                <a16:creationId xmlns:a16="http://schemas.microsoft.com/office/drawing/2014/main" id="{9C58E193-3EFA-4C21-AE87-0AD31F80AF89}"/>
+              </a:ext>
+            </a:extLst>
+          </p:cNvPr>
+          <p:cNvSpPr>
+            <a:spLocks noGrp="1"/>
+          </p:cNvSpPr>
+          <p:nvPr>
+            <p:ph type="sldNum" sz="quarter" idx="12"/>
+          </p:nvPr>
+        </p:nvSpPr>
+        <p:spPr/>
+        <p:txBody>
+          <a:bodyPr/>
+          <a:lstStyle/>
+          <a:p>
+            <a:fld id="{4E4388CE-8408-4C4D-B35A-15C296EFDD48}" type="slidenum">
+              <a:rPr lang="en-US" smtClean="0"/>
+              <a:t>14</a:t>
+            </a:fld>
+            <a:endParaRPr lang="en-US"/>
+          </a:p>
+        </p:txBody>
+      </p:sp>
+    </p:spTree>
+    <p:extLst>
+      <p:ext uri="{BB962C8B-B14F-4D97-AF65-F5344CB8AC3E}">
+        <p14:creationId xmlns:p14="http://schemas.microsoft.com/office/powerpoint/2010/main" val="3210451252"/>
+      </p:ext>
+    </p:extLst>
+  </p:cSld>
+  <p:clrMapOvr>
+    <a:masterClrMapping/>
+  </p:clrMapOvr>
+</p:sld>
+</file>
+
+<file path=ppt/slides/slide15.xml><?xml version="1.0" encoding="utf-8"?>
+<p:sld xmlns:a="http://schemas.openxmlformats.org/drawingml/2006/main" xmlns:r="http://schemas.openxmlformats.org/officeDocument/2006/relationships" xmlns:p="http://schemas.openxmlformats.org/presentationml/2006/main">
+  <p:cSld>
+    <p:spTree>
+      <p:nvGrpSpPr>
+        <p:cNvPr id="1" name=""/>
+        <p:cNvGrpSpPr/>
+        <p:nvPr/>
+      </p:nvGrpSpPr>
+      <p:grpSpPr>
+        <a:xfrm>
+          <a:off x="0" y="0"/>
+          <a:ext cx="0" cy="0"/>
+          <a:chOff x="0" y="0"/>
+          <a:chExt cx="0" cy="0"/>
+        </a:xfrm>
+      </p:grpSpPr>
+      <p:pic>
+        <p:nvPicPr>
+          <p:cNvPr id="6" name="Picture 5">
+            <a:extLst>
+              <a:ext uri="{FF2B5EF4-FFF2-40B4-BE49-F238E27FC236}">
+                <a16:creationId xmlns:a16="http://schemas.microsoft.com/office/drawing/2014/main" id="{15375BB5-C717-47C9-91D6-9F7ED9FBB0E9}"/>
+              </a:ext>
+            </a:extLst>
+          </p:cNvPr>
+          <p:cNvPicPr>
+            <a:picLocks noChangeAspect="1"/>
+          </p:cNvPicPr>
+          <p:nvPr/>
+        </p:nvPicPr>
+        <p:blipFill>
+          <a:blip r:embed="rId2"/>
+          <a:stretch>
+            <a:fillRect/>
+          </a:stretch>
+        </p:blipFill>
+        <p:spPr>
+          <a:xfrm>
+            <a:off x="884897" y="1133221"/>
+            <a:ext cx="10912078" cy="5586984"/>
+          </a:xfrm>
+          <a:prstGeom prst="rect">
+            <a:avLst/>
+          </a:prstGeom>
+        </p:spPr>
+      </p:pic>
+      <p:sp>
+        <p:nvSpPr>
+          <p:cNvPr id="8" name="TextBox 7">
+            <a:extLst>
+              <a:ext uri="{FF2B5EF4-FFF2-40B4-BE49-F238E27FC236}">
+                <a16:creationId xmlns:a16="http://schemas.microsoft.com/office/drawing/2014/main" id="{7B317ED1-98FF-4CEC-875C-811749FDBE2E}"/>
+              </a:ext>
+            </a:extLst>
+          </p:cNvPr>
+          <p:cNvSpPr txBox="1"/>
+          <p:nvPr/>
+        </p:nvSpPr>
+        <p:spPr>
+          <a:xfrm>
+            <a:off x="316523" y="362930"/>
+            <a:ext cx="10691446" cy="584775"/>
+          </a:xfrm>
+          <a:prstGeom prst="rect">
+            <a:avLst/>
+          </a:prstGeom>
+          <a:noFill/>
+        </p:spPr>
+        <p:txBody>
+          <a:bodyPr wrap="square" rtlCol="0">
+            <a:spAutoFit/>
+          </a:bodyPr>
+          <a:lstStyle/>
+          <a:p>
+            <a:r>
+              <a:rPr lang="en-US" sz="3200" dirty="0">
+                <a:latin typeface="Times New Roman" panose="02020603050405020304" pitchFamily="18" charset="0"/>
+                <a:cs typeface="Times New Roman" panose="02020603050405020304" pitchFamily="18" charset="0"/>
+              </a:rPr>
+              <a:t>Gross Losses and Gross Gains graphics using Savanna class</a:t>
+            </a:r>
+          </a:p>
+        </p:txBody>
+      </p:sp>
+      <p:sp>
+        <p:nvSpPr>
+          <p:cNvPr id="9" name="Slide Number Placeholder 8">
+            <a:extLst>
+              <a:ext uri="{FF2B5EF4-FFF2-40B4-BE49-F238E27FC236}">
+                <a16:creationId xmlns:a16="http://schemas.microsoft.com/office/drawing/2014/main" id="{9C58E193-3EFA-4C21-AE87-0AD31F80AF89}"/>
+              </a:ext>
+            </a:extLst>
+          </p:cNvPr>
+          <p:cNvSpPr>
+            <a:spLocks noGrp="1"/>
+          </p:cNvSpPr>
+          <p:nvPr>
+            <p:ph type="sldNum" sz="quarter" idx="12"/>
+          </p:nvPr>
+        </p:nvSpPr>
+        <p:spPr/>
+        <p:txBody>
+          <a:bodyPr/>
+          <a:lstStyle/>
+          <a:p>
+            <a:fld id="{4E4388CE-8408-4C4D-B35A-15C296EFDD48}" type="slidenum">
+              <a:rPr lang="en-US" smtClean="0"/>
+              <a:t>15</a:t>
+            </a:fld>
+            <a:endParaRPr lang="en-US"/>
+          </a:p>
+        </p:txBody>
+      </p:sp>
+    </p:spTree>
+    <p:extLst>
+      <p:ext uri="{BB962C8B-B14F-4D97-AF65-F5344CB8AC3E}">
+        <p14:creationId xmlns:p14="http://schemas.microsoft.com/office/powerpoint/2010/main" val="1301988076"/>
+      </p:ext>
+    </p:extLst>
+  </p:cSld>
+  <p:clrMapOvr>
+    <a:masterClrMapping/>
+  </p:clrMapOvr>
+</p:sld>
+</file>
+
+<file path=ppt/slides/slide16.xml><?xml version="1.0" encoding="utf-8"?>
+<p:sld xmlns:a="http://schemas.openxmlformats.org/drawingml/2006/main" xmlns:r="http://schemas.openxmlformats.org/officeDocument/2006/relationships" xmlns:p="http://schemas.openxmlformats.org/presentationml/2006/main">
+  <p:cSld>
+    <p:spTree>
+      <p:nvGrpSpPr>
+        <p:cNvPr id="1" name=""/>
+        <p:cNvGrpSpPr/>
+        <p:nvPr/>
+      </p:nvGrpSpPr>
+      <p:grpSpPr>
+        <a:xfrm>
+          <a:off x="0" y="0"/>
+          <a:ext cx="0" cy="0"/>
+          <a:chOff x="0" y="0"/>
+          <a:chExt cx="0" cy="0"/>
+        </a:xfrm>
+      </p:grpSpPr>
+      <p:pic>
+        <p:nvPicPr>
+          <p:cNvPr id="10" name="Picture 9">
+            <a:extLst>
+              <a:ext uri="{FF2B5EF4-FFF2-40B4-BE49-F238E27FC236}">
+                <a16:creationId xmlns:a16="http://schemas.microsoft.com/office/drawing/2014/main" id="{751CD098-2DA0-4B0E-938B-3F88DC73548C}"/>
+              </a:ext>
+            </a:extLst>
+          </p:cNvPr>
+          <p:cNvPicPr>
+            <a:picLocks noChangeAspect="1"/>
+          </p:cNvPicPr>
+          <p:nvPr/>
+        </p:nvPicPr>
+        <p:blipFill>
+          <a:blip r:embed="rId2"/>
+          <a:stretch>
+            <a:fillRect/>
+          </a:stretch>
+        </p:blipFill>
+        <p:spPr>
+          <a:xfrm>
+            <a:off x="916641" y="1133221"/>
+            <a:ext cx="10848590" cy="5586984"/>
+          </a:xfrm>
+          <a:prstGeom prst="rect">
+            <a:avLst/>
+          </a:prstGeom>
+        </p:spPr>
+      </p:pic>
+      <p:sp>
+        <p:nvSpPr>
+          <p:cNvPr id="2" name="Slide Number Placeholder 1">
+            <a:extLst>
+              <a:ext uri="{FF2B5EF4-FFF2-40B4-BE49-F238E27FC236}">
+                <a16:creationId xmlns:a16="http://schemas.microsoft.com/office/drawing/2014/main" id="{A32597C8-E9B4-4015-8C25-70C57DD47501}"/>
+              </a:ext>
+            </a:extLst>
+          </p:cNvPr>
+          <p:cNvSpPr>
+            <a:spLocks noGrp="1"/>
+          </p:cNvSpPr>
+          <p:nvPr>
+            <p:ph type="sldNum" sz="quarter" idx="12"/>
+          </p:nvPr>
+        </p:nvSpPr>
+        <p:spPr/>
+        <p:txBody>
+          <a:bodyPr/>
+          <a:lstStyle/>
+          <a:p>
+            <a:fld id="{4E4388CE-8408-4C4D-B35A-15C296EFDD48}" type="slidenum">
+              <a:rPr lang="en-US" smtClean="0"/>
+              <a:t>16</a:t>
+            </a:fld>
+            <a:endParaRPr lang="en-US"/>
+          </a:p>
+        </p:txBody>
+      </p:sp>
+      <p:sp>
+        <p:nvSpPr>
+          <p:cNvPr id="7" name="TextBox 6">
+            <a:extLst>
+              <a:ext uri="{FF2B5EF4-FFF2-40B4-BE49-F238E27FC236}">
+                <a16:creationId xmlns:a16="http://schemas.microsoft.com/office/drawing/2014/main" id="{321A085E-4272-4160-8E78-B3191871F9CE}"/>
+              </a:ext>
+            </a:extLst>
+          </p:cNvPr>
+          <p:cNvSpPr txBox="1"/>
+          <p:nvPr/>
+        </p:nvSpPr>
+        <p:spPr>
+          <a:xfrm>
+            <a:off x="316523" y="362930"/>
+            <a:ext cx="10691446" cy="584775"/>
+          </a:xfrm>
+          <a:prstGeom prst="rect">
+            <a:avLst/>
+          </a:prstGeom>
+          <a:noFill/>
+        </p:spPr>
+        <p:txBody>
+          <a:bodyPr wrap="square" rtlCol="0">
+            <a:spAutoFit/>
+          </a:bodyPr>
+          <a:lstStyle/>
+          <a:p>
+            <a:r>
+              <a:rPr lang="en-US" sz="3200" dirty="0">
+                <a:latin typeface="Times New Roman" panose="02020603050405020304" pitchFamily="18" charset="0"/>
+                <a:cs typeface="Times New Roman" panose="02020603050405020304" pitchFamily="18" charset="0"/>
+              </a:rPr>
+              <a:t>Net Losses and Net Gains graphics using Savanna class</a:t>
+            </a:r>
+          </a:p>
+        </p:txBody>
+      </p:sp>
+    </p:spTree>
+    <p:extLst>
+      <p:ext uri="{BB962C8B-B14F-4D97-AF65-F5344CB8AC3E}">
+        <p14:creationId xmlns:p14="http://schemas.microsoft.com/office/powerpoint/2010/main" val="562626520"/>
+      </p:ext>
+    </p:extLst>
+  </p:cSld>
+  <p:clrMapOvr>
+    <a:masterClrMapping/>
+  </p:clrMapOvr>
+</p:sld>
+</file>
+
+<file path=ppt/slides/slide17.xml><?xml version="1.0" encoding="utf-8"?>
+<p:sld xmlns:a="http://schemas.openxmlformats.org/drawingml/2006/main" xmlns:r="http://schemas.openxmlformats.org/officeDocument/2006/relationships" xmlns:p="http://schemas.openxmlformats.org/presentationml/2006/main">
+  <p:cSld>
+    <p:spTree>
+      <p:nvGrpSpPr>
+        <p:cNvPr id="1" name=""/>
+        <p:cNvGrpSpPr/>
+        <p:nvPr/>
+      </p:nvGrpSpPr>
+      <p:grpSpPr>
+        <a:xfrm>
+          <a:off x="0" y="0"/>
+          <a:ext cx="0" cy="0"/>
+          <a:chOff x="0" y="0"/>
+          <a:chExt cx="0" cy="0"/>
+        </a:xfrm>
+      </p:grpSpPr>
+      <p:sp>
+        <p:nvSpPr>
+          <p:cNvPr id="2" name="Slide Number Placeholder 1">
+            <a:extLst>
+              <a:ext uri="{FF2B5EF4-FFF2-40B4-BE49-F238E27FC236}">
+                <a16:creationId xmlns:a16="http://schemas.microsoft.com/office/drawing/2014/main" id="{0BAE1B9F-88C6-44E4-B0F9-571B10BA1DF9}"/>
+              </a:ext>
+            </a:extLst>
+          </p:cNvPr>
+          <p:cNvSpPr>
+            <a:spLocks noGrp="1"/>
+          </p:cNvSpPr>
+          <p:nvPr>
+            <p:ph type="sldNum" sz="quarter" idx="12"/>
+          </p:nvPr>
+        </p:nvSpPr>
+        <p:spPr/>
+        <p:txBody>
+          <a:bodyPr/>
+          <a:lstStyle/>
+          <a:p>
+            <a:fld id="{4E4388CE-8408-4C4D-B35A-15C296EFDD48}" type="slidenum">
+              <a:rPr lang="en-US" smtClean="0"/>
+              <a:t>17</a:t>
+            </a:fld>
+            <a:endParaRPr lang="en-US"/>
+          </a:p>
+        </p:txBody>
+      </p:sp>
+      <p:pic>
+        <p:nvPicPr>
+          <p:cNvPr id="4" name="Picture 3">
+            <a:extLst>
+              <a:ext uri="{FF2B5EF4-FFF2-40B4-BE49-F238E27FC236}">
+                <a16:creationId xmlns:a16="http://schemas.microsoft.com/office/drawing/2014/main" id="{902BF800-FC33-46ED-BD56-F8D08747C2DC}"/>
+              </a:ext>
+            </a:extLst>
+          </p:cNvPr>
+          <p:cNvPicPr>
+            <a:picLocks noChangeAspect="1"/>
+          </p:cNvPicPr>
+          <p:nvPr/>
+        </p:nvPicPr>
+        <p:blipFill>
+          <a:blip r:embed="rId2"/>
+          <a:stretch>
+            <a:fillRect/>
+          </a:stretch>
+        </p:blipFill>
+        <p:spPr>
+          <a:xfrm>
+            <a:off x="879841" y="0"/>
+            <a:ext cx="4964768" cy="6858000"/>
+          </a:xfrm>
+          <a:prstGeom prst="rect">
+            <a:avLst/>
+          </a:prstGeom>
+        </p:spPr>
+      </p:pic>
+      <p:pic>
+        <p:nvPicPr>
+          <p:cNvPr id="6" name="Picture 5">
+            <a:extLst>
+              <a:ext uri="{FF2B5EF4-FFF2-40B4-BE49-F238E27FC236}">
+                <a16:creationId xmlns:a16="http://schemas.microsoft.com/office/drawing/2014/main" id="{3BAE8774-2938-45A6-A030-74F1B7BD7142}"/>
+              </a:ext>
+            </a:extLst>
+          </p:cNvPr>
+          <p:cNvPicPr>
+            <a:picLocks noChangeAspect="1"/>
+          </p:cNvPicPr>
+          <p:nvPr/>
+        </p:nvPicPr>
+        <p:blipFill>
+          <a:blip r:embed="rId3"/>
+          <a:stretch>
+            <a:fillRect/>
+          </a:stretch>
+        </p:blipFill>
+        <p:spPr>
+          <a:xfrm>
+            <a:off x="5920502" y="0"/>
+            <a:ext cx="6063637" cy="6858000"/>
+          </a:xfrm>
+          <a:prstGeom prst="rect">
+            <a:avLst/>
+          </a:prstGeom>
+        </p:spPr>
+      </p:pic>
+    </p:spTree>
+    <p:extLst>
+      <p:ext uri="{BB962C8B-B14F-4D97-AF65-F5344CB8AC3E}">
+        <p14:creationId xmlns:p14="http://schemas.microsoft.com/office/powerpoint/2010/main" val="3433875807"/>
+      </p:ext>
+    </p:extLst>
+  </p:cSld>
+  <p:clrMapOvr>
+    <a:masterClrMapping/>
+  </p:clrMapOvr>
+</p:sld>
+</file>
+
+<file path=ppt/slides/slide18.xml><?xml version="1.0" encoding="utf-8"?>
+<p:sld xmlns:a="http://schemas.openxmlformats.org/drawingml/2006/main" xmlns:r="http://schemas.openxmlformats.org/officeDocument/2006/relationships" xmlns:p="http://schemas.openxmlformats.org/presentationml/2006/main">
+  <p:cSld>
+    <p:spTree>
+      <p:nvGrpSpPr>
+        <p:cNvPr id="1" name=""/>
+        <p:cNvGrpSpPr/>
+        <p:nvPr/>
+      </p:nvGrpSpPr>
+      <p:grpSpPr>
+        <a:xfrm>
+          <a:off x="0" y="0"/>
+          <a:ext cx="0" cy="0"/>
+          <a:chOff x="0" y="0"/>
+          <a:chExt cx="0" cy="0"/>
+        </a:xfrm>
+      </p:grpSpPr>
+      <p:sp>
+        <p:nvSpPr>
+          <p:cNvPr id="3" name="Title 2">
+            <a:extLst>
+              <a:ext uri="{FF2B5EF4-FFF2-40B4-BE49-F238E27FC236}">
+                <a16:creationId xmlns:a16="http://schemas.microsoft.com/office/drawing/2014/main" id="{FD846386-E384-4475-837E-0CEE3E9D7C02}"/>
+              </a:ext>
+            </a:extLst>
+          </p:cNvPr>
+          <p:cNvSpPr>
+            <a:spLocks noGrp="1"/>
+          </p:cNvSpPr>
+          <p:nvPr>
+            <p:ph type="title"/>
+          </p:nvPr>
+        </p:nvSpPr>
+        <p:spPr/>
+        <p:txBody>
+          <a:bodyPr/>
+          <a:lstStyle/>
+          <a:p>
+            <a:r>
+              <a:rPr lang="en-US" dirty="0">
+                <a:latin typeface="Times New Roman" panose="02020603050405020304" pitchFamily="18" charset="0"/>
+                <a:cs typeface="Times New Roman" panose="02020603050405020304" pitchFamily="18" charset="0"/>
+              </a:rPr>
+              <a:t>Soybean</a:t>
+            </a:r>
+          </a:p>
+        </p:txBody>
+      </p:sp>
+      <p:sp>
+        <p:nvSpPr>
+          <p:cNvPr id="4" name="Text Placeholder 3">
+            <a:extLst>
+              <a:ext uri="{FF2B5EF4-FFF2-40B4-BE49-F238E27FC236}">
+                <a16:creationId xmlns:a16="http://schemas.microsoft.com/office/drawing/2014/main" id="{174BC32C-813B-4D05-8B94-B151BDE6AAF4}"/>
+              </a:ext>
+            </a:extLst>
+          </p:cNvPr>
+          <p:cNvSpPr>
+            <a:spLocks noGrp="1"/>
+          </p:cNvSpPr>
+          <p:nvPr>
+            <p:ph type="body" idx="1"/>
+          </p:nvPr>
+        </p:nvSpPr>
+        <p:spPr/>
+        <p:txBody>
+          <a:bodyPr/>
+          <a:lstStyle/>
+          <a:p>
+            <a:r>
+              <a:rPr lang="en-US" dirty="0">
+                <a:latin typeface="Times New Roman" panose="02020603050405020304" pitchFamily="18" charset="0"/>
+                <a:cs typeface="Times New Roman" panose="02020603050405020304" pitchFamily="18" charset="0"/>
+              </a:rPr>
+              <a:t>MapBiomas Collection 6 and Collection 8</a:t>
+            </a:r>
+          </a:p>
+        </p:txBody>
+      </p:sp>
+      <p:sp>
+        <p:nvSpPr>
+          <p:cNvPr id="2" name="Slide Number Placeholder 1">
+            <a:extLst>
+              <a:ext uri="{FF2B5EF4-FFF2-40B4-BE49-F238E27FC236}">
+                <a16:creationId xmlns:a16="http://schemas.microsoft.com/office/drawing/2014/main" id="{310A4DB7-28C7-459D-A56D-31913D656D06}"/>
+              </a:ext>
+            </a:extLst>
+          </p:cNvPr>
+          <p:cNvSpPr>
+            <a:spLocks noGrp="1"/>
+          </p:cNvSpPr>
+          <p:nvPr>
+            <p:ph type="sldNum" sz="quarter" idx="12"/>
+          </p:nvPr>
+        </p:nvSpPr>
+        <p:spPr/>
+        <p:txBody>
+          <a:bodyPr/>
+          <a:lstStyle/>
+          <a:p>
+            <a:fld id="{4E4388CE-8408-4C4D-B35A-15C296EFDD48}" type="slidenum">
+              <a:rPr lang="en-US" smtClean="0"/>
+              <a:t>18</a:t>
+            </a:fld>
+            <a:endParaRPr lang="en-US"/>
+          </a:p>
+        </p:txBody>
+      </p:sp>
+    </p:spTree>
+    <p:extLst>
+      <p:ext uri="{BB962C8B-B14F-4D97-AF65-F5344CB8AC3E}">
+        <p14:creationId xmlns:p14="http://schemas.microsoft.com/office/powerpoint/2010/main" val="2552017504"/>
+      </p:ext>
+    </p:extLst>
+  </p:cSld>
+  <p:clrMapOvr>
+    <a:masterClrMapping/>
+  </p:clrMapOvr>
+</p:sld>
+</file>
+
+<file path=ppt/slides/slide19.xml><?xml version="1.0" encoding="utf-8"?>
+<p:sld xmlns:a="http://schemas.openxmlformats.org/drawingml/2006/main" xmlns:r="http://schemas.openxmlformats.org/officeDocument/2006/relationships" xmlns:p="http://schemas.openxmlformats.org/presentationml/2006/main">
+  <p:cSld>
+    <p:spTree>
+      <p:nvGrpSpPr>
+        <p:cNvPr id="1" name=""/>
+        <p:cNvGrpSpPr/>
+        <p:nvPr/>
+      </p:nvGrpSpPr>
+      <p:grpSpPr>
+        <a:xfrm>
+          <a:off x="0" y="0"/>
+          <a:ext cx="0" cy="0"/>
+          <a:chOff x="0" y="0"/>
+          <a:chExt cx="0" cy="0"/>
+        </a:xfrm>
+      </p:grpSpPr>
+      <p:pic>
+        <p:nvPicPr>
+          <p:cNvPr id="6" name="Picture 5">
+            <a:extLst>
+              <a:ext uri="{FF2B5EF4-FFF2-40B4-BE49-F238E27FC236}">
+                <a16:creationId xmlns:a16="http://schemas.microsoft.com/office/drawing/2014/main" id="{C8BD2EF3-A665-4E23-B38D-C79A802E9FC2}"/>
+              </a:ext>
+            </a:extLst>
+          </p:cNvPr>
+          <p:cNvPicPr>
+            <a:picLocks noChangeAspect="1"/>
+          </p:cNvPicPr>
+          <p:nvPr/>
+        </p:nvPicPr>
+        <p:blipFill>
+          <a:blip r:embed="rId2"/>
+          <a:stretch>
+            <a:fillRect/>
+          </a:stretch>
+        </p:blipFill>
+        <p:spPr>
+          <a:xfrm>
+            <a:off x="1947672" y="1134491"/>
+            <a:ext cx="8345115" cy="5586984"/>
+          </a:xfrm>
+          <a:prstGeom prst="rect">
+            <a:avLst/>
+          </a:prstGeom>
+        </p:spPr>
+      </p:pic>
+      <p:sp>
+        <p:nvSpPr>
+          <p:cNvPr id="8" name="TextBox 7">
+            <a:extLst>
+              <a:ext uri="{FF2B5EF4-FFF2-40B4-BE49-F238E27FC236}">
+                <a16:creationId xmlns:a16="http://schemas.microsoft.com/office/drawing/2014/main" id="{7B317ED1-98FF-4CEC-875C-811749FDBE2E}"/>
+              </a:ext>
+            </a:extLst>
+          </p:cNvPr>
+          <p:cNvSpPr txBox="1"/>
+          <p:nvPr/>
+        </p:nvSpPr>
+        <p:spPr>
+          <a:xfrm>
+            <a:off x="316523" y="362930"/>
+            <a:ext cx="11192608" cy="584775"/>
+          </a:xfrm>
+          <a:prstGeom prst="rect">
+            <a:avLst/>
+          </a:prstGeom>
+          <a:noFill/>
+        </p:spPr>
+        <p:txBody>
+          <a:bodyPr wrap="square" rtlCol="0">
+            <a:spAutoFit/>
+          </a:bodyPr>
+          <a:lstStyle/>
+          <a:p>
+            <a:r>
+              <a:rPr lang="en-US" sz="3200" dirty="0">
+                <a:latin typeface="Times New Roman" panose="02020603050405020304" pitchFamily="18" charset="0"/>
+                <a:cs typeface="Times New Roman" panose="02020603050405020304" pitchFamily="18" charset="0"/>
+              </a:rPr>
+              <a:t>Presence Agreement graphic using Soybean class</a:t>
+            </a:r>
+          </a:p>
+        </p:txBody>
+      </p:sp>
+      <p:sp>
+        <p:nvSpPr>
+          <p:cNvPr id="9" name="Slide Number Placeholder 8">
+            <a:extLst>
+              <a:ext uri="{FF2B5EF4-FFF2-40B4-BE49-F238E27FC236}">
+                <a16:creationId xmlns:a16="http://schemas.microsoft.com/office/drawing/2014/main" id="{9C58E193-3EFA-4C21-AE87-0AD31F80AF89}"/>
+              </a:ext>
+            </a:extLst>
+          </p:cNvPr>
+          <p:cNvSpPr>
+            <a:spLocks noGrp="1"/>
+          </p:cNvSpPr>
+          <p:nvPr>
+            <p:ph type="sldNum" sz="quarter" idx="12"/>
+          </p:nvPr>
+        </p:nvSpPr>
+        <p:spPr/>
+        <p:txBody>
+          <a:bodyPr/>
+          <a:lstStyle/>
+          <a:p>
+            <a:fld id="{4E4388CE-8408-4C4D-B35A-15C296EFDD48}" type="slidenum">
+              <a:rPr lang="en-US" smtClean="0"/>
+              <a:t>19</a:t>
+            </a:fld>
+            <a:endParaRPr lang="en-US"/>
+          </a:p>
+        </p:txBody>
+      </p:sp>
+    </p:spTree>
+    <p:extLst>
+      <p:ext uri="{BB962C8B-B14F-4D97-AF65-F5344CB8AC3E}">
+        <p14:creationId xmlns:p14="http://schemas.microsoft.com/office/powerpoint/2010/main" val="915752784"/>
+      </p:ext>
+    </p:extLst>
+  </p:cSld>
+  <p:clrMapOvr>
+    <a:masterClrMapping/>
+  </p:clrMapOvr>
+</p:sld>
+</file>
+
+<file path=ppt/slides/slide2.xml><?xml version="1.0" encoding="utf-8"?>
+<p:sld xmlns:a="http://schemas.openxmlformats.org/drawingml/2006/main" xmlns:r="http://schemas.openxmlformats.org/officeDocument/2006/relationships" xmlns:p="http://schemas.openxmlformats.org/presentationml/2006/main">
+  <p:cSld>
+    <p:spTree>
+      <p:nvGrpSpPr>
+        <p:cNvPr id="1" name=""/>
+        <p:cNvGrpSpPr/>
+        <p:nvPr/>
+      </p:nvGrpSpPr>
+      <p:grpSpPr>
+        <a:xfrm>
+          <a:off x="0" y="0"/>
+          <a:ext cx="0" cy="0"/>
+          <a:chOff x="0" y="0"/>
+          <a:chExt cx="0" cy="0"/>
+        </a:xfrm>
+      </p:grpSpPr>
+      <p:sp>
+        <p:nvSpPr>
+          <p:cNvPr id="8" name="TextBox 7">
+            <a:extLst>
+              <a:ext uri="{FF2B5EF4-FFF2-40B4-BE49-F238E27FC236}">
+                <a16:creationId xmlns:a16="http://schemas.microsoft.com/office/drawing/2014/main" id="{7B317ED1-98FF-4CEC-875C-811749FDBE2E}"/>
+              </a:ext>
+            </a:extLst>
+          </p:cNvPr>
+          <p:cNvSpPr txBox="1"/>
+          <p:nvPr/>
+        </p:nvSpPr>
+        <p:spPr>
+          <a:xfrm>
+            <a:off x="316523" y="362930"/>
+            <a:ext cx="11192608" cy="584775"/>
+          </a:xfrm>
+          <a:prstGeom prst="rect">
+            <a:avLst/>
+          </a:prstGeom>
+          <a:noFill/>
+        </p:spPr>
+        <p:txBody>
+          <a:bodyPr wrap="square" rtlCol="0">
+            <a:spAutoFit/>
+          </a:bodyPr>
+          <a:lstStyle/>
+          <a:p>
+            <a:r>
+              <a:rPr lang="en-US" sz="3200" dirty="0">
+                <a:latin typeface="Times New Roman" panose="02020603050405020304" pitchFamily="18" charset="0"/>
+                <a:cs typeface="Times New Roman" panose="02020603050405020304" pitchFamily="18" charset="0"/>
+              </a:rPr>
+              <a:t>Presence Agreement graphic using Toy data</a:t>
+            </a:r>
+          </a:p>
+        </p:txBody>
+      </p:sp>
+      <p:sp>
+        <p:nvSpPr>
+          <p:cNvPr id="9" name="Slide Number Placeholder 8">
+            <a:extLst>
+              <a:ext uri="{FF2B5EF4-FFF2-40B4-BE49-F238E27FC236}">
+                <a16:creationId xmlns:a16="http://schemas.microsoft.com/office/drawing/2014/main" id="{9C58E193-3EFA-4C21-AE87-0AD31F80AF89}"/>
+              </a:ext>
+            </a:extLst>
+          </p:cNvPr>
+          <p:cNvSpPr>
+            <a:spLocks noGrp="1"/>
+          </p:cNvSpPr>
+          <p:nvPr>
+            <p:ph type="sldNum" sz="quarter" idx="12"/>
+          </p:nvPr>
+        </p:nvSpPr>
+        <p:spPr/>
+        <p:txBody>
+          <a:bodyPr/>
+          <a:lstStyle/>
+          <a:p>
+            <a:fld id="{4E4388CE-8408-4C4D-B35A-15C296EFDD48}" type="slidenum">
+              <a:rPr lang="en-US" smtClean="0"/>
+              <a:t>2</a:t>
+            </a:fld>
+            <a:endParaRPr lang="en-US"/>
+          </a:p>
+        </p:txBody>
+      </p:sp>
+      <p:pic>
+        <p:nvPicPr>
+          <p:cNvPr id="6" name="Picture 5">
+            <a:extLst>
+              <a:ext uri="{FF2B5EF4-FFF2-40B4-BE49-F238E27FC236}">
+                <a16:creationId xmlns:a16="http://schemas.microsoft.com/office/drawing/2014/main" id="{B2FE6CD9-7EBE-4ABC-ACBF-46FDCA99DC87}"/>
+              </a:ext>
+            </a:extLst>
+          </p:cNvPr>
+          <p:cNvPicPr>
+            <a:picLocks noChangeAspect="1"/>
+          </p:cNvPicPr>
+          <p:nvPr/>
+        </p:nvPicPr>
+        <p:blipFill>
+          <a:blip r:embed="rId2"/>
+          <a:stretch>
+            <a:fillRect/>
+          </a:stretch>
+        </p:blipFill>
+        <p:spPr>
+          <a:xfrm>
+            <a:off x="2040408" y="1060605"/>
+            <a:ext cx="8343307" cy="5585774"/>
+          </a:xfrm>
+          <a:prstGeom prst="rect">
+            <a:avLst/>
+          </a:prstGeom>
+        </p:spPr>
+      </p:pic>
+    </p:spTree>
+    <p:extLst>
+      <p:ext uri="{BB962C8B-B14F-4D97-AF65-F5344CB8AC3E}">
+        <p14:creationId xmlns:p14="http://schemas.microsoft.com/office/powerpoint/2010/main" val="2313232701"/>
+      </p:ext>
+    </p:extLst>
+  </p:cSld>
+  <p:clrMapOvr>
+    <a:masterClrMapping/>
+  </p:clrMapOvr>
+</p:sld>
+</file>
+
+<file path=ppt/slides/slide20.xml><?xml version="1.0" encoding="utf-8"?>
+<p:sld xmlns:a="http://schemas.openxmlformats.org/drawingml/2006/main" xmlns:r="http://schemas.openxmlformats.org/officeDocument/2006/relationships" xmlns:p="http://schemas.openxmlformats.org/presentationml/2006/main">
+  <p:cSld>
+    <p:spTree>
+      <p:nvGrpSpPr>
+        <p:cNvPr id="1" name=""/>
+        <p:cNvGrpSpPr/>
+        <p:nvPr/>
+      </p:nvGrpSpPr>
+      <p:grpSpPr>
+        <a:xfrm>
+          <a:off x="0" y="0"/>
+          <a:ext cx="0" cy="0"/>
+          <a:chOff x="0" y="0"/>
+          <a:chExt cx="0" cy="0"/>
+        </a:xfrm>
+      </p:grpSpPr>
+      <p:sp>
+        <p:nvSpPr>
+          <p:cNvPr id="8" name="TextBox 7">
+            <a:extLst>
+              <a:ext uri="{FF2B5EF4-FFF2-40B4-BE49-F238E27FC236}">
+                <a16:creationId xmlns:a16="http://schemas.microsoft.com/office/drawing/2014/main" id="{7B317ED1-98FF-4CEC-875C-811749FDBE2E}"/>
+              </a:ext>
+            </a:extLst>
+          </p:cNvPr>
+          <p:cNvSpPr txBox="1"/>
+          <p:nvPr/>
+        </p:nvSpPr>
+        <p:spPr>
+          <a:xfrm>
+            <a:off x="316523" y="362930"/>
+            <a:ext cx="10691446" cy="584775"/>
+          </a:xfrm>
+          <a:prstGeom prst="rect">
+            <a:avLst/>
+          </a:prstGeom>
+          <a:noFill/>
+        </p:spPr>
+        <p:txBody>
+          <a:bodyPr wrap="square" rtlCol="0">
+            <a:spAutoFit/>
+          </a:bodyPr>
+          <a:lstStyle/>
+          <a:p>
+            <a:r>
+              <a:rPr lang="en-US" sz="3200" dirty="0">
+                <a:latin typeface="Times New Roman" panose="02020603050405020304" pitchFamily="18" charset="0"/>
+                <a:cs typeface="Times New Roman" panose="02020603050405020304" pitchFamily="18" charset="0"/>
+              </a:rPr>
+              <a:t>Gross Losses and Gross Gains graphics using Soybean class</a:t>
+            </a:r>
+          </a:p>
+        </p:txBody>
+      </p:sp>
+      <p:sp>
+        <p:nvSpPr>
+          <p:cNvPr id="9" name="Slide Number Placeholder 8">
+            <a:extLst>
+              <a:ext uri="{FF2B5EF4-FFF2-40B4-BE49-F238E27FC236}">
+                <a16:creationId xmlns:a16="http://schemas.microsoft.com/office/drawing/2014/main" id="{9C58E193-3EFA-4C21-AE87-0AD31F80AF89}"/>
+              </a:ext>
+            </a:extLst>
+          </p:cNvPr>
+          <p:cNvSpPr>
+            <a:spLocks noGrp="1"/>
+          </p:cNvSpPr>
+          <p:nvPr>
+            <p:ph type="sldNum" sz="quarter" idx="12"/>
+          </p:nvPr>
+        </p:nvSpPr>
+        <p:spPr/>
+        <p:txBody>
+          <a:bodyPr/>
+          <a:lstStyle/>
+          <a:p>
+            <a:fld id="{4E4388CE-8408-4C4D-B35A-15C296EFDD48}" type="slidenum">
+              <a:rPr lang="en-US" smtClean="0"/>
+              <a:t>20</a:t>
+            </a:fld>
+            <a:endParaRPr lang="en-US"/>
+          </a:p>
+        </p:txBody>
+      </p:sp>
+      <p:pic>
+        <p:nvPicPr>
+          <p:cNvPr id="6" name="Picture 5">
+            <a:extLst>
+              <a:ext uri="{FF2B5EF4-FFF2-40B4-BE49-F238E27FC236}">
+                <a16:creationId xmlns:a16="http://schemas.microsoft.com/office/drawing/2014/main" id="{194F7757-3A9D-4B45-BDFF-C427F5D7CDA1}"/>
+              </a:ext>
+            </a:extLst>
+          </p:cNvPr>
+          <p:cNvPicPr>
+            <a:picLocks noChangeAspect="1"/>
+          </p:cNvPicPr>
+          <p:nvPr/>
+        </p:nvPicPr>
+        <p:blipFill>
+          <a:blip r:embed="rId2"/>
+          <a:stretch>
+            <a:fillRect/>
+          </a:stretch>
+        </p:blipFill>
+        <p:spPr>
+          <a:xfrm>
+            <a:off x="639961" y="1061992"/>
+            <a:ext cx="10912078" cy="5586984"/>
+          </a:xfrm>
+          <a:prstGeom prst="rect">
+            <a:avLst/>
+          </a:prstGeom>
+        </p:spPr>
+      </p:pic>
+      <p:pic>
+        <p:nvPicPr>
+          <p:cNvPr id="10" name="Picture 9">
+            <a:extLst>
+              <a:ext uri="{FF2B5EF4-FFF2-40B4-BE49-F238E27FC236}">
+                <a16:creationId xmlns:a16="http://schemas.microsoft.com/office/drawing/2014/main" id="{E89DE128-F67E-4482-B504-330EDD4591BA}"/>
+              </a:ext>
+            </a:extLst>
+          </p:cNvPr>
+          <p:cNvPicPr>
+            <a:picLocks noChangeAspect="1"/>
+          </p:cNvPicPr>
+          <p:nvPr/>
+        </p:nvPicPr>
+        <p:blipFill>
+          <a:blip r:embed="rId3"/>
+          <a:stretch>
+            <a:fillRect/>
+          </a:stretch>
+        </p:blipFill>
+        <p:spPr>
+          <a:xfrm>
+            <a:off x="676656" y="1133856"/>
+            <a:ext cx="10912078" cy="5586984"/>
+          </a:xfrm>
+          <a:prstGeom prst="rect">
+            <a:avLst/>
+          </a:prstGeom>
+        </p:spPr>
+      </p:pic>
+    </p:spTree>
+    <p:extLst>
+      <p:ext uri="{BB962C8B-B14F-4D97-AF65-F5344CB8AC3E}">
+        <p14:creationId xmlns:p14="http://schemas.microsoft.com/office/powerpoint/2010/main" val="2011692012"/>
+      </p:ext>
+    </p:extLst>
+  </p:cSld>
+  <p:clrMapOvr>
+    <a:masterClrMapping/>
+  </p:clrMapOvr>
+</p:sld>
+</file>
+
+<file path=ppt/slides/slide21.xml><?xml version="1.0" encoding="utf-8"?>
+<p:sld xmlns:a="http://schemas.openxmlformats.org/drawingml/2006/main" xmlns:r="http://schemas.openxmlformats.org/officeDocument/2006/relationships" xmlns:p="http://schemas.openxmlformats.org/presentationml/2006/main">
+  <p:cSld>
+    <p:spTree>
+      <p:nvGrpSpPr>
+        <p:cNvPr id="1" name=""/>
+        <p:cNvGrpSpPr/>
+        <p:nvPr/>
+      </p:nvGrpSpPr>
+      <p:grpSpPr>
+        <a:xfrm>
+          <a:off x="0" y="0"/>
+          <a:ext cx="0" cy="0"/>
+          <a:chOff x="0" y="0"/>
+          <a:chExt cx="0" cy="0"/>
+        </a:xfrm>
+      </p:grpSpPr>
+      <p:pic>
+        <p:nvPicPr>
+          <p:cNvPr id="5" name="Picture 4">
+            <a:extLst>
+              <a:ext uri="{FF2B5EF4-FFF2-40B4-BE49-F238E27FC236}">
+                <a16:creationId xmlns:a16="http://schemas.microsoft.com/office/drawing/2014/main" id="{8A4EF27B-EC5C-4C15-AA99-278B0F12F0BB}"/>
+              </a:ext>
+            </a:extLst>
+          </p:cNvPr>
+          <p:cNvPicPr>
+            <a:picLocks noChangeAspect="1"/>
+          </p:cNvPicPr>
+          <p:nvPr/>
+        </p:nvPicPr>
+        <p:blipFill>
+          <a:blip r:embed="rId2"/>
+          <a:stretch>
+            <a:fillRect/>
+          </a:stretch>
+        </p:blipFill>
+        <p:spPr>
+          <a:xfrm>
+            <a:off x="671705" y="1134491"/>
+            <a:ext cx="10848590" cy="5586984"/>
+          </a:xfrm>
+          <a:prstGeom prst="rect">
+            <a:avLst/>
+          </a:prstGeom>
+        </p:spPr>
+      </p:pic>
+      <p:sp>
+        <p:nvSpPr>
+          <p:cNvPr id="9" name="Slide Number Placeholder 8">
+            <a:extLst>
+              <a:ext uri="{FF2B5EF4-FFF2-40B4-BE49-F238E27FC236}">
+                <a16:creationId xmlns:a16="http://schemas.microsoft.com/office/drawing/2014/main" id="{9C58E193-3EFA-4C21-AE87-0AD31F80AF89}"/>
+              </a:ext>
+            </a:extLst>
+          </p:cNvPr>
+          <p:cNvSpPr>
+            <a:spLocks noGrp="1"/>
+          </p:cNvSpPr>
+          <p:nvPr>
+            <p:ph type="sldNum" sz="quarter" idx="12"/>
+          </p:nvPr>
+        </p:nvSpPr>
+        <p:spPr/>
+        <p:txBody>
+          <a:bodyPr/>
+          <a:lstStyle/>
+          <a:p>
+            <a:fld id="{4E4388CE-8408-4C4D-B35A-15C296EFDD48}" type="slidenum">
+              <a:rPr lang="en-US" smtClean="0"/>
+              <a:t>21</a:t>
+            </a:fld>
+            <a:endParaRPr lang="en-US"/>
+          </a:p>
+        </p:txBody>
+      </p:sp>
+      <p:sp>
+        <p:nvSpPr>
+          <p:cNvPr id="10" name="TextBox 9">
+            <a:extLst>
+              <a:ext uri="{FF2B5EF4-FFF2-40B4-BE49-F238E27FC236}">
+                <a16:creationId xmlns:a16="http://schemas.microsoft.com/office/drawing/2014/main" id="{2A51FB31-BA6A-4EAE-A15A-FDFB4FE751B3}"/>
+              </a:ext>
+            </a:extLst>
+          </p:cNvPr>
+          <p:cNvSpPr txBox="1"/>
+          <p:nvPr/>
+        </p:nvSpPr>
+        <p:spPr>
+          <a:xfrm>
+            <a:off x="316523" y="362930"/>
+            <a:ext cx="10691446" cy="584775"/>
+          </a:xfrm>
+          <a:prstGeom prst="rect">
+            <a:avLst/>
+          </a:prstGeom>
+          <a:noFill/>
+        </p:spPr>
+        <p:txBody>
+          <a:bodyPr wrap="square" rtlCol="0">
+            <a:spAutoFit/>
+          </a:bodyPr>
+          <a:lstStyle/>
+          <a:p>
+            <a:r>
+              <a:rPr lang="en-US" sz="3200" dirty="0">
+                <a:latin typeface="Times New Roman" panose="02020603050405020304" pitchFamily="18" charset="0"/>
+                <a:cs typeface="Times New Roman" panose="02020603050405020304" pitchFamily="18" charset="0"/>
+              </a:rPr>
+              <a:t>Net Losses and Net Gains graphics using Soybean class</a:t>
+            </a:r>
+          </a:p>
+        </p:txBody>
+      </p:sp>
+    </p:spTree>
+    <p:extLst>
+      <p:ext uri="{BB962C8B-B14F-4D97-AF65-F5344CB8AC3E}">
+        <p14:creationId xmlns:p14="http://schemas.microsoft.com/office/powerpoint/2010/main" val="970817046"/>
+      </p:ext>
+    </p:extLst>
+  </p:cSld>
+  <p:clrMapOvr>
+    <a:masterClrMapping/>
+  </p:clrMapOvr>
+</p:sld>
+</file>
+
+<file path=ppt/slides/slide22.xml><?xml version="1.0" encoding="utf-8"?>
+<p:sld xmlns:a="http://schemas.openxmlformats.org/drawingml/2006/main" xmlns:r="http://schemas.openxmlformats.org/officeDocument/2006/relationships" xmlns:p="http://schemas.openxmlformats.org/presentationml/2006/main">
+  <p:cSld>
+    <p:spTree>
+      <p:nvGrpSpPr>
+        <p:cNvPr id="1" name=""/>
+        <p:cNvGrpSpPr/>
+        <p:nvPr/>
+      </p:nvGrpSpPr>
+      <p:grpSpPr>
+        <a:xfrm>
+          <a:off x="0" y="0"/>
+          <a:ext cx="0" cy="0"/>
+          <a:chOff x="0" y="0"/>
+          <a:chExt cx="0" cy="0"/>
+        </a:xfrm>
+      </p:grpSpPr>
+      <p:pic>
+        <p:nvPicPr>
+          <p:cNvPr id="8" name="Picture 7">
+            <a:extLst>
+              <a:ext uri="{FF2B5EF4-FFF2-40B4-BE49-F238E27FC236}">
+                <a16:creationId xmlns:a16="http://schemas.microsoft.com/office/drawing/2014/main" id="{D2D29350-5110-40DF-BE0B-64CFF05FAE74}"/>
+              </a:ext>
+            </a:extLst>
+          </p:cNvPr>
+          <p:cNvPicPr>
+            <a:picLocks noChangeAspect="1"/>
+          </p:cNvPicPr>
+          <p:nvPr/>
+        </p:nvPicPr>
+        <p:blipFill>
+          <a:blip r:embed="rId2"/>
+          <a:stretch>
+            <a:fillRect/>
+          </a:stretch>
+        </p:blipFill>
+        <p:spPr>
+          <a:xfrm>
+            <a:off x="5844609" y="0"/>
+            <a:ext cx="6063637" cy="6858000"/>
+          </a:xfrm>
+          <a:prstGeom prst="rect">
+            <a:avLst/>
+          </a:prstGeom>
+        </p:spPr>
+      </p:pic>
+      <p:pic>
+        <p:nvPicPr>
+          <p:cNvPr id="5" name="Picture 4">
+            <a:extLst>
+              <a:ext uri="{FF2B5EF4-FFF2-40B4-BE49-F238E27FC236}">
+                <a16:creationId xmlns:a16="http://schemas.microsoft.com/office/drawing/2014/main" id="{FA026EFF-A4DE-4759-97F1-99FCBD795DA9}"/>
+              </a:ext>
+            </a:extLst>
+          </p:cNvPr>
+          <p:cNvPicPr>
+            <a:picLocks noChangeAspect="1"/>
+          </p:cNvPicPr>
+          <p:nvPr/>
+        </p:nvPicPr>
+        <p:blipFill>
+          <a:blip r:embed="rId3"/>
+          <a:stretch>
+            <a:fillRect/>
+          </a:stretch>
+        </p:blipFill>
+        <p:spPr>
+          <a:xfrm>
+            <a:off x="917788" y="0"/>
+            <a:ext cx="4964768" cy="6858000"/>
+          </a:xfrm>
+          <a:prstGeom prst="rect">
+            <a:avLst/>
+          </a:prstGeom>
+        </p:spPr>
+      </p:pic>
+      <p:sp>
+        <p:nvSpPr>
+          <p:cNvPr id="2" name="Slide Number Placeholder 1">
+            <a:extLst>
+              <a:ext uri="{FF2B5EF4-FFF2-40B4-BE49-F238E27FC236}">
+                <a16:creationId xmlns:a16="http://schemas.microsoft.com/office/drawing/2014/main" id="{0BAE1B9F-88C6-44E4-B0F9-571B10BA1DF9}"/>
+              </a:ext>
+            </a:extLst>
+          </p:cNvPr>
+          <p:cNvSpPr>
+            <a:spLocks noGrp="1"/>
+          </p:cNvSpPr>
+          <p:nvPr>
+            <p:ph type="sldNum" sz="quarter" idx="12"/>
+          </p:nvPr>
+        </p:nvSpPr>
+        <p:spPr/>
+        <p:txBody>
+          <a:bodyPr/>
+          <a:lstStyle/>
+          <a:p>
+            <a:fld id="{4E4388CE-8408-4C4D-B35A-15C296EFDD48}" type="slidenum">
+              <a:rPr lang="en-US" smtClean="0"/>
+              <a:t>22</a:t>
+            </a:fld>
+            <a:endParaRPr lang="en-US"/>
+          </a:p>
+        </p:txBody>
+      </p:sp>
+      <p:pic>
+        <p:nvPicPr>
+          <p:cNvPr id="4" name="Picture 3">
+            <a:extLst>
+              <a:ext uri="{FF2B5EF4-FFF2-40B4-BE49-F238E27FC236}">
+                <a16:creationId xmlns:a16="http://schemas.microsoft.com/office/drawing/2014/main" id="{902BF800-FC33-46ED-BD56-F8D08747C2DC}"/>
+              </a:ext>
+            </a:extLst>
+          </p:cNvPr>
+          <p:cNvPicPr>
+            <a:picLocks noChangeAspect="1"/>
+          </p:cNvPicPr>
+          <p:nvPr/>
+        </p:nvPicPr>
+        <p:blipFill>
+          <a:blip r:embed="rId4"/>
+          <a:stretch>
+            <a:fillRect/>
+          </a:stretch>
+        </p:blipFill>
+        <p:spPr>
+          <a:xfrm>
+            <a:off x="879841" y="0"/>
+            <a:ext cx="4964768" cy="6858000"/>
+          </a:xfrm>
+          <a:prstGeom prst="rect">
+            <a:avLst/>
+          </a:prstGeom>
+        </p:spPr>
+      </p:pic>
+    </p:spTree>
+    <p:extLst>
+      <p:ext uri="{BB962C8B-B14F-4D97-AF65-F5344CB8AC3E}">
+        <p14:creationId xmlns:p14="http://schemas.microsoft.com/office/powerpoint/2010/main" val="4026267146"/>
+      </p:ext>
+    </p:extLst>
+  </p:cSld>
+  <p:clrMapOvr>
+    <a:masterClrMapping/>
+  </p:clrMapOvr>
+</p:sld>
+</file>
+
+<file path=ppt/slides/slide23.xml><?xml version="1.0" encoding="utf-8"?>
+<p:sld xmlns:a="http://schemas.openxmlformats.org/drawingml/2006/main" xmlns:r="http://schemas.openxmlformats.org/officeDocument/2006/relationships" xmlns:p="http://schemas.openxmlformats.org/presentationml/2006/main" show="0">
+  <p:cSld>
+    <p:spTree>
+      <p:nvGrpSpPr>
+        <p:cNvPr id="1" name=""/>
+        <p:cNvGrpSpPr/>
+        <p:nvPr/>
+      </p:nvGrpSpPr>
+      <p:grpSpPr>
+        <a:xfrm>
+          <a:off x="0" y="0"/>
+          <a:ext cx="0" cy="0"/>
+          <a:chOff x="0" y="0"/>
+          <a:chExt cx="0" cy="0"/>
+        </a:xfrm>
+      </p:grpSpPr>
+      <p:sp>
+        <p:nvSpPr>
+          <p:cNvPr id="2" name="Slide Number Placeholder 1">
+            <a:extLst>
+              <a:ext uri="{FF2B5EF4-FFF2-40B4-BE49-F238E27FC236}">
+                <a16:creationId xmlns:a16="http://schemas.microsoft.com/office/drawing/2014/main" id="{79B79D86-291E-4FD1-99CD-0CE6AEF1129F}"/>
+              </a:ext>
+            </a:extLst>
+          </p:cNvPr>
+          <p:cNvSpPr>
+            <a:spLocks noGrp="1"/>
+          </p:cNvSpPr>
+          <p:nvPr>
+            <p:ph type="sldNum" sz="quarter" idx="12"/>
+          </p:nvPr>
+        </p:nvSpPr>
+        <p:spPr/>
+        <p:txBody>
+          <a:bodyPr/>
+          <a:lstStyle/>
+          <a:p>
+            <a:fld id="{4E4388CE-8408-4C4D-B35A-15C296EFDD48}" type="slidenum">
+              <a:rPr lang="en-US" smtClean="0"/>
+              <a:t>23</a:t>
+            </a:fld>
+            <a:endParaRPr lang="en-US"/>
+          </a:p>
+        </p:txBody>
+      </p:sp>
+      <p:pic>
+        <p:nvPicPr>
+          <p:cNvPr id="4" name="Picture 3">
+            <a:extLst>
+              <a:ext uri="{FF2B5EF4-FFF2-40B4-BE49-F238E27FC236}">
+                <a16:creationId xmlns:a16="http://schemas.microsoft.com/office/drawing/2014/main" id="{98086999-8C16-4B03-8B9D-679C036C1413}"/>
+              </a:ext>
+            </a:extLst>
+          </p:cNvPr>
+          <p:cNvPicPr>
+            <a:picLocks noChangeAspect="1"/>
+          </p:cNvPicPr>
+          <p:nvPr/>
+        </p:nvPicPr>
+        <p:blipFill>
+          <a:blip r:embed="rId2"/>
+          <a:stretch>
+            <a:fillRect/>
+          </a:stretch>
+        </p:blipFill>
+        <p:spPr>
+          <a:xfrm>
+            <a:off x="246269" y="0"/>
+            <a:ext cx="6388908" cy="6858000"/>
+          </a:xfrm>
+          <a:prstGeom prst="rect">
+            <a:avLst/>
+          </a:prstGeom>
+        </p:spPr>
+      </p:pic>
+      <p:sp>
+        <p:nvSpPr>
+          <p:cNvPr id="6" name="TextBox 5">
+            <a:extLst>
+              <a:ext uri="{FF2B5EF4-FFF2-40B4-BE49-F238E27FC236}">
+                <a16:creationId xmlns:a16="http://schemas.microsoft.com/office/drawing/2014/main" id="{FC0193F7-A299-4AC5-8BE9-868C8ABCF5F6}"/>
+              </a:ext>
+            </a:extLst>
+          </p:cNvPr>
+          <p:cNvSpPr txBox="1"/>
+          <p:nvPr/>
+        </p:nvSpPr>
+        <p:spPr>
+          <a:xfrm>
+            <a:off x="7200899" y="1441938"/>
+            <a:ext cx="4325815" cy="2400657"/>
+          </a:xfrm>
+          <a:prstGeom prst="rect">
+            <a:avLst/>
+          </a:prstGeom>
+          <a:noFill/>
+        </p:spPr>
+        <p:txBody>
+          <a:bodyPr wrap="square" rtlCol="0">
+            <a:spAutoFit/>
+          </a:bodyPr>
+          <a:lstStyle/>
+          <a:p>
+            <a:r>
+              <a:rPr lang="pt-BR" sz="1000" dirty="0"/>
+              <a:t>Sem Concordância de Mudança (Cinza): Esta é a categoria de base. Um pixel é cinza se, ao longo de toda a série temporal, nunca houve um momento em que as duas coleções concordassem sobre uma mudança (seja ganho ou perda) naquele </a:t>
+            </a:r>
+            <a:r>
+              <a:rPr lang="pt-BR" sz="1000" dirty="0" err="1"/>
+              <a:t>local.Ganho</a:t>
+            </a:r>
+            <a:r>
+              <a:rPr lang="pt-BR" sz="1000" dirty="0"/>
+              <a:t> Dominante (Azul): Um pixel é azul se a soma total da concordância sobre os ganhos foi maior do que a soma total da concordância sobre as perdas. Isso indica que, embora ambos os tipos de concordância pudessem ter ocorrido, a concordância sobre os ganhos foi a mais forte ou a única a </a:t>
+            </a:r>
+            <a:r>
+              <a:rPr lang="pt-BR" sz="1000" dirty="0" err="1"/>
+              <a:t>ocorrer.Perda</a:t>
+            </a:r>
+            <a:r>
+              <a:rPr lang="pt-BR" sz="1000" dirty="0"/>
+              <a:t> Dominante (Vermelho): Um pixel é vermelho se a soma total da concordância sobre as perdas foi maior do que a soma total da concordância sobre as ganhos. Isso mostra que a concordância sobre as perdas foi o evento predominante naquele </a:t>
+            </a:r>
+            <a:r>
+              <a:rPr lang="pt-BR" sz="1000" dirty="0" err="1"/>
+              <a:t>local.Concordância</a:t>
+            </a:r>
+            <a:r>
+              <a:rPr lang="pt-BR" sz="1000" dirty="0"/>
+              <a:t> Mista (Ganho = Perda) (Roxo): Um pixel é roxo se a magnitude da concordância sobre os ganhos foi exatamente igual à magnitude da concordância sobre as perdas (e ambas não são zero). Isso representa um equilíbrio, indicando que o local experimentou concordância sobre "</a:t>
+            </a:r>
+            <a:r>
+              <a:rPr lang="pt-BR" sz="1000" dirty="0" err="1"/>
+              <a:t>alternation</a:t>
+            </a:r>
+            <a:r>
+              <a:rPr lang="pt-BR" sz="1000" dirty="0"/>
+              <a:t>" (ganhos e perdas) na mesma medida.</a:t>
+            </a:r>
+            <a:endParaRPr lang="en-US" sz="1000" dirty="0"/>
+          </a:p>
+        </p:txBody>
+      </p:sp>
+    </p:spTree>
+    <p:extLst>
+      <p:ext uri="{BB962C8B-B14F-4D97-AF65-F5344CB8AC3E}">
+        <p14:creationId xmlns:p14="http://schemas.microsoft.com/office/powerpoint/2010/main" val="1277300885"/>
+      </p:ext>
+    </p:extLst>
+  </p:cSld>
+  <p:clrMapOvr>
+    <a:masterClrMapping/>
+  </p:clrMapOvr>
+</p:sld>
+</file>
+
+<file path=ppt/slides/slide3.xml><?xml version="1.0" encoding="utf-8"?>
+<p:sld xmlns:a="http://schemas.openxmlformats.org/drawingml/2006/main" xmlns:r="http://schemas.openxmlformats.org/officeDocument/2006/relationships" xmlns:p="http://schemas.openxmlformats.org/presentationml/2006/main">
+  <p:cSld>
+    <p:spTree>
+      <p:nvGrpSpPr>
+        <p:cNvPr id="1" name=""/>
+        <p:cNvGrpSpPr/>
+        <p:nvPr/>
+      </p:nvGrpSpPr>
+      <p:grpSpPr>
+        <a:xfrm>
+          <a:off x="0" y="0"/>
+          <a:ext cx="0" cy="0"/>
+          <a:chOff x="0" y="0"/>
+          <a:chExt cx="0" cy="0"/>
+        </a:xfrm>
+      </p:grpSpPr>
+      <p:sp>
+        <p:nvSpPr>
+          <p:cNvPr id="8" name="TextBox 7">
+            <a:extLst>
+              <a:ext uri="{FF2B5EF4-FFF2-40B4-BE49-F238E27FC236}">
+                <a16:creationId xmlns:a16="http://schemas.microsoft.com/office/drawing/2014/main" id="{7B317ED1-98FF-4CEC-875C-811749FDBE2E}"/>
+              </a:ext>
+            </a:extLst>
+          </p:cNvPr>
+          <p:cNvSpPr txBox="1"/>
+          <p:nvPr/>
+        </p:nvSpPr>
+        <p:spPr>
+          <a:xfrm>
+            <a:off x="316523" y="362930"/>
+            <a:ext cx="11192608" cy="584775"/>
+          </a:xfrm>
+          <a:prstGeom prst="rect">
+            <a:avLst/>
+          </a:prstGeom>
+          <a:noFill/>
+        </p:spPr>
+        <p:txBody>
+          <a:bodyPr wrap="square" rtlCol="0">
+            <a:spAutoFit/>
+          </a:bodyPr>
+          <a:lstStyle/>
+          <a:p>
+            <a:r>
+              <a:rPr lang="en-US" sz="3200" dirty="0">
+                <a:latin typeface="Times New Roman" panose="02020603050405020304" pitchFamily="18" charset="0"/>
+                <a:cs typeface="Times New Roman" panose="02020603050405020304" pitchFamily="18" charset="0"/>
+              </a:rPr>
+              <a:t>Gross Losses and Gross Gains graphic using Toy data</a:t>
+            </a:r>
+          </a:p>
+        </p:txBody>
+      </p:sp>
+      <p:sp>
+        <p:nvSpPr>
+          <p:cNvPr id="9" name="Slide Number Placeholder 8">
+            <a:extLst>
+              <a:ext uri="{FF2B5EF4-FFF2-40B4-BE49-F238E27FC236}">
+                <a16:creationId xmlns:a16="http://schemas.microsoft.com/office/drawing/2014/main" id="{9C58E193-3EFA-4C21-AE87-0AD31F80AF89}"/>
+              </a:ext>
+            </a:extLst>
+          </p:cNvPr>
+          <p:cNvSpPr>
+            <a:spLocks noGrp="1"/>
+          </p:cNvSpPr>
+          <p:nvPr>
+            <p:ph type="sldNum" sz="quarter" idx="12"/>
+          </p:nvPr>
+        </p:nvSpPr>
+        <p:spPr/>
+        <p:txBody>
+          <a:bodyPr/>
+          <a:lstStyle/>
+          <a:p>
+            <a:fld id="{4E4388CE-8408-4C4D-B35A-15C296EFDD48}" type="slidenum">
+              <a:rPr lang="en-US" smtClean="0"/>
+              <a:t>3</a:t>
+            </a:fld>
+            <a:endParaRPr lang="en-US"/>
+          </a:p>
+        </p:txBody>
+      </p:sp>
+      <p:pic>
+        <p:nvPicPr>
+          <p:cNvPr id="5" name="Picture 4">
+            <a:extLst>
+              <a:ext uri="{FF2B5EF4-FFF2-40B4-BE49-F238E27FC236}">
+                <a16:creationId xmlns:a16="http://schemas.microsoft.com/office/drawing/2014/main" id="{E67C7756-72EE-4880-B4D3-633CA2A35FFC}"/>
+              </a:ext>
+            </a:extLst>
+          </p:cNvPr>
+          <p:cNvPicPr>
+            <a:picLocks noChangeAspect="1"/>
+          </p:cNvPicPr>
+          <p:nvPr/>
+        </p:nvPicPr>
+        <p:blipFill>
+          <a:blip r:embed="rId2"/>
+          <a:stretch>
+            <a:fillRect/>
+          </a:stretch>
+        </p:blipFill>
+        <p:spPr>
+          <a:xfrm>
+            <a:off x="838200" y="1134491"/>
+            <a:ext cx="10896207" cy="5586984"/>
+          </a:xfrm>
+          <a:prstGeom prst="rect">
+            <a:avLst/>
+          </a:prstGeom>
+        </p:spPr>
+      </p:pic>
+    </p:spTree>
+    <p:extLst>
+      <p:ext uri="{BB962C8B-B14F-4D97-AF65-F5344CB8AC3E}">
+        <p14:creationId xmlns:p14="http://schemas.microsoft.com/office/powerpoint/2010/main" val="4193320713"/>
+      </p:ext>
+    </p:extLst>
+  </p:cSld>
+  <p:clrMapOvr>
+    <a:masterClrMapping/>
+  </p:clrMapOvr>
+</p:sld>
+</file>
+
+<file path=ppt/slides/slide4.xml><?xml version="1.0" encoding="utf-8"?>
+<p:sld xmlns:a="http://schemas.openxmlformats.org/drawingml/2006/main" xmlns:r="http://schemas.openxmlformats.org/officeDocument/2006/relationships" xmlns:p="http://schemas.openxmlformats.org/presentationml/2006/main">
+  <p:cSld>
+    <p:spTree>
+      <p:nvGrpSpPr>
+        <p:cNvPr id="1" name=""/>
+        <p:cNvGrpSpPr/>
+        <p:nvPr/>
+      </p:nvGrpSpPr>
+      <p:grpSpPr>
+        <a:xfrm>
+          <a:off x="0" y="0"/>
+          <a:ext cx="0" cy="0"/>
+          <a:chOff x="0" y="0"/>
+          <a:chExt cx="0" cy="0"/>
+        </a:xfrm>
+      </p:grpSpPr>
+      <p:sp>
+        <p:nvSpPr>
+          <p:cNvPr id="8" name="TextBox 7">
+            <a:extLst>
+              <a:ext uri="{FF2B5EF4-FFF2-40B4-BE49-F238E27FC236}">
+                <a16:creationId xmlns:a16="http://schemas.microsoft.com/office/drawing/2014/main" id="{7B317ED1-98FF-4CEC-875C-811749FDBE2E}"/>
+              </a:ext>
+            </a:extLst>
+          </p:cNvPr>
+          <p:cNvSpPr txBox="1"/>
+          <p:nvPr/>
+        </p:nvSpPr>
+        <p:spPr>
+          <a:xfrm>
+            <a:off x="316523" y="362930"/>
+            <a:ext cx="11192608" cy="584775"/>
+          </a:xfrm>
+          <a:prstGeom prst="rect">
+            <a:avLst/>
+          </a:prstGeom>
+          <a:noFill/>
+        </p:spPr>
+        <p:txBody>
+          <a:bodyPr wrap="square" rtlCol="0">
+            <a:spAutoFit/>
+          </a:bodyPr>
+          <a:lstStyle/>
+          <a:p>
+            <a:r>
+              <a:rPr lang="en-US" sz="3200" dirty="0">
+                <a:latin typeface="Times New Roman" panose="02020603050405020304" pitchFamily="18" charset="0"/>
+                <a:cs typeface="Times New Roman" panose="02020603050405020304" pitchFamily="18" charset="0"/>
+              </a:rPr>
+              <a:t>Net change graphic using Toy data</a:t>
+            </a:r>
+          </a:p>
+        </p:txBody>
+      </p:sp>
+      <p:sp>
+        <p:nvSpPr>
+          <p:cNvPr id="9" name="Slide Number Placeholder 8">
+            <a:extLst>
+              <a:ext uri="{FF2B5EF4-FFF2-40B4-BE49-F238E27FC236}">
+                <a16:creationId xmlns:a16="http://schemas.microsoft.com/office/drawing/2014/main" id="{9C58E193-3EFA-4C21-AE87-0AD31F80AF89}"/>
+              </a:ext>
+            </a:extLst>
+          </p:cNvPr>
+          <p:cNvSpPr>
+            <a:spLocks noGrp="1"/>
+          </p:cNvSpPr>
+          <p:nvPr>
+            <p:ph type="sldNum" sz="quarter" idx="12"/>
+          </p:nvPr>
+        </p:nvSpPr>
+        <p:spPr/>
+        <p:txBody>
+          <a:bodyPr/>
+          <a:lstStyle/>
+          <a:p>
+            <a:fld id="{4E4388CE-8408-4C4D-B35A-15C296EFDD48}" type="slidenum">
+              <a:rPr lang="en-US" smtClean="0"/>
+              <a:t>4</a:t>
+            </a:fld>
+            <a:endParaRPr lang="en-US"/>
+          </a:p>
+        </p:txBody>
+      </p:sp>
+      <p:pic>
+        <p:nvPicPr>
+          <p:cNvPr id="3" name="Picture 2">
+            <a:extLst>
+              <a:ext uri="{FF2B5EF4-FFF2-40B4-BE49-F238E27FC236}">
+                <a16:creationId xmlns:a16="http://schemas.microsoft.com/office/drawing/2014/main" id="{8449399F-1530-482F-A766-B17E2C259E0C}"/>
+              </a:ext>
+            </a:extLst>
+          </p:cNvPr>
+          <p:cNvPicPr>
+            <a:picLocks noChangeAspect="1"/>
+          </p:cNvPicPr>
+          <p:nvPr/>
+        </p:nvPicPr>
+        <p:blipFill>
+          <a:blip r:embed="rId2"/>
+          <a:stretch>
+            <a:fillRect/>
+          </a:stretch>
+        </p:blipFill>
+        <p:spPr>
+          <a:xfrm>
+            <a:off x="838200" y="1134491"/>
+            <a:ext cx="10832717" cy="5586984"/>
+          </a:xfrm>
+          <a:prstGeom prst="rect">
+            <a:avLst/>
+          </a:prstGeom>
+        </p:spPr>
+      </p:pic>
+    </p:spTree>
+    <p:extLst>
+      <p:ext uri="{BB962C8B-B14F-4D97-AF65-F5344CB8AC3E}">
+        <p14:creationId xmlns:p14="http://schemas.microsoft.com/office/powerpoint/2010/main" val="2005176352"/>
+      </p:ext>
+    </p:extLst>
+  </p:cSld>
+  <p:clrMapOvr>
+    <a:masterClrMapping/>
+  </p:clrMapOvr>
+</p:sld>
+</file>
+
+<file path=ppt/slides/slide5.xml><?xml version="1.0" encoding="utf-8"?>
+<p:sld xmlns:a="http://schemas.openxmlformats.org/drawingml/2006/main" xmlns:r="http://schemas.openxmlformats.org/officeDocument/2006/relationships" xmlns:p="http://schemas.openxmlformats.org/presentationml/2006/main">
+  <p:cSld>
+    <p:spTree>
+      <p:nvGrpSpPr>
+        <p:cNvPr id="1" name=""/>
+        <p:cNvGrpSpPr/>
+        <p:nvPr/>
+      </p:nvGrpSpPr>
+      <p:grpSpPr>
+        <a:xfrm>
+          <a:off x="0" y="0"/>
+          <a:ext cx="0" cy="0"/>
+          <a:chOff x="0" y="0"/>
+          <a:chExt cx="0" cy="0"/>
+        </a:xfrm>
+      </p:grpSpPr>
+      <p:sp>
+        <p:nvSpPr>
+          <p:cNvPr id="3" name="Title 2">
+            <a:extLst>
+              <a:ext uri="{FF2B5EF4-FFF2-40B4-BE49-F238E27FC236}">
+                <a16:creationId xmlns:a16="http://schemas.microsoft.com/office/drawing/2014/main" id="{FD846386-E384-4475-837E-0CEE3E9D7C02}"/>
+              </a:ext>
+            </a:extLst>
+          </p:cNvPr>
+          <p:cNvSpPr>
+            <a:spLocks noGrp="1"/>
+          </p:cNvSpPr>
+          <p:nvPr>
+            <p:ph type="title"/>
+          </p:nvPr>
+        </p:nvSpPr>
+        <p:spPr/>
+        <p:txBody>
+          <a:bodyPr/>
+          <a:lstStyle/>
+          <a:p>
+            <a:r>
+              <a:rPr lang="en-US" dirty="0">
+                <a:latin typeface="Times New Roman" panose="02020603050405020304" pitchFamily="18" charset="0"/>
+                <a:cs typeface="Times New Roman" panose="02020603050405020304" pitchFamily="18" charset="0"/>
+              </a:rPr>
+              <a:t>Forest</a:t>
+            </a:r>
+          </a:p>
+        </p:txBody>
+      </p:sp>
+      <p:sp>
+        <p:nvSpPr>
+          <p:cNvPr id="4" name="Text Placeholder 3">
+            <a:extLst>
+              <a:ext uri="{FF2B5EF4-FFF2-40B4-BE49-F238E27FC236}">
+                <a16:creationId xmlns:a16="http://schemas.microsoft.com/office/drawing/2014/main" id="{174BC32C-813B-4D05-8B94-B151BDE6AAF4}"/>
+              </a:ext>
+            </a:extLst>
+          </p:cNvPr>
+          <p:cNvSpPr>
+            <a:spLocks noGrp="1"/>
+          </p:cNvSpPr>
+          <p:nvPr>
+            <p:ph type="body" idx="1"/>
+          </p:nvPr>
+        </p:nvSpPr>
+        <p:spPr/>
+        <p:txBody>
+          <a:bodyPr/>
+          <a:lstStyle/>
+          <a:p>
+            <a:r>
+              <a:rPr lang="en-US" dirty="0">
+                <a:latin typeface="Times New Roman" panose="02020603050405020304" pitchFamily="18" charset="0"/>
+                <a:cs typeface="Times New Roman" panose="02020603050405020304" pitchFamily="18" charset="0"/>
+              </a:rPr>
+              <a:t>MapBiomas Collection 6 and Collection 8</a:t>
+            </a:r>
+          </a:p>
+        </p:txBody>
+      </p:sp>
+      <p:sp>
+        <p:nvSpPr>
+          <p:cNvPr id="2" name="Slide Number Placeholder 1">
+            <a:extLst>
+              <a:ext uri="{FF2B5EF4-FFF2-40B4-BE49-F238E27FC236}">
+                <a16:creationId xmlns:a16="http://schemas.microsoft.com/office/drawing/2014/main" id="{310A4DB7-28C7-459D-A56D-31913D656D06}"/>
+              </a:ext>
+            </a:extLst>
+          </p:cNvPr>
+          <p:cNvSpPr>
+            <a:spLocks noGrp="1"/>
+          </p:cNvSpPr>
+          <p:nvPr>
+            <p:ph type="sldNum" sz="quarter" idx="12"/>
+          </p:nvPr>
+        </p:nvSpPr>
+        <p:spPr/>
+        <p:txBody>
+          <a:bodyPr/>
+          <a:lstStyle/>
+          <a:p>
+            <a:fld id="{4E4388CE-8408-4C4D-B35A-15C296EFDD48}" type="slidenum">
+              <a:rPr lang="en-US" smtClean="0"/>
+              <a:t>5</a:t>
+            </a:fld>
+            <a:endParaRPr lang="en-US"/>
+          </a:p>
+        </p:txBody>
+      </p:sp>
+    </p:spTree>
+    <p:extLst>
+      <p:ext uri="{BB962C8B-B14F-4D97-AF65-F5344CB8AC3E}">
+        <p14:creationId xmlns:p14="http://schemas.microsoft.com/office/powerpoint/2010/main" val="3621393779"/>
+      </p:ext>
+    </p:extLst>
+  </p:cSld>
+  <p:clrMapOvr>
+    <a:masterClrMapping/>
+  </p:clrMapOvr>
+</p:sld>
+</file>
+
+<file path=ppt/slides/slide6.xml><?xml version="1.0" encoding="utf-8"?>
+<p:sld xmlns:a="http://schemas.openxmlformats.org/drawingml/2006/main" xmlns:r="http://schemas.openxmlformats.org/officeDocument/2006/relationships" xmlns:p="http://schemas.openxmlformats.org/presentationml/2006/main">
+  <p:cSld>
+    <p:spTree>
+      <p:nvGrpSpPr>
+        <p:cNvPr id="1" name=""/>
+        <p:cNvGrpSpPr/>
+        <p:nvPr/>
+      </p:nvGrpSpPr>
+      <p:grpSpPr>
+        <a:xfrm>
+          <a:off x="0" y="0"/>
+          <a:ext cx="0" cy="0"/>
+          <a:chOff x="0" y="0"/>
+          <a:chExt cx="0" cy="0"/>
+        </a:xfrm>
+      </p:grpSpPr>
+      <p:pic>
+        <p:nvPicPr>
+          <p:cNvPr id="6" name="Picture 5">
+            <a:extLst>
+              <a:ext uri="{FF2B5EF4-FFF2-40B4-BE49-F238E27FC236}">
+                <a16:creationId xmlns:a16="http://schemas.microsoft.com/office/drawing/2014/main" id="{F6D515F0-8163-4991-8044-21627D730636}"/>
+              </a:ext>
+            </a:extLst>
+          </p:cNvPr>
+          <p:cNvPicPr>
+            <a:picLocks noChangeAspect="1"/>
+          </p:cNvPicPr>
+          <p:nvPr/>
+        </p:nvPicPr>
+        <p:blipFill>
+          <a:blip r:embed="rId2"/>
+          <a:stretch>
+            <a:fillRect/>
+          </a:stretch>
+        </p:blipFill>
+        <p:spPr>
+          <a:xfrm>
+            <a:off x="1740269" y="986917"/>
+            <a:ext cx="8345115" cy="5586984"/>
+          </a:xfrm>
+          <a:prstGeom prst="rect">
+            <a:avLst/>
+          </a:prstGeom>
+        </p:spPr>
+      </p:pic>
+      <p:sp>
+        <p:nvSpPr>
+          <p:cNvPr id="8" name="TextBox 7">
+            <a:extLst>
+              <a:ext uri="{FF2B5EF4-FFF2-40B4-BE49-F238E27FC236}">
+                <a16:creationId xmlns:a16="http://schemas.microsoft.com/office/drawing/2014/main" id="{7B317ED1-98FF-4CEC-875C-811749FDBE2E}"/>
+              </a:ext>
+            </a:extLst>
+          </p:cNvPr>
+          <p:cNvSpPr txBox="1"/>
+          <p:nvPr/>
+        </p:nvSpPr>
+        <p:spPr>
+          <a:xfrm>
+            <a:off x="316523" y="362930"/>
+            <a:ext cx="11192608" cy="584775"/>
+          </a:xfrm>
+          <a:prstGeom prst="rect">
+            <a:avLst/>
+          </a:prstGeom>
+          <a:noFill/>
+        </p:spPr>
+        <p:txBody>
+          <a:bodyPr wrap="square" rtlCol="0">
+            <a:spAutoFit/>
+          </a:bodyPr>
+          <a:lstStyle/>
+          <a:p>
+            <a:r>
+              <a:rPr lang="en-US" sz="3200" dirty="0">
+                <a:latin typeface="Times New Roman" panose="02020603050405020304" pitchFamily="18" charset="0"/>
+                <a:cs typeface="Times New Roman" panose="02020603050405020304" pitchFamily="18" charset="0"/>
+              </a:rPr>
+              <a:t>Presence Agreement graphic using Forest class</a:t>
+            </a:r>
+          </a:p>
+        </p:txBody>
+      </p:sp>
+      <p:sp>
+        <p:nvSpPr>
+          <p:cNvPr id="9" name="Slide Number Placeholder 8">
+            <a:extLst>
+              <a:ext uri="{FF2B5EF4-FFF2-40B4-BE49-F238E27FC236}">
+                <a16:creationId xmlns:a16="http://schemas.microsoft.com/office/drawing/2014/main" id="{9C58E193-3EFA-4C21-AE87-0AD31F80AF89}"/>
+              </a:ext>
+            </a:extLst>
+          </p:cNvPr>
+          <p:cNvSpPr>
+            <a:spLocks noGrp="1"/>
+          </p:cNvSpPr>
+          <p:nvPr>
+            <p:ph type="sldNum" sz="quarter" idx="12"/>
+          </p:nvPr>
+        </p:nvSpPr>
+        <p:spPr/>
+        <p:txBody>
+          <a:bodyPr/>
+          <a:lstStyle/>
+          <a:p>
+            <a:fld id="{4E4388CE-8408-4C4D-B35A-15C296EFDD48}" type="slidenum">
+              <a:rPr lang="en-US" smtClean="0"/>
+              <a:t>6</a:t>
+            </a:fld>
+            <a:endParaRPr lang="en-US"/>
+          </a:p>
+        </p:txBody>
+      </p:sp>
+    </p:spTree>
+    <p:extLst>
+      <p:ext uri="{BB962C8B-B14F-4D97-AF65-F5344CB8AC3E}">
+        <p14:creationId xmlns:p14="http://schemas.microsoft.com/office/powerpoint/2010/main" val="1937715002"/>
+      </p:ext>
+    </p:extLst>
+  </p:cSld>
+  <p:clrMapOvr>
+    <a:masterClrMapping/>
+  </p:clrMapOvr>
+</p:sld>
+</file>
+
+<file path=ppt/slides/slide7.xml><?xml version="1.0" encoding="utf-8"?>
+<p:sld xmlns:a="http://schemas.openxmlformats.org/drawingml/2006/main" xmlns:r="http://schemas.openxmlformats.org/officeDocument/2006/relationships" xmlns:p="http://schemas.openxmlformats.org/presentationml/2006/main">
+  <p:cSld>
+    <p:spTree>
+      <p:nvGrpSpPr>
+        <p:cNvPr id="1" name=""/>
+        <p:cNvGrpSpPr/>
+        <p:nvPr/>
+      </p:nvGrpSpPr>
+      <p:grpSpPr>
+        <a:xfrm>
+          <a:off x="0" y="0"/>
+          <a:ext cx="0" cy="0"/>
+          <a:chOff x="0" y="0"/>
+          <a:chExt cx="0" cy="0"/>
+        </a:xfrm>
+      </p:grpSpPr>
+      <p:pic>
+        <p:nvPicPr>
+          <p:cNvPr id="6" name="Picture 5">
+            <a:extLst>
+              <a:ext uri="{FF2B5EF4-FFF2-40B4-BE49-F238E27FC236}">
+                <a16:creationId xmlns:a16="http://schemas.microsoft.com/office/drawing/2014/main" id="{B309D27E-401F-42EA-A419-5A12AEF8A33F}"/>
+              </a:ext>
+            </a:extLst>
+          </p:cNvPr>
+          <p:cNvPicPr>
+            <a:picLocks noChangeAspect="1"/>
+          </p:cNvPicPr>
+          <p:nvPr/>
+        </p:nvPicPr>
+        <p:blipFill>
+          <a:blip r:embed="rId2"/>
+          <a:stretch>
+            <a:fillRect/>
+          </a:stretch>
+        </p:blipFill>
+        <p:spPr>
+          <a:xfrm>
+            <a:off x="896801" y="1133221"/>
+            <a:ext cx="10840653" cy="5586984"/>
+          </a:xfrm>
+          <a:prstGeom prst="rect">
+            <a:avLst/>
+          </a:prstGeom>
+        </p:spPr>
+      </p:pic>
+      <p:sp>
+        <p:nvSpPr>
+          <p:cNvPr id="8" name="TextBox 7">
+            <a:extLst>
+              <a:ext uri="{FF2B5EF4-FFF2-40B4-BE49-F238E27FC236}">
+                <a16:creationId xmlns:a16="http://schemas.microsoft.com/office/drawing/2014/main" id="{7B317ED1-98FF-4CEC-875C-811749FDBE2E}"/>
+              </a:ext>
+            </a:extLst>
+          </p:cNvPr>
+          <p:cNvSpPr txBox="1"/>
+          <p:nvPr/>
+        </p:nvSpPr>
+        <p:spPr>
+          <a:xfrm>
+            <a:off x="316523" y="362930"/>
+            <a:ext cx="10691446" cy="584775"/>
+          </a:xfrm>
+          <a:prstGeom prst="rect">
+            <a:avLst/>
+          </a:prstGeom>
+          <a:noFill/>
+        </p:spPr>
+        <p:txBody>
+          <a:bodyPr wrap="square" rtlCol="0">
+            <a:spAutoFit/>
+          </a:bodyPr>
+          <a:lstStyle/>
+          <a:p>
+            <a:r>
+              <a:rPr lang="en-US" sz="3200" dirty="0">
+                <a:latin typeface="Times New Roman" panose="02020603050405020304" pitchFamily="18" charset="0"/>
+                <a:cs typeface="Times New Roman" panose="02020603050405020304" pitchFamily="18" charset="0"/>
+              </a:rPr>
+              <a:t>Gross Losses and Gross Gains graphics using Forest class</a:t>
+            </a:r>
+          </a:p>
+        </p:txBody>
+      </p:sp>
+      <p:sp>
+        <p:nvSpPr>
+          <p:cNvPr id="9" name="Slide Number Placeholder 8">
+            <a:extLst>
+              <a:ext uri="{FF2B5EF4-FFF2-40B4-BE49-F238E27FC236}">
+                <a16:creationId xmlns:a16="http://schemas.microsoft.com/office/drawing/2014/main" id="{9C58E193-3EFA-4C21-AE87-0AD31F80AF89}"/>
+              </a:ext>
+            </a:extLst>
+          </p:cNvPr>
+          <p:cNvSpPr>
+            <a:spLocks noGrp="1"/>
+          </p:cNvSpPr>
+          <p:nvPr>
+            <p:ph type="sldNum" sz="quarter" idx="12"/>
+          </p:nvPr>
+        </p:nvSpPr>
+        <p:spPr/>
+        <p:txBody>
+          <a:bodyPr/>
+          <a:lstStyle/>
+          <a:p>
+            <a:fld id="{4E4388CE-8408-4C4D-B35A-15C296EFDD48}" type="slidenum">
+              <a:rPr lang="en-US" smtClean="0"/>
+              <a:t>7</a:t>
+            </a:fld>
+            <a:endParaRPr lang="en-US"/>
+          </a:p>
+        </p:txBody>
+      </p:sp>
+    </p:spTree>
+    <p:extLst>
+      <p:ext uri="{BB962C8B-B14F-4D97-AF65-F5344CB8AC3E}">
+        <p14:creationId xmlns:p14="http://schemas.microsoft.com/office/powerpoint/2010/main" val="56306516"/>
+      </p:ext>
+    </p:extLst>
+  </p:cSld>
+  <p:clrMapOvr>
+    <a:masterClrMapping/>
+  </p:clrMapOvr>
+</p:sld>
+</file>
+
+<file path=ppt/slides/slide8.xml><?xml version="1.0" encoding="utf-8"?>
+<p:sld xmlns:a="http://schemas.openxmlformats.org/drawingml/2006/main" xmlns:r="http://schemas.openxmlformats.org/officeDocument/2006/relationships" xmlns:p="http://schemas.openxmlformats.org/presentationml/2006/main">
+  <p:cSld>
+    <p:spTree>
+      <p:nvGrpSpPr>
+        <p:cNvPr id="1" name=""/>
+        <p:cNvGrpSpPr/>
+        <p:nvPr/>
+      </p:nvGrpSpPr>
+      <p:grpSpPr>
+        <a:xfrm>
+          <a:off x="0" y="0"/>
+          <a:ext cx="0" cy="0"/>
+          <a:chOff x="0" y="0"/>
+          <a:chExt cx="0" cy="0"/>
+        </a:xfrm>
+      </p:grpSpPr>
+      <p:pic>
+        <p:nvPicPr>
+          <p:cNvPr id="9" name="Picture 8">
+            <a:extLst>
+              <a:ext uri="{FF2B5EF4-FFF2-40B4-BE49-F238E27FC236}">
+                <a16:creationId xmlns:a16="http://schemas.microsoft.com/office/drawing/2014/main" id="{569084B6-159B-4D71-BB1F-46BC606738E1}"/>
+              </a:ext>
+            </a:extLst>
+          </p:cNvPr>
+          <p:cNvPicPr>
+            <a:picLocks noChangeAspect="1"/>
+          </p:cNvPicPr>
+          <p:nvPr/>
+        </p:nvPicPr>
+        <p:blipFill>
+          <a:blip r:embed="rId2"/>
+          <a:stretch>
+            <a:fillRect/>
+          </a:stretch>
+        </p:blipFill>
+        <p:spPr>
+          <a:xfrm>
+            <a:off x="896801" y="1133221"/>
+            <a:ext cx="10777165" cy="5586984"/>
+          </a:xfrm>
+          <a:prstGeom prst="rect">
+            <a:avLst/>
+          </a:prstGeom>
+        </p:spPr>
+      </p:pic>
+      <p:sp>
+        <p:nvSpPr>
+          <p:cNvPr id="2" name="Slide Number Placeholder 1">
+            <a:extLst>
+              <a:ext uri="{FF2B5EF4-FFF2-40B4-BE49-F238E27FC236}">
+                <a16:creationId xmlns:a16="http://schemas.microsoft.com/office/drawing/2014/main" id="{A32597C8-E9B4-4015-8C25-70C57DD47501}"/>
+              </a:ext>
+            </a:extLst>
+          </p:cNvPr>
+          <p:cNvSpPr>
+            <a:spLocks noGrp="1"/>
+          </p:cNvSpPr>
+          <p:nvPr>
+            <p:ph type="sldNum" sz="quarter" idx="12"/>
+          </p:nvPr>
+        </p:nvSpPr>
+        <p:spPr/>
+        <p:txBody>
+          <a:bodyPr/>
+          <a:lstStyle/>
+          <a:p>
+            <a:fld id="{4E4388CE-8408-4C4D-B35A-15C296EFDD48}" type="slidenum">
+              <a:rPr lang="en-US" smtClean="0"/>
+              <a:t>8</a:t>
+            </a:fld>
+            <a:endParaRPr lang="en-US"/>
+          </a:p>
+        </p:txBody>
+      </p:sp>
+      <p:sp>
+        <p:nvSpPr>
+          <p:cNvPr id="7" name="TextBox 6">
+            <a:extLst>
+              <a:ext uri="{FF2B5EF4-FFF2-40B4-BE49-F238E27FC236}">
+                <a16:creationId xmlns:a16="http://schemas.microsoft.com/office/drawing/2014/main" id="{321A085E-4272-4160-8E78-B3191871F9CE}"/>
+              </a:ext>
+            </a:extLst>
+          </p:cNvPr>
+          <p:cNvSpPr txBox="1"/>
+          <p:nvPr/>
+        </p:nvSpPr>
+        <p:spPr>
+          <a:xfrm>
+            <a:off x="316523" y="362930"/>
+            <a:ext cx="10691446" cy="584775"/>
+          </a:xfrm>
+          <a:prstGeom prst="rect">
+            <a:avLst/>
+          </a:prstGeom>
+          <a:noFill/>
+        </p:spPr>
+        <p:txBody>
+          <a:bodyPr wrap="square" rtlCol="0">
+            <a:spAutoFit/>
+          </a:bodyPr>
+          <a:lstStyle/>
+          <a:p>
+            <a:r>
+              <a:rPr lang="en-US" sz="3200" dirty="0">
+                <a:latin typeface="Times New Roman" panose="02020603050405020304" pitchFamily="18" charset="0"/>
+                <a:cs typeface="Times New Roman" panose="02020603050405020304" pitchFamily="18" charset="0"/>
+              </a:rPr>
+              <a:t>Net Losses and Net Gains graphics using Savanna class</a:t>
+            </a:r>
+          </a:p>
+        </p:txBody>
+      </p:sp>
+    </p:spTree>
+    <p:extLst>
+      <p:ext uri="{BB962C8B-B14F-4D97-AF65-F5344CB8AC3E}">
+        <p14:creationId xmlns:p14="http://schemas.microsoft.com/office/powerpoint/2010/main" val="1317767297"/>
+      </p:ext>
+    </p:extLst>
+  </p:cSld>
+  <p:clrMapOvr>
+    <a:masterClrMapping/>
+  </p:clrMapOvr>
+</p:sld>
+</file>
+
 <file path=ppt/slides/slide9.xml><?xml version="1.0" encoding="utf-8"?>
 <p:sld xmlns:a="http://schemas.openxmlformats.org/drawingml/2006/main" xmlns:r="http://schemas.openxmlformats.org/officeDocument/2006/relationships" xmlns:p="http://schemas.openxmlformats.org/presentationml/2006/main">
   <p:cSld>
@@ -5272,10 +6430,10 @@
       </p:grpSpPr>
       <p:pic>
         <p:nvPicPr>
-          <p:cNvPr id="7" name="Picture 6">
-            <a:extLst>
-              <a:ext uri="{FF2B5EF4-FFF2-40B4-BE49-F238E27FC236}">
-                <a16:creationId xmlns:a16="http://schemas.microsoft.com/office/drawing/2014/main" id="{952A4C88-53CA-4F11-8307-A7FFAA61B46E}"/>
+          <p:cNvPr id="8" name="Picture 7">
+            <a:extLst>
+              <a:ext uri="{FF2B5EF4-FFF2-40B4-BE49-F238E27FC236}">
+                <a16:creationId xmlns:a16="http://schemas.microsoft.com/office/drawing/2014/main" id="{4BDDA274-ACB4-4CFC-8BBA-ECA607E35D8A}"/>
               </a:ext>
             </a:extLst>
           </p:cNvPr>
@@ -5285,70 +6443,57 @@
           <p:nvPr/>
         </p:nvPicPr>
         <p:blipFill>
-          <a:blip r:embed="rId2">
-            <a:extLst>
-              <a:ext uri="{28A0092B-C50C-407E-A947-70E740481C1C}">
-                <a14:useLocalDpi xmlns:a14="http://schemas.microsoft.com/office/drawing/2010/main" val="0"/>
-              </a:ext>
-            </a:extLst>
-          </a:blip>
-          <a:srcRect/>
-          <a:stretch/>
+          <a:blip r:embed="rId2"/>
+          <a:stretch>
+            <a:fillRect/>
+          </a:stretch>
         </p:blipFill>
         <p:spPr>
           <a:xfrm>
-            <a:off x="1782251" y="1169958"/>
-            <a:ext cx="9049530" cy="5379731"/>
+            <a:off x="5882556" y="0"/>
+            <a:ext cx="5970961" cy="6858000"/>
           </a:xfrm>
           <a:prstGeom prst="rect">
             <a:avLst/>
           </a:prstGeom>
         </p:spPr>
       </p:pic>
-      <p:sp>
-        <p:nvSpPr>
-          <p:cNvPr id="8" name="TextBox 7">
-            <a:extLst>
-              <a:ext uri="{FF2B5EF4-FFF2-40B4-BE49-F238E27FC236}">
-                <a16:creationId xmlns:a16="http://schemas.microsoft.com/office/drawing/2014/main" id="{7B317ED1-98FF-4CEC-875C-811749FDBE2E}"/>
-              </a:ext>
-            </a:extLst>
-          </p:cNvPr>
-          <p:cNvSpPr txBox="1"/>
+      <p:pic>
+        <p:nvPicPr>
+          <p:cNvPr id="5" name="Picture 4">
+            <a:extLst>
+              <a:ext uri="{FF2B5EF4-FFF2-40B4-BE49-F238E27FC236}">
+                <a16:creationId xmlns:a16="http://schemas.microsoft.com/office/drawing/2014/main" id="{87E76281-CE51-4BAD-B85F-02D7F0E2519E}"/>
+              </a:ext>
+            </a:extLst>
+          </p:cNvPr>
+          <p:cNvPicPr>
+            <a:picLocks noChangeAspect="1"/>
+          </p:cNvPicPr>
           <p:nvPr/>
-        </p:nvSpPr>
+        </p:nvPicPr>
+        <p:blipFill>
+          <a:blip r:embed="rId3"/>
+          <a:stretch>
+            <a:fillRect/>
+          </a:stretch>
+        </p:blipFill>
         <p:spPr>
           <a:xfrm>
-            <a:off x="316523" y="362930"/>
-            <a:ext cx="11192608" cy="584775"/>
+            <a:off x="917788" y="0"/>
+            <a:ext cx="4964768" cy="6858000"/>
           </a:xfrm>
           <a:prstGeom prst="rect">
             <a:avLst/>
           </a:prstGeom>
-          <a:noFill/>
         </p:spPr>
-        <p:txBody>
-          <a:bodyPr wrap="square" rtlCol="0">
-            <a:spAutoFit/>
-          </a:bodyPr>
-          <a:lstStyle/>
-          <a:p>
-            <a:r>
-              <a:rPr lang="en-US" sz="3200" dirty="0">
-                <a:latin typeface="Times New Roman" panose="02020603050405020304" pitchFamily="18" charset="0"/>
-                <a:cs typeface="Times New Roman" panose="02020603050405020304" pitchFamily="18" charset="0"/>
-              </a:rPr>
-              <a:t>Presence Agreement graphic using Savanna class</a:t>
-            </a:r>
-          </a:p>
-        </p:txBody>
-      </p:sp>
-      <p:sp>
-        <p:nvSpPr>
-          <p:cNvPr id="9" name="Slide Number Placeholder 8">
-            <a:extLst>
-              <a:ext uri="{FF2B5EF4-FFF2-40B4-BE49-F238E27FC236}">
-                <a16:creationId xmlns:a16="http://schemas.microsoft.com/office/drawing/2014/main" id="{9C58E193-3EFA-4C21-AE87-0AD31F80AF89}"/>
+      </p:pic>
+      <p:sp>
+        <p:nvSpPr>
+          <p:cNvPr id="2" name="Slide Number Placeholder 1">
+            <a:extLst>
+              <a:ext uri="{FF2B5EF4-FFF2-40B4-BE49-F238E27FC236}">
+                <a16:creationId xmlns:a16="http://schemas.microsoft.com/office/drawing/2014/main" id="{0BAE1B9F-88C6-44E4-B0F9-571B10BA1DF9}"/>
               </a:ext>
             </a:extLst>
           </p:cNvPr>
@@ -5375,7 +6520,7 @@
     </p:spTree>
     <p:extLst>
       <p:ext uri="{BB962C8B-B14F-4D97-AF65-F5344CB8AC3E}">
-        <p14:creationId xmlns:p14="http://schemas.microsoft.com/office/powerpoint/2010/main" val="3210451252"/>
+        <p14:creationId xmlns:p14="http://schemas.microsoft.com/office/powerpoint/2010/main" val="1402880380"/>
       </p:ext>
     </p:extLst>
   </p:cSld>

--- a/validation_results.pptx
+++ b/validation_results.pptx
@@ -12,24 +12,24 @@
     <p:sldId id="256" r:id="rId3"/>
     <p:sldId id="267" r:id="rId4"/>
     <p:sldId id="268" r:id="rId5"/>
-    <p:sldId id="276" r:id="rId6"/>
-    <p:sldId id="278" r:id="rId7"/>
-    <p:sldId id="279" r:id="rId8"/>
-    <p:sldId id="280" r:id="rId9"/>
-    <p:sldId id="281" r:id="rId10"/>
-    <p:sldId id="265" r:id="rId11"/>
-    <p:sldId id="269" r:id="rId12"/>
-    <p:sldId id="270" r:id="rId13"/>
-    <p:sldId id="272" r:id="rId14"/>
-    <p:sldId id="266" r:id="rId15"/>
-    <p:sldId id="271" r:id="rId16"/>
-    <p:sldId id="274" r:id="rId17"/>
-    <p:sldId id="277" r:id="rId18"/>
-    <p:sldId id="282" r:id="rId19"/>
-    <p:sldId id="283" r:id="rId20"/>
-    <p:sldId id="284" r:id="rId21"/>
-    <p:sldId id="287" r:id="rId22"/>
-    <p:sldId id="286" r:id="rId23"/>
+    <p:sldId id="282" r:id="rId6"/>
+    <p:sldId id="283" r:id="rId7"/>
+    <p:sldId id="284" r:id="rId8"/>
+    <p:sldId id="287" r:id="rId9"/>
+    <p:sldId id="286" r:id="rId10"/>
+    <p:sldId id="276" r:id="rId11"/>
+    <p:sldId id="278" r:id="rId12"/>
+    <p:sldId id="279" r:id="rId13"/>
+    <p:sldId id="280" r:id="rId14"/>
+    <p:sldId id="281" r:id="rId15"/>
+    <p:sldId id="265" r:id="rId16"/>
+    <p:sldId id="269" r:id="rId17"/>
+    <p:sldId id="270" r:id="rId18"/>
+    <p:sldId id="272" r:id="rId19"/>
+    <p:sldId id="266" r:id="rId20"/>
+    <p:sldId id="271" r:id="rId21"/>
+    <p:sldId id="274" r:id="rId22"/>
+    <p:sldId id="277" r:id="rId23"/>
     <p:sldId id="273" r:id="rId24"/>
   </p:sldIdLst>
   <p:sldSz cx="12192000" cy="6858000"/>
@@ -219,7 +219,7 @@
           <a:p>
             <a:fld id="{45E6649E-9A8E-422B-B24E-DB4BFF164051}" type="datetimeFigureOut">
               <a:rPr lang="en-US" smtClean="0"/>
-              <a:t>8/5/2025</a:t>
+              <a:t>8/6/2025</a:t>
             </a:fld>
             <a:endParaRPr lang="en-US"/>
           </a:p>
@@ -633,7 +633,7 @@
           <a:p>
             <a:fld id="{6107D1DB-75BF-4160-8443-3D68D9EE6D63}" type="datetime1">
               <a:rPr lang="en-US" smtClean="0"/>
-              <a:t>8/5/2025</a:t>
+              <a:t>8/6/2025</a:t>
             </a:fld>
             <a:endParaRPr lang="en-US"/>
           </a:p>
@@ -831,7 +831,7 @@
           <a:p>
             <a:fld id="{1D71F3DB-A418-4B11-A5C9-DDE3A90E6B79}" type="datetime1">
               <a:rPr lang="en-US" smtClean="0"/>
-              <a:t>8/5/2025</a:t>
+              <a:t>8/6/2025</a:t>
             </a:fld>
             <a:endParaRPr lang="en-US"/>
           </a:p>
@@ -1039,7 +1039,7 @@
           <a:p>
             <a:fld id="{A712BFCA-0293-496E-B74F-46BB799AF43C}" type="datetime1">
               <a:rPr lang="en-US" smtClean="0"/>
-              <a:t>8/5/2025</a:t>
+              <a:t>8/6/2025</a:t>
             </a:fld>
             <a:endParaRPr lang="en-US"/>
           </a:p>
@@ -1237,7 +1237,7 @@
           <a:p>
             <a:fld id="{E54AE16B-A67F-45EB-A1E1-5D2E472CD9B9}" type="datetime1">
               <a:rPr lang="en-US" smtClean="0"/>
-              <a:t>8/5/2025</a:t>
+              <a:t>8/6/2025</a:t>
             </a:fld>
             <a:endParaRPr lang="en-US"/>
           </a:p>
@@ -1512,7 +1512,7 @@
           <a:p>
             <a:fld id="{9A2321D0-1716-4344-9325-DF672DFAF1F3}" type="datetime1">
               <a:rPr lang="en-US" smtClean="0"/>
-              <a:t>8/5/2025</a:t>
+              <a:t>8/6/2025</a:t>
             </a:fld>
             <a:endParaRPr lang="en-US"/>
           </a:p>
@@ -1777,7 +1777,7 @@
           <a:p>
             <a:fld id="{29B46B06-0C75-4C62-AF6B-10BED3EBE226}" type="datetime1">
               <a:rPr lang="en-US" smtClean="0"/>
-              <a:t>8/5/2025</a:t>
+              <a:t>8/6/2025</a:t>
             </a:fld>
             <a:endParaRPr lang="en-US"/>
           </a:p>
@@ -2189,7 +2189,7 @@
           <a:p>
             <a:fld id="{565259A9-176F-4BD0-B4AC-A377C89EBE2A}" type="datetime1">
               <a:rPr lang="en-US" smtClean="0"/>
-              <a:t>8/5/2025</a:t>
+              <a:t>8/6/2025</a:t>
             </a:fld>
             <a:endParaRPr lang="en-US"/>
           </a:p>
@@ -2330,7 +2330,7 @@
           <a:p>
             <a:fld id="{04D72311-A2DA-4C37-8940-DBB3AA3B80C6}" type="datetime1">
               <a:rPr lang="en-US" smtClean="0"/>
-              <a:t>8/5/2025</a:t>
+              <a:t>8/6/2025</a:t>
             </a:fld>
             <a:endParaRPr lang="en-US"/>
           </a:p>
@@ -2443,7 +2443,7 @@
           <a:p>
             <a:fld id="{0550C383-2E11-40B7-AA89-98AB224D34CC}" type="datetime1">
               <a:rPr lang="en-US" smtClean="0"/>
-              <a:t>8/5/2025</a:t>
+              <a:t>8/6/2025</a:t>
             </a:fld>
             <a:endParaRPr lang="en-US"/>
           </a:p>
@@ -2754,7 +2754,7 @@
           <a:p>
             <a:fld id="{AE2E9B79-8A1E-4881-9DCD-8B9CB59E2A4F}" type="datetime1">
               <a:rPr lang="en-US" smtClean="0"/>
-              <a:t>8/5/2025</a:t>
+              <a:t>8/6/2025</a:t>
             </a:fld>
             <a:endParaRPr lang="en-US"/>
           </a:p>
@@ -3042,7 +3042,7 @@
           <a:p>
             <a:fld id="{8986B0B8-2F97-4340-AFDE-113547E522B3}" type="datetime1">
               <a:rPr lang="en-US" smtClean="0"/>
-              <a:t>8/5/2025</a:t>
+              <a:t>8/6/2025</a:t>
             </a:fld>
             <a:endParaRPr lang="en-US"/>
           </a:p>
@@ -3283,7 +3283,7 @@
           <a:p>
             <a:fld id="{A1FEB2F6-0EEB-4518-A185-6035627DD751}" type="datetime1">
               <a:rPr lang="en-US" smtClean="0"/>
-              <a:t>8/5/2025</a:t>
+              <a:t>8/6/2025</a:t>
             </a:fld>
             <a:endParaRPr lang="en-US"/>
           </a:p>
@@ -3845,7 +3845,7 @@
                 <a:latin typeface="Times New Roman" panose="02020603050405020304" pitchFamily="18" charset="0"/>
                 <a:cs typeface="Times New Roman" panose="02020603050405020304" pitchFamily="18" charset="0"/>
               </a:rPr>
-              <a:t>Savanna</a:t>
+              <a:t>Forest</a:t>
             </a:r>
           </a:p>
         </p:txBody>
@@ -3905,6 +3905,627 @@
             <a:fld id="{4E4388CE-8408-4C4D-B35A-15C296EFDD48}" type="slidenum">
               <a:rPr lang="en-US" smtClean="0"/>
               <a:t>10</a:t>
+            </a:fld>
+            <a:endParaRPr lang="en-US"/>
+          </a:p>
+        </p:txBody>
+      </p:sp>
+    </p:spTree>
+    <p:extLst>
+      <p:ext uri="{BB962C8B-B14F-4D97-AF65-F5344CB8AC3E}">
+        <p14:creationId xmlns:p14="http://schemas.microsoft.com/office/powerpoint/2010/main" val="3621393779"/>
+      </p:ext>
+    </p:extLst>
+  </p:cSld>
+  <p:clrMapOvr>
+    <a:masterClrMapping/>
+  </p:clrMapOvr>
+</p:sld>
+</file>
+
+<file path=ppt/slides/slide11.xml><?xml version="1.0" encoding="utf-8"?>
+<p:sld xmlns:a="http://schemas.openxmlformats.org/drawingml/2006/main" xmlns:r="http://schemas.openxmlformats.org/officeDocument/2006/relationships" xmlns:p="http://schemas.openxmlformats.org/presentationml/2006/main">
+  <p:cSld>
+    <p:spTree>
+      <p:nvGrpSpPr>
+        <p:cNvPr id="1" name=""/>
+        <p:cNvGrpSpPr/>
+        <p:nvPr/>
+      </p:nvGrpSpPr>
+      <p:grpSpPr>
+        <a:xfrm>
+          <a:off x="0" y="0"/>
+          <a:ext cx="0" cy="0"/>
+          <a:chOff x="0" y="0"/>
+          <a:chExt cx="0" cy="0"/>
+        </a:xfrm>
+      </p:grpSpPr>
+      <p:pic>
+        <p:nvPicPr>
+          <p:cNvPr id="6" name="Picture 5">
+            <a:extLst>
+              <a:ext uri="{FF2B5EF4-FFF2-40B4-BE49-F238E27FC236}">
+                <a16:creationId xmlns:a16="http://schemas.microsoft.com/office/drawing/2014/main" id="{F6D515F0-8163-4991-8044-21627D730636}"/>
+              </a:ext>
+            </a:extLst>
+          </p:cNvPr>
+          <p:cNvPicPr>
+            <a:picLocks noChangeAspect="1"/>
+          </p:cNvPicPr>
+          <p:nvPr/>
+        </p:nvPicPr>
+        <p:blipFill>
+          <a:blip r:embed="rId2"/>
+          <a:stretch>
+            <a:fillRect/>
+          </a:stretch>
+        </p:blipFill>
+        <p:spPr>
+          <a:xfrm>
+            <a:off x="1740269" y="986917"/>
+            <a:ext cx="8345115" cy="5586984"/>
+          </a:xfrm>
+          <a:prstGeom prst="rect">
+            <a:avLst/>
+          </a:prstGeom>
+        </p:spPr>
+      </p:pic>
+      <p:sp>
+        <p:nvSpPr>
+          <p:cNvPr id="8" name="TextBox 7">
+            <a:extLst>
+              <a:ext uri="{FF2B5EF4-FFF2-40B4-BE49-F238E27FC236}">
+                <a16:creationId xmlns:a16="http://schemas.microsoft.com/office/drawing/2014/main" id="{7B317ED1-98FF-4CEC-875C-811749FDBE2E}"/>
+              </a:ext>
+            </a:extLst>
+          </p:cNvPr>
+          <p:cNvSpPr txBox="1"/>
+          <p:nvPr/>
+        </p:nvSpPr>
+        <p:spPr>
+          <a:xfrm>
+            <a:off x="316523" y="362930"/>
+            <a:ext cx="11192608" cy="584775"/>
+          </a:xfrm>
+          <a:prstGeom prst="rect">
+            <a:avLst/>
+          </a:prstGeom>
+          <a:noFill/>
+        </p:spPr>
+        <p:txBody>
+          <a:bodyPr wrap="square" rtlCol="0">
+            <a:spAutoFit/>
+          </a:bodyPr>
+          <a:lstStyle/>
+          <a:p>
+            <a:r>
+              <a:rPr lang="en-US" sz="3200" dirty="0">
+                <a:latin typeface="Times New Roman" panose="02020603050405020304" pitchFamily="18" charset="0"/>
+                <a:cs typeface="Times New Roman" panose="02020603050405020304" pitchFamily="18" charset="0"/>
+              </a:rPr>
+              <a:t>Presence Agreement graphic using Forest class</a:t>
+            </a:r>
+          </a:p>
+        </p:txBody>
+      </p:sp>
+      <p:sp>
+        <p:nvSpPr>
+          <p:cNvPr id="9" name="Slide Number Placeholder 8">
+            <a:extLst>
+              <a:ext uri="{FF2B5EF4-FFF2-40B4-BE49-F238E27FC236}">
+                <a16:creationId xmlns:a16="http://schemas.microsoft.com/office/drawing/2014/main" id="{9C58E193-3EFA-4C21-AE87-0AD31F80AF89}"/>
+              </a:ext>
+            </a:extLst>
+          </p:cNvPr>
+          <p:cNvSpPr>
+            <a:spLocks noGrp="1"/>
+          </p:cNvSpPr>
+          <p:nvPr>
+            <p:ph type="sldNum" sz="quarter" idx="12"/>
+          </p:nvPr>
+        </p:nvSpPr>
+        <p:spPr/>
+        <p:txBody>
+          <a:bodyPr/>
+          <a:lstStyle/>
+          <a:p>
+            <a:fld id="{4E4388CE-8408-4C4D-B35A-15C296EFDD48}" type="slidenum">
+              <a:rPr lang="en-US" smtClean="0"/>
+              <a:t>11</a:t>
+            </a:fld>
+            <a:endParaRPr lang="en-US"/>
+          </a:p>
+        </p:txBody>
+      </p:sp>
+    </p:spTree>
+    <p:extLst>
+      <p:ext uri="{BB962C8B-B14F-4D97-AF65-F5344CB8AC3E}">
+        <p14:creationId xmlns:p14="http://schemas.microsoft.com/office/powerpoint/2010/main" val="1937715002"/>
+      </p:ext>
+    </p:extLst>
+  </p:cSld>
+  <p:clrMapOvr>
+    <a:masterClrMapping/>
+  </p:clrMapOvr>
+</p:sld>
+</file>
+
+<file path=ppt/slides/slide12.xml><?xml version="1.0" encoding="utf-8"?>
+<p:sld xmlns:a="http://schemas.openxmlformats.org/drawingml/2006/main" xmlns:r="http://schemas.openxmlformats.org/officeDocument/2006/relationships" xmlns:p="http://schemas.openxmlformats.org/presentationml/2006/main">
+  <p:cSld>
+    <p:spTree>
+      <p:nvGrpSpPr>
+        <p:cNvPr id="1" name=""/>
+        <p:cNvGrpSpPr/>
+        <p:nvPr/>
+      </p:nvGrpSpPr>
+      <p:grpSpPr>
+        <a:xfrm>
+          <a:off x="0" y="0"/>
+          <a:ext cx="0" cy="0"/>
+          <a:chOff x="0" y="0"/>
+          <a:chExt cx="0" cy="0"/>
+        </a:xfrm>
+      </p:grpSpPr>
+      <p:pic>
+        <p:nvPicPr>
+          <p:cNvPr id="6" name="Picture 5">
+            <a:extLst>
+              <a:ext uri="{FF2B5EF4-FFF2-40B4-BE49-F238E27FC236}">
+                <a16:creationId xmlns:a16="http://schemas.microsoft.com/office/drawing/2014/main" id="{B309D27E-401F-42EA-A419-5A12AEF8A33F}"/>
+              </a:ext>
+            </a:extLst>
+          </p:cNvPr>
+          <p:cNvPicPr>
+            <a:picLocks noChangeAspect="1"/>
+          </p:cNvPicPr>
+          <p:nvPr/>
+        </p:nvPicPr>
+        <p:blipFill>
+          <a:blip r:embed="rId2"/>
+          <a:stretch>
+            <a:fillRect/>
+          </a:stretch>
+        </p:blipFill>
+        <p:spPr>
+          <a:xfrm>
+            <a:off x="896801" y="1133221"/>
+            <a:ext cx="10840653" cy="5586984"/>
+          </a:xfrm>
+          <a:prstGeom prst="rect">
+            <a:avLst/>
+          </a:prstGeom>
+        </p:spPr>
+      </p:pic>
+      <p:sp>
+        <p:nvSpPr>
+          <p:cNvPr id="8" name="TextBox 7">
+            <a:extLst>
+              <a:ext uri="{FF2B5EF4-FFF2-40B4-BE49-F238E27FC236}">
+                <a16:creationId xmlns:a16="http://schemas.microsoft.com/office/drawing/2014/main" id="{7B317ED1-98FF-4CEC-875C-811749FDBE2E}"/>
+              </a:ext>
+            </a:extLst>
+          </p:cNvPr>
+          <p:cNvSpPr txBox="1"/>
+          <p:nvPr/>
+        </p:nvSpPr>
+        <p:spPr>
+          <a:xfrm>
+            <a:off x="316523" y="362930"/>
+            <a:ext cx="10691446" cy="584775"/>
+          </a:xfrm>
+          <a:prstGeom prst="rect">
+            <a:avLst/>
+          </a:prstGeom>
+          <a:noFill/>
+        </p:spPr>
+        <p:txBody>
+          <a:bodyPr wrap="square" rtlCol="0">
+            <a:spAutoFit/>
+          </a:bodyPr>
+          <a:lstStyle/>
+          <a:p>
+            <a:r>
+              <a:rPr lang="en-US" sz="3200" dirty="0">
+                <a:latin typeface="Times New Roman" panose="02020603050405020304" pitchFamily="18" charset="0"/>
+                <a:cs typeface="Times New Roman" panose="02020603050405020304" pitchFamily="18" charset="0"/>
+              </a:rPr>
+              <a:t>Gross Losses and Gross Gains graphics using Forest class</a:t>
+            </a:r>
+          </a:p>
+        </p:txBody>
+      </p:sp>
+      <p:sp>
+        <p:nvSpPr>
+          <p:cNvPr id="9" name="Slide Number Placeholder 8">
+            <a:extLst>
+              <a:ext uri="{FF2B5EF4-FFF2-40B4-BE49-F238E27FC236}">
+                <a16:creationId xmlns:a16="http://schemas.microsoft.com/office/drawing/2014/main" id="{9C58E193-3EFA-4C21-AE87-0AD31F80AF89}"/>
+              </a:ext>
+            </a:extLst>
+          </p:cNvPr>
+          <p:cNvSpPr>
+            <a:spLocks noGrp="1"/>
+          </p:cNvSpPr>
+          <p:nvPr>
+            <p:ph type="sldNum" sz="quarter" idx="12"/>
+          </p:nvPr>
+        </p:nvSpPr>
+        <p:spPr/>
+        <p:txBody>
+          <a:bodyPr/>
+          <a:lstStyle/>
+          <a:p>
+            <a:fld id="{4E4388CE-8408-4C4D-B35A-15C296EFDD48}" type="slidenum">
+              <a:rPr lang="en-US" smtClean="0"/>
+              <a:t>12</a:t>
+            </a:fld>
+            <a:endParaRPr lang="en-US"/>
+          </a:p>
+        </p:txBody>
+      </p:sp>
+    </p:spTree>
+    <p:extLst>
+      <p:ext uri="{BB962C8B-B14F-4D97-AF65-F5344CB8AC3E}">
+        <p14:creationId xmlns:p14="http://schemas.microsoft.com/office/powerpoint/2010/main" val="56306516"/>
+      </p:ext>
+    </p:extLst>
+  </p:cSld>
+  <p:clrMapOvr>
+    <a:masterClrMapping/>
+  </p:clrMapOvr>
+</p:sld>
+</file>
+
+<file path=ppt/slides/slide13.xml><?xml version="1.0" encoding="utf-8"?>
+<p:sld xmlns:a="http://schemas.openxmlformats.org/drawingml/2006/main" xmlns:r="http://schemas.openxmlformats.org/officeDocument/2006/relationships" xmlns:p="http://schemas.openxmlformats.org/presentationml/2006/main">
+  <p:cSld>
+    <p:spTree>
+      <p:nvGrpSpPr>
+        <p:cNvPr id="1" name=""/>
+        <p:cNvGrpSpPr/>
+        <p:nvPr/>
+      </p:nvGrpSpPr>
+      <p:grpSpPr>
+        <a:xfrm>
+          <a:off x="0" y="0"/>
+          <a:ext cx="0" cy="0"/>
+          <a:chOff x="0" y="0"/>
+          <a:chExt cx="0" cy="0"/>
+        </a:xfrm>
+      </p:grpSpPr>
+      <p:pic>
+        <p:nvPicPr>
+          <p:cNvPr id="9" name="Picture 8">
+            <a:extLst>
+              <a:ext uri="{FF2B5EF4-FFF2-40B4-BE49-F238E27FC236}">
+                <a16:creationId xmlns:a16="http://schemas.microsoft.com/office/drawing/2014/main" id="{569084B6-159B-4D71-BB1F-46BC606738E1}"/>
+              </a:ext>
+            </a:extLst>
+          </p:cNvPr>
+          <p:cNvPicPr>
+            <a:picLocks noChangeAspect="1"/>
+          </p:cNvPicPr>
+          <p:nvPr/>
+        </p:nvPicPr>
+        <p:blipFill>
+          <a:blip r:embed="rId2"/>
+          <a:stretch>
+            <a:fillRect/>
+          </a:stretch>
+        </p:blipFill>
+        <p:spPr>
+          <a:xfrm>
+            <a:off x="896801" y="1133221"/>
+            <a:ext cx="10777165" cy="5586984"/>
+          </a:xfrm>
+          <a:prstGeom prst="rect">
+            <a:avLst/>
+          </a:prstGeom>
+        </p:spPr>
+      </p:pic>
+      <p:sp>
+        <p:nvSpPr>
+          <p:cNvPr id="2" name="Slide Number Placeholder 1">
+            <a:extLst>
+              <a:ext uri="{FF2B5EF4-FFF2-40B4-BE49-F238E27FC236}">
+                <a16:creationId xmlns:a16="http://schemas.microsoft.com/office/drawing/2014/main" id="{A32597C8-E9B4-4015-8C25-70C57DD47501}"/>
+              </a:ext>
+            </a:extLst>
+          </p:cNvPr>
+          <p:cNvSpPr>
+            <a:spLocks noGrp="1"/>
+          </p:cNvSpPr>
+          <p:nvPr>
+            <p:ph type="sldNum" sz="quarter" idx="12"/>
+          </p:nvPr>
+        </p:nvSpPr>
+        <p:spPr/>
+        <p:txBody>
+          <a:bodyPr/>
+          <a:lstStyle/>
+          <a:p>
+            <a:fld id="{4E4388CE-8408-4C4D-B35A-15C296EFDD48}" type="slidenum">
+              <a:rPr lang="en-US" smtClean="0"/>
+              <a:t>13</a:t>
+            </a:fld>
+            <a:endParaRPr lang="en-US"/>
+          </a:p>
+        </p:txBody>
+      </p:sp>
+      <p:sp>
+        <p:nvSpPr>
+          <p:cNvPr id="7" name="TextBox 6">
+            <a:extLst>
+              <a:ext uri="{FF2B5EF4-FFF2-40B4-BE49-F238E27FC236}">
+                <a16:creationId xmlns:a16="http://schemas.microsoft.com/office/drawing/2014/main" id="{321A085E-4272-4160-8E78-B3191871F9CE}"/>
+              </a:ext>
+            </a:extLst>
+          </p:cNvPr>
+          <p:cNvSpPr txBox="1"/>
+          <p:nvPr/>
+        </p:nvSpPr>
+        <p:spPr>
+          <a:xfrm>
+            <a:off x="316523" y="362930"/>
+            <a:ext cx="10691446" cy="584775"/>
+          </a:xfrm>
+          <a:prstGeom prst="rect">
+            <a:avLst/>
+          </a:prstGeom>
+          <a:noFill/>
+        </p:spPr>
+        <p:txBody>
+          <a:bodyPr wrap="square" rtlCol="0">
+            <a:spAutoFit/>
+          </a:bodyPr>
+          <a:lstStyle/>
+          <a:p>
+            <a:r>
+              <a:rPr lang="en-US" sz="3200" dirty="0">
+                <a:latin typeface="Times New Roman" panose="02020603050405020304" pitchFamily="18" charset="0"/>
+                <a:cs typeface="Times New Roman" panose="02020603050405020304" pitchFamily="18" charset="0"/>
+              </a:rPr>
+              <a:t>Net Losses and Net Gains graphics using Savanna class</a:t>
+            </a:r>
+          </a:p>
+        </p:txBody>
+      </p:sp>
+    </p:spTree>
+    <p:extLst>
+      <p:ext uri="{BB962C8B-B14F-4D97-AF65-F5344CB8AC3E}">
+        <p14:creationId xmlns:p14="http://schemas.microsoft.com/office/powerpoint/2010/main" val="1317767297"/>
+      </p:ext>
+    </p:extLst>
+  </p:cSld>
+  <p:clrMapOvr>
+    <a:masterClrMapping/>
+  </p:clrMapOvr>
+</p:sld>
+</file>
+
+<file path=ppt/slides/slide14.xml><?xml version="1.0" encoding="utf-8"?>
+<p:sld xmlns:a="http://schemas.openxmlformats.org/drawingml/2006/main" xmlns:r="http://schemas.openxmlformats.org/officeDocument/2006/relationships" xmlns:p="http://schemas.openxmlformats.org/presentationml/2006/main">
+  <p:cSld>
+    <p:spTree>
+      <p:nvGrpSpPr>
+        <p:cNvPr id="1" name=""/>
+        <p:cNvGrpSpPr/>
+        <p:nvPr/>
+      </p:nvGrpSpPr>
+      <p:grpSpPr>
+        <a:xfrm>
+          <a:off x="0" y="0"/>
+          <a:ext cx="0" cy="0"/>
+          <a:chOff x="0" y="0"/>
+          <a:chExt cx="0" cy="0"/>
+        </a:xfrm>
+      </p:grpSpPr>
+      <p:pic>
+        <p:nvPicPr>
+          <p:cNvPr id="8" name="Picture 7">
+            <a:extLst>
+              <a:ext uri="{FF2B5EF4-FFF2-40B4-BE49-F238E27FC236}">
+                <a16:creationId xmlns:a16="http://schemas.microsoft.com/office/drawing/2014/main" id="{4BDDA274-ACB4-4CFC-8BBA-ECA607E35D8A}"/>
+              </a:ext>
+            </a:extLst>
+          </p:cNvPr>
+          <p:cNvPicPr>
+            <a:picLocks noChangeAspect="1"/>
+          </p:cNvPicPr>
+          <p:nvPr/>
+        </p:nvPicPr>
+        <p:blipFill>
+          <a:blip r:embed="rId2"/>
+          <a:stretch>
+            <a:fillRect/>
+          </a:stretch>
+        </p:blipFill>
+        <p:spPr>
+          <a:xfrm>
+            <a:off x="5882556" y="0"/>
+            <a:ext cx="5970961" cy="6858000"/>
+          </a:xfrm>
+          <a:prstGeom prst="rect">
+            <a:avLst/>
+          </a:prstGeom>
+        </p:spPr>
+      </p:pic>
+      <p:pic>
+        <p:nvPicPr>
+          <p:cNvPr id="5" name="Picture 4">
+            <a:extLst>
+              <a:ext uri="{FF2B5EF4-FFF2-40B4-BE49-F238E27FC236}">
+                <a16:creationId xmlns:a16="http://schemas.microsoft.com/office/drawing/2014/main" id="{87E76281-CE51-4BAD-B85F-02D7F0E2519E}"/>
+              </a:ext>
+            </a:extLst>
+          </p:cNvPr>
+          <p:cNvPicPr>
+            <a:picLocks noChangeAspect="1"/>
+          </p:cNvPicPr>
+          <p:nvPr/>
+        </p:nvPicPr>
+        <p:blipFill>
+          <a:blip r:embed="rId3"/>
+          <a:stretch>
+            <a:fillRect/>
+          </a:stretch>
+        </p:blipFill>
+        <p:spPr>
+          <a:xfrm>
+            <a:off x="917788" y="0"/>
+            <a:ext cx="4964768" cy="6858000"/>
+          </a:xfrm>
+          <a:prstGeom prst="rect">
+            <a:avLst/>
+          </a:prstGeom>
+        </p:spPr>
+      </p:pic>
+      <p:sp>
+        <p:nvSpPr>
+          <p:cNvPr id="2" name="Slide Number Placeholder 1">
+            <a:extLst>
+              <a:ext uri="{FF2B5EF4-FFF2-40B4-BE49-F238E27FC236}">
+                <a16:creationId xmlns:a16="http://schemas.microsoft.com/office/drawing/2014/main" id="{0BAE1B9F-88C6-44E4-B0F9-571B10BA1DF9}"/>
+              </a:ext>
+            </a:extLst>
+          </p:cNvPr>
+          <p:cNvSpPr>
+            <a:spLocks noGrp="1"/>
+          </p:cNvSpPr>
+          <p:nvPr>
+            <p:ph type="sldNum" sz="quarter" idx="12"/>
+          </p:nvPr>
+        </p:nvSpPr>
+        <p:spPr/>
+        <p:txBody>
+          <a:bodyPr/>
+          <a:lstStyle/>
+          <a:p>
+            <a:fld id="{4E4388CE-8408-4C4D-B35A-15C296EFDD48}" type="slidenum">
+              <a:rPr lang="en-US" smtClean="0"/>
+              <a:t>14</a:t>
+            </a:fld>
+            <a:endParaRPr lang="en-US"/>
+          </a:p>
+        </p:txBody>
+      </p:sp>
+    </p:spTree>
+    <p:extLst>
+      <p:ext uri="{BB962C8B-B14F-4D97-AF65-F5344CB8AC3E}">
+        <p14:creationId xmlns:p14="http://schemas.microsoft.com/office/powerpoint/2010/main" val="1402880380"/>
+      </p:ext>
+    </p:extLst>
+  </p:cSld>
+  <p:clrMapOvr>
+    <a:masterClrMapping/>
+  </p:clrMapOvr>
+</p:sld>
+</file>
+
+<file path=ppt/slides/slide15.xml><?xml version="1.0" encoding="utf-8"?>
+<p:sld xmlns:a="http://schemas.openxmlformats.org/drawingml/2006/main" xmlns:r="http://schemas.openxmlformats.org/officeDocument/2006/relationships" xmlns:p="http://schemas.openxmlformats.org/presentationml/2006/main">
+  <p:cSld>
+    <p:spTree>
+      <p:nvGrpSpPr>
+        <p:cNvPr id="1" name=""/>
+        <p:cNvGrpSpPr/>
+        <p:nvPr/>
+      </p:nvGrpSpPr>
+      <p:grpSpPr>
+        <a:xfrm>
+          <a:off x="0" y="0"/>
+          <a:ext cx="0" cy="0"/>
+          <a:chOff x="0" y="0"/>
+          <a:chExt cx="0" cy="0"/>
+        </a:xfrm>
+      </p:grpSpPr>
+      <p:sp>
+        <p:nvSpPr>
+          <p:cNvPr id="3" name="Title 2">
+            <a:extLst>
+              <a:ext uri="{FF2B5EF4-FFF2-40B4-BE49-F238E27FC236}">
+                <a16:creationId xmlns:a16="http://schemas.microsoft.com/office/drawing/2014/main" id="{FD846386-E384-4475-837E-0CEE3E9D7C02}"/>
+              </a:ext>
+            </a:extLst>
+          </p:cNvPr>
+          <p:cNvSpPr>
+            <a:spLocks noGrp="1"/>
+          </p:cNvSpPr>
+          <p:nvPr>
+            <p:ph type="title"/>
+          </p:nvPr>
+        </p:nvSpPr>
+        <p:spPr/>
+        <p:txBody>
+          <a:bodyPr/>
+          <a:lstStyle/>
+          <a:p>
+            <a:r>
+              <a:rPr lang="en-US" dirty="0">
+                <a:latin typeface="Times New Roman" panose="02020603050405020304" pitchFamily="18" charset="0"/>
+                <a:cs typeface="Times New Roman" panose="02020603050405020304" pitchFamily="18" charset="0"/>
+              </a:rPr>
+              <a:t>Savanna</a:t>
+            </a:r>
+          </a:p>
+        </p:txBody>
+      </p:sp>
+      <p:sp>
+        <p:nvSpPr>
+          <p:cNvPr id="4" name="Text Placeholder 3">
+            <a:extLst>
+              <a:ext uri="{FF2B5EF4-FFF2-40B4-BE49-F238E27FC236}">
+                <a16:creationId xmlns:a16="http://schemas.microsoft.com/office/drawing/2014/main" id="{174BC32C-813B-4D05-8B94-B151BDE6AAF4}"/>
+              </a:ext>
+            </a:extLst>
+          </p:cNvPr>
+          <p:cNvSpPr>
+            <a:spLocks noGrp="1"/>
+          </p:cNvSpPr>
+          <p:nvPr>
+            <p:ph type="body" idx="1"/>
+          </p:nvPr>
+        </p:nvSpPr>
+        <p:spPr/>
+        <p:txBody>
+          <a:bodyPr/>
+          <a:lstStyle/>
+          <a:p>
+            <a:r>
+              <a:rPr lang="en-US" dirty="0">
+                <a:latin typeface="Times New Roman" panose="02020603050405020304" pitchFamily="18" charset="0"/>
+                <a:cs typeface="Times New Roman" panose="02020603050405020304" pitchFamily="18" charset="0"/>
+              </a:rPr>
+              <a:t>MapBiomas Collection 6 and Collection 8</a:t>
+            </a:r>
+          </a:p>
+        </p:txBody>
+      </p:sp>
+      <p:sp>
+        <p:nvSpPr>
+          <p:cNvPr id="2" name="Slide Number Placeholder 1">
+            <a:extLst>
+              <a:ext uri="{FF2B5EF4-FFF2-40B4-BE49-F238E27FC236}">
+                <a16:creationId xmlns:a16="http://schemas.microsoft.com/office/drawing/2014/main" id="{310A4DB7-28C7-459D-A56D-31913D656D06}"/>
+              </a:ext>
+            </a:extLst>
+          </p:cNvPr>
+          <p:cNvSpPr>
+            <a:spLocks noGrp="1"/>
+          </p:cNvSpPr>
+          <p:nvPr>
+            <p:ph type="sldNum" sz="quarter" idx="12"/>
+          </p:nvPr>
+        </p:nvSpPr>
+        <p:spPr/>
+        <p:txBody>
+          <a:bodyPr/>
+          <a:lstStyle/>
+          <a:p>
+            <a:fld id="{4E4388CE-8408-4C4D-B35A-15C296EFDD48}" type="slidenum">
+              <a:rPr lang="en-US" smtClean="0"/>
+              <a:t>15</a:t>
             </a:fld>
             <a:endParaRPr lang="en-US"/>
           </a:p>
@@ -3923,7 +4544,7 @@
 </p:sld>
 </file>
 
-<file path=ppt/slides/slide11.xml><?xml version="1.0" encoding="utf-8"?>
+<file path=ppt/slides/slide16.xml><?xml version="1.0" encoding="utf-8"?>
 <p:sld xmlns:a="http://schemas.openxmlformats.org/drawingml/2006/main" xmlns:r="http://schemas.openxmlformats.org/officeDocument/2006/relationships" xmlns:p="http://schemas.openxmlformats.org/presentationml/2006/main" show="0">
   <p:cSld>
     <p:spTree>
@@ -3963,7 +4584,7 @@
           <a:p>
             <a:fld id="{4E4388CE-8408-4C4D-B35A-15C296EFDD48}" type="slidenum">
               <a:rPr lang="en-US" smtClean="0"/>
-              <a:t>11</a:t>
+              <a:t>16</a:t>
             </a:fld>
             <a:endParaRPr lang="en-US"/>
           </a:p>
@@ -4012,7 +4633,7 @@
 </p:sld>
 </file>
 
-<file path=ppt/slides/slide12.xml><?xml version="1.0" encoding="utf-8"?>
+<file path=ppt/slides/slide17.xml><?xml version="1.0" encoding="utf-8"?>
 <p:sld xmlns:a="http://schemas.openxmlformats.org/drawingml/2006/main" xmlns:r="http://schemas.openxmlformats.org/officeDocument/2006/relationships" xmlns:p="http://schemas.openxmlformats.org/presentationml/2006/main" show="0">
   <p:cSld>
     <p:spTree>
@@ -4052,7 +4673,7 @@
           <a:p>
             <a:fld id="{4E4388CE-8408-4C4D-B35A-15C296EFDD48}" type="slidenum">
               <a:rPr lang="en-US" smtClean="0"/>
-              <a:t>12</a:t>
+              <a:t>17</a:t>
             </a:fld>
             <a:endParaRPr lang="en-US"/>
           </a:p>
@@ -4101,7 +4722,7 @@
 </p:sld>
 </file>
 
-<file path=ppt/slides/slide13.xml><?xml version="1.0" encoding="utf-8"?>
+<file path=ppt/slides/slide18.xml><?xml version="1.0" encoding="utf-8"?>
 <p:sld xmlns:a="http://schemas.openxmlformats.org/drawingml/2006/main" xmlns:r="http://schemas.openxmlformats.org/officeDocument/2006/relationships" xmlns:p="http://schemas.openxmlformats.org/presentationml/2006/main" show="0">
   <p:cSld>
     <p:spTree>
@@ -4141,7 +4762,7 @@
           <a:p>
             <a:fld id="{4E4388CE-8408-4C4D-B35A-15C296EFDD48}" type="slidenum">
               <a:rPr lang="en-US" smtClean="0"/>
-              <a:t>13</a:t>
+              <a:t>18</a:t>
             </a:fld>
             <a:endParaRPr lang="en-US"/>
           </a:p>
@@ -4190,7 +4811,7 @@
 </p:sld>
 </file>
 
-<file path=ppt/slides/slide14.xml><?xml version="1.0" encoding="utf-8"?>
+<file path=ppt/slides/slide19.xml><?xml version="1.0" encoding="utf-8"?>
 <p:sld xmlns:a="http://schemas.openxmlformats.org/drawingml/2006/main" xmlns:r="http://schemas.openxmlformats.org/officeDocument/2006/relationships" xmlns:p="http://schemas.openxmlformats.org/presentationml/2006/main">
   <p:cSld>
     <p:spTree>
@@ -4298,7 +4919,7 @@
           <a:p>
             <a:fld id="{4E4388CE-8408-4C4D-B35A-15C296EFDD48}" type="slidenum">
               <a:rPr lang="en-US" smtClean="0"/>
-              <a:t>14</a:t>
+              <a:t>19</a:t>
             </a:fld>
             <a:endParaRPr lang="en-US"/>
           </a:p>
@@ -4308,627 +4929,6 @@
     <p:extLst>
       <p:ext uri="{BB962C8B-B14F-4D97-AF65-F5344CB8AC3E}">
         <p14:creationId xmlns:p14="http://schemas.microsoft.com/office/powerpoint/2010/main" val="3210451252"/>
-      </p:ext>
-    </p:extLst>
-  </p:cSld>
-  <p:clrMapOvr>
-    <a:masterClrMapping/>
-  </p:clrMapOvr>
-</p:sld>
-</file>
-
-<file path=ppt/slides/slide15.xml><?xml version="1.0" encoding="utf-8"?>
-<p:sld xmlns:a="http://schemas.openxmlformats.org/drawingml/2006/main" xmlns:r="http://schemas.openxmlformats.org/officeDocument/2006/relationships" xmlns:p="http://schemas.openxmlformats.org/presentationml/2006/main">
-  <p:cSld>
-    <p:spTree>
-      <p:nvGrpSpPr>
-        <p:cNvPr id="1" name=""/>
-        <p:cNvGrpSpPr/>
-        <p:nvPr/>
-      </p:nvGrpSpPr>
-      <p:grpSpPr>
-        <a:xfrm>
-          <a:off x="0" y="0"/>
-          <a:ext cx="0" cy="0"/>
-          <a:chOff x="0" y="0"/>
-          <a:chExt cx="0" cy="0"/>
-        </a:xfrm>
-      </p:grpSpPr>
-      <p:pic>
-        <p:nvPicPr>
-          <p:cNvPr id="6" name="Picture 5">
-            <a:extLst>
-              <a:ext uri="{FF2B5EF4-FFF2-40B4-BE49-F238E27FC236}">
-                <a16:creationId xmlns:a16="http://schemas.microsoft.com/office/drawing/2014/main" id="{15375BB5-C717-47C9-91D6-9F7ED9FBB0E9}"/>
-              </a:ext>
-            </a:extLst>
-          </p:cNvPr>
-          <p:cNvPicPr>
-            <a:picLocks noChangeAspect="1"/>
-          </p:cNvPicPr>
-          <p:nvPr/>
-        </p:nvPicPr>
-        <p:blipFill>
-          <a:blip r:embed="rId2"/>
-          <a:stretch>
-            <a:fillRect/>
-          </a:stretch>
-        </p:blipFill>
-        <p:spPr>
-          <a:xfrm>
-            <a:off x="884897" y="1133221"/>
-            <a:ext cx="10912078" cy="5586984"/>
-          </a:xfrm>
-          <a:prstGeom prst="rect">
-            <a:avLst/>
-          </a:prstGeom>
-        </p:spPr>
-      </p:pic>
-      <p:sp>
-        <p:nvSpPr>
-          <p:cNvPr id="8" name="TextBox 7">
-            <a:extLst>
-              <a:ext uri="{FF2B5EF4-FFF2-40B4-BE49-F238E27FC236}">
-                <a16:creationId xmlns:a16="http://schemas.microsoft.com/office/drawing/2014/main" id="{7B317ED1-98FF-4CEC-875C-811749FDBE2E}"/>
-              </a:ext>
-            </a:extLst>
-          </p:cNvPr>
-          <p:cNvSpPr txBox="1"/>
-          <p:nvPr/>
-        </p:nvSpPr>
-        <p:spPr>
-          <a:xfrm>
-            <a:off x="316523" y="362930"/>
-            <a:ext cx="10691446" cy="584775"/>
-          </a:xfrm>
-          <a:prstGeom prst="rect">
-            <a:avLst/>
-          </a:prstGeom>
-          <a:noFill/>
-        </p:spPr>
-        <p:txBody>
-          <a:bodyPr wrap="square" rtlCol="0">
-            <a:spAutoFit/>
-          </a:bodyPr>
-          <a:lstStyle/>
-          <a:p>
-            <a:r>
-              <a:rPr lang="en-US" sz="3200" dirty="0">
-                <a:latin typeface="Times New Roman" panose="02020603050405020304" pitchFamily="18" charset="0"/>
-                <a:cs typeface="Times New Roman" panose="02020603050405020304" pitchFamily="18" charset="0"/>
-              </a:rPr>
-              <a:t>Gross Losses and Gross Gains graphics using Savanna class</a:t>
-            </a:r>
-          </a:p>
-        </p:txBody>
-      </p:sp>
-      <p:sp>
-        <p:nvSpPr>
-          <p:cNvPr id="9" name="Slide Number Placeholder 8">
-            <a:extLst>
-              <a:ext uri="{FF2B5EF4-FFF2-40B4-BE49-F238E27FC236}">
-                <a16:creationId xmlns:a16="http://schemas.microsoft.com/office/drawing/2014/main" id="{9C58E193-3EFA-4C21-AE87-0AD31F80AF89}"/>
-              </a:ext>
-            </a:extLst>
-          </p:cNvPr>
-          <p:cNvSpPr>
-            <a:spLocks noGrp="1"/>
-          </p:cNvSpPr>
-          <p:nvPr>
-            <p:ph type="sldNum" sz="quarter" idx="12"/>
-          </p:nvPr>
-        </p:nvSpPr>
-        <p:spPr/>
-        <p:txBody>
-          <a:bodyPr/>
-          <a:lstStyle/>
-          <a:p>
-            <a:fld id="{4E4388CE-8408-4C4D-B35A-15C296EFDD48}" type="slidenum">
-              <a:rPr lang="en-US" smtClean="0"/>
-              <a:t>15</a:t>
-            </a:fld>
-            <a:endParaRPr lang="en-US"/>
-          </a:p>
-        </p:txBody>
-      </p:sp>
-    </p:spTree>
-    <p:extLst>
-      <p:ext uri="{BB962C8B-B14F-4D97-AF65-F5344CB8AC3E}">
-        <p14:creationId xmlns:p14="http://schemas.microsoft.com/office/powerpoint/2010/main" val="1301988076"/>
-      </p:ext>
-    </p:extLst>
-  </p:cSld>
-  <p:clrMapOvr>
-    <a:masterClrMapping/>
-  </p:clrMapOvr>
-</p:sld>
-</file>
-
-<file path=ppt/slides/slide16.xml><?xml version="1.0" encoding="utf-8"?>
-<p:sld xmlns:a="http://schemas.openxmlformats.org/drawingml/2006/main" xmlns:r="http://schemas.openxmlformats.org/officeDocument/2006/relationships" xmlns:p="http://schemas.openxmlformats.org/presentationml/2006/main">
-  <p:cSld>
-    <p:spTree>
-      <p:nvGrpSpPr>
-        <p:cNvPr id="1" name=""/>
-        <p:cNvGrpSpPr/>
-        <p:nvPr/>
-      </p:nvGrpSpPr>
-      <p:grpSpPr>
-        <a:xfrm>
-          <a:off x="0" y="0"/>
-          <a:ext cx="0" cy="0"/>
-          <a:chOff x="0" y="0"/>
-          <a:chExt cx="0" cy="0"/>
-        </a:xfrm>
-      </p:grpSpPr>
-      <p:pic>
-        <p:nvPicPr>
-          <p:cNvPr id="10" name="Picture 9">
-            <a:extLst>
-              <a:ext uri="{FF2B5EF4-FFF2-40B4-BE49-F238E27FC236}">
-                <a16:creationId xmlns:a16="http://schemas.microsoft.com/office/drawing/2014/main" id="{751CD098-2DA0-4B0E-938B-3F88DC73548C}"/>
-              </a:ext>
-            </a:extLst>
-          </p:cNvPr>
-          <p:cNvPicPr>
-            <a:picLocks noChangeAspect="1"/>
-          </p:cNvPicPr>
-          <p:nvPr/>
-        </p:nvPicPr>
-        <p:blipFill>
-          <a:blip r:embed="rId2"/>
-          <a:stretch>
-            <a:fillRect/>
-          </a:stretch>
-        </p:blipFill>
-        <p:spPr>
-          <a:xfrm>
-            <a:off x="916641" y="1133221"/>
-            <a:ext cx="10848590" cy="5586984"/>
-          </a:xfrm>
-          <a:prstGeom prst="rect">
-            <a:avLst/>
-          </a:prstGeom>
-        </p:spPr>
-      </p:pic>
-      <p:sp>
-        <p:nvSpPr>
-          <p:cNvPr id="2" name="Slide Number Placeholder 1">
-            <a:extLst>
-              <a:ext uri="{FF2B5EF4-FFF2-40B4-BE49-F238E27FC236}">
-                <a16:creationId xmlns:a16="http://schemas.microsoft.com/office/drawing/2014/main" id="{A32597C8-E9B4-4015-8C25-70C57DD47501}"/>
-              </a:ext>
-            </a:extLst>
-          </p:cNvPr>
-          <p:cNvSpPr>
-            <a:spLocks noGrp="1"/>
-          </p:cNvSpPr>
-          <p:nvPr>
-            <p:ph type="sldNum" sz="quarter" idx="12"/>
-          </p:nvPr>
-        </p:nvSpPr>
-        <p:spPr/>
-        <p:txBody>
-          <a:bodyPr/>
-          <a:lstStyle/>
-          <a:p>
-            <a:fld id="{4E4388CE-8408-4C4D-B35A-15C296EFDD48}" type="slidenum">
-              <a:rPr lang="en-US" smtClean="0"/>
-              <a:t>16</a:t>
-            </a:fld>
-            <a:endParaRPr lang="en-US"/>
-          </a:p>
-        </p:txBody>
-      </p:sp>
-      <p:sp>
-        <p:nvSpPr>
-          <p:cNvPr id="7" name="TextBox 6">
-            <a:extLst>
-              <a:ext uri="{FF2B5EF4-FFF2-40B4-BE49-F238E27FC236}">
-                <a16:creationId xmlns:a16="http://schemas.microsoft.com/office/drawing/2014/main" id="{321A085E-4272-4160-8E78-B3191871F9CE}"/>
-              </a:ext>
-            </a:extLst>
-          </p:cNvPr>
-          <p:cNvSpPr txBox="1"/>
-          <p:nvPr/>
-        </p:nvSpPr>
-        <p:spPr>
-          <a:xfrm>
-            <a:off x="316523" y="362930"/>
-            <a:ext cx="10691446" cy="584775"/>
-          </a:xfrm>
-          <a:prstGeom prst="rect">
-            <a:avLst/>
-          </a:prstGeom>
-          <a:noFill/>
-        </p:spPr>
-        <p:txBody>
-          <a:bodyPr wrap="square" rtlCol="0">
-            <a:spAutoFit/>
-          </a:bodyPr>
-          <a:lstStyle/>
-          <a:p>
-            <a:r>
-              <a:rPr lang="en-US" sz="3200" dirty="0">
-                <a:latin typeface="Times New Roman" panose="02020603050405020304" pitchFamily="18" charset="0"/>
-                <a:cs typeface="Times New Roman" panose="02020603050405020304" pitchFamily="18" charset="0"/>
-              </a:rPr>
-              <a:t>Net Losses and Net Gains graphics using Savanna class</a:t>
-            </a:r>
-          </a:p>
-        </p:txBody>
-      </p:sp>
-    </p:spTree>
-    <p:extLst>
-      <p:ext uri="{BB962C8B-B14F-4D97-AF65-F5344CB8AC3E}">
-        <p14:creationId xmlns:p14="http://schemas.microsoft.com/office/powerpoint/2010/main" val="562626520"/>
-      </p:ext>
-    </p:extLst>
-  </p:cSld>
-  <p:clrMapOvr>
-    <a:masterClrMapping/>
-  </p:clrMapOvr>
-</p:sld>
-</file>
-
-<file path=ppt/slides/slide17.xml><?xml version="1.0" encoding="utf-8"?>
-<p:sld xmlns:a="http://schemas.openxmlformats.org/drawingml/2006/main" xmlns:r="http://schemas.openxmlformats.org/officeDocument/2006/relationships" xmlns:p="http://schemas.openxmlformats.org/presentationml/2006/main">
-  <p:cSld>
-    <p:spTree>
-      <p:nvGrpSpPr>
-        <p:cNvPr id="1" name=""/>
-        <p:cNvGrpSpPr/>
-        <p:nvPr/>
-      </p:nvGrpSpPr>
-      <p:grpSpPr>
-        <a:xfrm>
-          <a:off x="0" y="0"/>
-          <a:ext cx="0" cy="0"/>
-          <a:chOff x="0" y="0"/>
-          <a:chExt cx="0" cy="0"/>
-        </a:xfrm>
-      </p:grpSpPr>
-      <p:sp>
-        <p:nvSpPr>
-          <p:cNvPr id="2" name="Slide Number Placeholder 1">
-            <a:extLst>
-              <a:ext uri="{FF2B5EF4-FFF2-40B4-BE49-F238E27FC236}">
-                <a16:creationId xmlns:a16="http://schemas.microsoft.com/office/drawing/2014/main" id="{0BAE1B9F-88C6-44E4-B0F9-571B10BA1DF9}"/>
-              </a:ext>
-            </a:extLst>
-          </p:cNvPr>
-          <p:cNvSpPr>
-            <a:spLocks noGrp="1"/>
-          </p:cNvSpPr>
-          <p:nvPr>
-            <p:ph type="sldNum" sz="quarter" idx="12"/>
-          </p:nvPr>
-        </p:nvSpPr>
-        <p:spPr/>
-        <p:txBody>
-          <a:bodyPr/>
-          <a:lstStyle/>
-          <a:p>
-            <a:fld id="{4E4388CE-8408-4C4D-B35A-15C296EFDD48}" type="slidenum">
-              <a:rPr lang="en-US" smtClean="0"/>
-              <a:t>17</a:t>
-            </a:fld>
-            <a:endParaRPr lang="en-US"/>
-          </a:p>
-        </p:txBody>
-      </p:sp>
-      <p:pic>
-        <p:nvPicPr>
-          <p:cNvPr id="4" name="Picture 3">
-            <a:extLst>
-              <a:ext uri="{FF2B5EF4-FFF2-40B4-BE49-F238E27FC236}">
-                <a16:creationId xmlns:a16="http://schemas.microsoft.com/office/drawing/2014/main" id="{902BF800-FC33-46ED-BD56-F8D08747C2DC}"/>
-              </a:ext>
-            </a:extLst>
-          </p:cNvPr>
-          <p:cNvPicPr>
-            <a:picLocks noChangeAspect="1"/>
-          </p:cNvPicPr>
-          <p:nvPr/>
-        </p:nvPicPr>
-        <p:blipFill>
-          <a:blip r:embed="rId2"/>
-          <a:stretch>
-            <a:fillRect/>
-          </a:stretch>
-        </p:blipFill>
-        <p:spPr>
-          <a:xfrm>
-            <a:off x="879841" y="0"/>
-            <a:ext cx="4964768" cy="6858000"/>
-          </a:xfrm>
-          <a:prstGeom prst="rect">
-            <a:avLst/>
-          </a:prstGeom>
-        </p:spPr>
-      </p:pic>
-      <p:pic>
-        <p:nvPicPr>
-          <p:cNvPr id="6" name="Picture 5">
-            <a:extLst>
-              <a:ext uri="{FF2B5EF4-FFF2-40B4-BE49-F238E27FC236}">
-                <a16:creationId xmlns:a16="http://schemas.microsoft.com/office/drawing/2014/main" id="{3BAE8774-2938-45A6-A030-74F1B7BD7142}"/>
-              </a:ext>
-            </a:extLst>
-          </p:cNvPr>
-          <p:cNvPicPr>
-            <a:picLocks noChangeAspect="1"/>
-          </p:cNvPicPr>
-          <p:nvPr/>
-        </p:nvPicPr>
-        <p:blipFill>
-          <a:blip r:embed="rId3"/>
-          <a:stretch>
-            <a:fillRect/>
-          </a:stretch>
-        </p:blipFill>
-        <p:spPr>
-          <a:xfrm>
-            <a:off x="5920502" y="0"/>
-            <a:ext cx="6063637" cy="6858000"/>
-          </a:xfrm>
-          <a:prstGeom prst="rect">
-            <a:avLst/>
-          </a:prstGeom>
-        </p:spPr>
-      </p:pic>
-    </p:spTree>
-    <p:extLst>
-      <p:ext uri="{BB962C8B-B14F-4D97-AF65-F5344CB8AC3E}">
-        <p14:creationId xmlns:p14="http://schemas.microsoft.com/office/powerpoint/2010/main" val="3433875807"/>
-      </p:ext>
-    </p:extLst>
-  </p:cSld>
-  <p:clrMapOvr>
-    <a:masterClrMapping/>
-  </p:clrMapOvr>
-</p:sld>
-</file>
-
-<file path=ppt/slides/slide18.xml><?xml version="1.0" encoding="utf-8"?>
-<p:sld xmlns:a="http://schemas.openxmlformats.org/drawingml/2006/main" xmlns:r="http://schemas.openxmlformats.org/officeDocument/2006/relationships" xmlns:p="http://schemas.openxmlformats.org/presentationml/2006/main">
-  <p:cSld>
-    <p:spTree>
-      <p:nvGrpSpPr>
-        <p:cNvPr id="1" name=""/>
-        <p:cNvGrpSpPr/>
-        <p:nvPr/>
-      </p:nvGrpSpPr>
-      <p:grpSpPr>
-        <a:xfrm>
-          <a:off x="0" y="0"/>
-          <a:ext cx="0" cy="0"/>
-          <a:chOff x="0" y="0"/>
-          <a:chExt cx="0" cy="0"/>
-        </a:xfrm>
-      </p:grpSpPr>
-      <p:sp>
-        <p:nvSpPr>
-          <p:cNvPr id="3" name="Title 2">
-            <a:extLst>
-              <a:ext uri="{FF2B5EF4-FFF2-40B4-BE49-F238E27FC236}">
-                <a16:creationId xmlns:a16="http://schemas.microsoft.com/office/drawing/2014/main" id="{FD846386-E384-4475-837E-0CEE3E9D7C02}"/>
-              </a:ext>
-            </a:extLst>
-          </p:cNvPr>
-          <p:cNvSpPr>
-            <a:spLocks noGrp="1"/>
-          </p:cNvSpPr>
-          <p:nvPr>
-            <p:ph type="title"/>
-          </p:nvPr>
-        </p:nvSpPr>
-        <p:spPr/>
-        <p:txBody>
-          <a:bodyPr/>
-          <a:lstStyle/>
-          <a:p>
-            <a:r>
-              <a:rPr lang="en-US" dirty="0">
-                <a:latin typeface="Times New Roman" panose="02020603050405020304" pitchFamily="18" charset="0"/>
-                <a:cs typeface="Times New Roman" panose="02020603050405020304" pitchFamily="18" charset="0"/>
-              </a:rPr>
-              <a:t>Soybean</a:t>
-            </a:r>
-          </a:p>
-        </p:txBody>
-      </p:sp>
-      <p:sp>
-        <p:nvSpPr>
-          <p:cNvPr id="4" name="Text Placeholder 3">
-            <a:extLst>
-              <a:ext uri="{FF2B5EF4-FFF2-40B4-BE49-F238E27FC236}">
-                <a16:creationId xmlns:a16="http://schemas.microsoft.com/office/drawing/2014/main" id="{174BC32C-813B-4D05-8B94-B151BDE6AAF4}"/>
-              </a:ext>
-            </a:extLst>
-          </p:cNvPr>
-          <p:cNvSpPr>
-            <a:spLocks noGrp="1"/>
-          </p:cNvSpPr>
-          <p:nvPr>
-            <p:ph type="body" idx="1"/>
-          </p:nvPr>
-        </p:nvSpPr>
-        <p:spPr/>
-        <p:txBody>
-          <a:bodyPr/>
-          <a:lstStyle/>
-          <a:p>
-            <a:r>
-              <a:rPr lang="en-US" dirty="0">
-                <a:latin typeface="Times New Roman" panose="02020603050405020304" pitchFamily="18" charset="0"/>
-                <a:cs typeface="Times New Roman" panose="02020603050405020304" pitchFamily="18" charset="0"/>
-              </a:rPr>
-              <a:t>MapBiomas Collection 6 and Collection 8</a:t>
-            </a:r>
-          </a:p>
-        </p:txBody>
-      </p:sp>
-      <p:sp>
-        <p:nvSpPr>
-          <p:cNvPr id="2" name="Slide Number Placeholder 1">
-            <a:extLst>
-              <a:ext uri="{FF2B5EF4-FFF2-40B4-BE49-F238E27FC236}">
-                <a16:creationId xmlns:a16="http://schemas.microsoft.com/office/drawing/2014/main" id="{310A4DB7-28C7-459D-A56D-31913D656D06}"/>
-              </a:ext>
-            </a:extLst>
-          </p:cNvPr>
-          <p:cNvSpPr>
-            <a:spLocks noGrp="1"/>
-          </p:cNvSpPr>
-          <p:nvPr>
-            <p:ph type="sldNum" sz="quarter" idx="12"/>
-          </p:nvPr>
-        </p:nvSpPr>
-        <p:spPr/>
-        <p:txBody>
-          <a:bodyPr/>
-          <a:lstStyle/>
-          <a:p>
-            <a:fld id="{4E4388CE-8408-4C4D-B35A-15C296EFDD48}" type="slidenum">
-              <a:rPr lang="en-US" smtClean="0"/>
-              <a:t>18</a:t>
-            </a:fld>
-            <a:endParaRPr lang="en-US"/>
-          </a:p>
-        </p:txBody>
-      </p:sp>
-    </p:spTree>
-    <p:extLst>
-      <p:ext uri="{BB962C8B-B14F-4D97-AF65-F5344CB8AC3E}">
-        <p14:creationId xmlns:p14="http://schemas.microsoft.com/office/powerpoint/2010/main" val="2552017504"/>
-      </p:ext>
-    </p:extLst>
-  </p:cSld>
-  <p:clrMapOvr>
-    <a:masterClrMapping/>
-  </p:clrMapOvr>
-</p:sld>
-</file>
-
-<file path=ppt/slides/slide19.xml><?xml version="1.0" encoding="utf-8"?>
-<p:sld xmlns:a="http://schemas.openxmlformats.org/drawingml/2006/main" xmlns:r="http://schemas.openxmlformats.org/officeDocument/2006/relationships" xmlns:p="http://schemas.openxmlformats.org/presentationml/2006/main">
-  <p:cSld>
-    <p:spTree>
-      <p:nvGrpSpPr>
-        <p:cNvPr id="1" name=""/>
-        <p:cNvGrpSpPr/>
-        <p:nvPr/>
-      </p:nvGrpSpPr>
-      <p:grpSpPr>
-        <a:xfrm>
-          <a:off x="0" y="0"/>
-          <a:ext cx="0" cy="0"/>
-          <a:chOff x="0" y="0"/>
-          <a:chExt cx="0" cy="0"/>
-        </a:xfrm>
-      </p:grpSpPr>
-      <p:pic>
-        <p:nvPicPr>
-          <p:cNvPr id="6" name="Picture 5">
-            <a:extLst>
-              <a:ext uri="{FF2B5EF4-FFF2-40B4-BE49-F238E27FC236}">
-                <a16:creationId xmlns:a16="http://schemas.microsoft.com/office/drawing/2014/main" id="{C8BD2EF3-A665-4E23-B38D-C79A802E9FC2}"/>
-              </a:ext>
-            </a:extLst>
-          </p:cNvPr>
-          <p:cNvPicPr>
-            <a:picLocks noChangeAspect="1"/>
-          </p:cNvPicPr>
-          <p:nvPr/>
-        </p:nvPicPr>
-        <p:blipFill>
-          <a:blip r:embed="rId2"/>
-          <a:stretch>
-            <a:fillRect/>
-          </a:stretch>
-        </p:blipFill>
-        <p:spPr>
-          <a:xfrm>
-            <a:off x="1947672" y="1134491"/>
-            <a:ext cx="8345115" cy="5586984"/>
-          </a:xfrm>
-          <a:prstGeom prst="rect">
-            <a:avLst/>
-          </a:prstGeom>
-        </p:spPr>
-      </p:pic>
-      <p:sp>
-        <p:nvSpPr>
-          <p:cNvPr id="8" name="TextBox 7">
-            <a:extLst>
-              <a:ext uri="{FF2B5EF4-FFF2-40B4-BE49-F238E27FC236}">
-                <a16:creationId xmlns:a16="http://schemas.microsoft.com/office/drawing/2014/main" id="{7B317ED1-98FF-4CEC-875C-811749FDBE2E}"/>
-              </a:ext>
-            </a:extLst>
-          </p:cNvPr>
-          <p:cNvSpPr txBox="1"/>
-          <p:nvPr/>
-        </p:nvSpPr>
-        <p:spPr>
-          <a:xfrm>
-            <a:off x="316523" y="362930"/>
-            <a:ext cx="11192608" cy="584775"/>
-          </a:xfrm>
-          <a:prstGeom prst="rect">
-            <a:avLst/>
-          </a:prstGeom>
-          <a:noFill/>
-        </p:spPr>
-        <p:txBody>
-          <a:bodyPr wrap="square" rtlCol="0">
-            <a:spAutoFit/>
-          </a:bodyPr>
-          <a:lstStyle/>
-          <a:p>
-            <a:r>
-              <a:rPr lang="en-US" sz="3200" dirty="0">
-                <a:latin typeface="Times New Roman" panose="02020603050405020304" pitchFamily="18" charset="0"/>
-                <a:cs typeface="Times New Roman" panose="02020603050405020304" pitchFamily="18" charset="0"/>
-              </a:rPr>
-              <a:t>Presence Agreement graphic using Soybean class</a:t>
-            </a:r>
-          </a:p>
-        </p:txBody>
-      </p:sp>
-      <p:sp>
-        <p:nvSpPr>
-          <p:cNvPr id="9" name="Slide Number Placeholder 8">
-            <a:extLst>
-              <a:ext uri="{FF2B5EF4-FFF2-40B4-BE49-F238E27FC236}">
-                <a16:creationId xmlns:a16="http://schemas.microsoft.com/office/drawing/2014/main" id="{9C58E193-3EFA-4C21-AE87-0AD31F80AF89}"/>
-              </a:ext>
-            </a:extLst>
-          </p:cNvPr>
-          <p:cNvSpPr>
-            <a:spLocks noGrp="1"/>
-          </p:cNvSpPr>
-          <p:nvPr>
-            <p:ph type="sldNum" sz="quarter" idx="12"/>
-          </p:nvPr>
-        </p:nvSpPr>
-        <p:spPr/>
-        <p:txBody>
-          <a:bodyPr/>
-          <a:lstStyle/>
-          <a:p>
-            <a:fld id="{4E4388CE-8408-4C4D-B35A-15C296EFDD48}" type="slidenum">
-              <a:rPr lang="en-US" smtClean="0"/>
-              <a:t>19</a:t>
-            </a:fld>
-            <a:endParaRPr lang="en-US"/>
-          </a:p>
-        </p:txBody>
-      </p:sp>
-    </p:spTree>
-    <p:extLst>
-      <p:ext uri="{BB962C8B-B14F-4D97-AF65-F5344CB8AC3E}">
-        <p14:creationId xmlns:p14="http://schemas.microsoft.com/office/powerpoint/2010/main" val="915752784"/>
       </p:ext>
     </p:extLst>
   </p:cSld>
@@ -5082,79 +5082,12 @@
           <a:chExt cx="0" cy="0"/>
         </a:xfrm>
       </p:grpSpPr>
-      <p:sp>
-        <p:nvSpPr>
-          <p:cNvPr id="8" name="TextBox 7">
-            <a:extLst>
-              <a:ext uri="{FF2B5EF4-FFF2-40B4-BE49-F238E27FC236}">
-                <a16:creationId xmlns:a16="http://schemas.microsoft.com/office/drawing/2014/main" id="{7B317ED1-98FF-4CEC-875C-811749FDBE2E}"/>
-              </a:ext>
-            </a:extLst>
-          </p:cNvPr>
-          <p:cNvSpPr txBox="1"/>
-          <p:nvPr/>
-        </p:nvSpPr>
-        <p:spPr>
-          <a:xfrm>
-            <a:off x="316523" y="362930"/>
-            <a:ext cx="10691446" cy="584775"/>
-          </a:xfrm>
-          <a:prstGeom prst="rect">
-            <a:avLst/>
-          </a:prstGeom>
-          <a:noFill/>
-        </p:spPr>
-        <p:txBody>
-          <a:bodyPr wrap="square" rtlCol="0">
-            <a:spAutoFit/>
-          </a:bodyPr>
-          <a:lstStyle/>
-          <a:p>
-            <a:r>
-              <a:rPr lang="en-US" sz="3200" dirty="0">
-                <a:latin typeface="Times New Roman" panose="02020603050405020304" pitchFamily="18" charset="0"/>
-                <a:cs typeface="Times New Roman" panose="02020603050405020304" pitchFamily="18" charset="0"/>
-              </a:rPr>
-              <a:t>Gross Losses and Gross Gains graphics using Soybean class</a:t>
-            </a:r>
-          </a:p>
-        </p:txBody>
-      </p:sp>
-      <p:sp>
-        <p:nvSpPr>
-          <p:cNvPr id="9" name="Slide Number Placeholder 8">
-            <a:extLst>
-              <a:ext uri="{FF2B5EF4-FFF2-40B4-BE49-F238E27FC236}">
-                <a16:creationId xmlns:a16="http://schemas.microsoft.com/office/drawing/2014/main" id="{9C58E193-3EFA-4C21-AE87-0AD31F80AF89}"/>
-              </a:ext>
-            </a:extLst>
-          </p:cNvPr>
-          <p:cNvSpPr>
-            <a:spLocks noGrp="1"/>
-          </p:cNvSpPr>
-          <p:nvPr>
-            <p:ph type="sldNum" sz="quarter" idx="12"/>
-          </p:nvPr>
-        </p:nvSpPr>
-        <p:spPr/>
-        <p:txBody>
-          <a:bodyPr/>
-          <a:lstStyle/>
-          <a:p>
-            <a:fld id="{4E4388CE-8408-4C4D-B35A-15C296EFDD48}" type="slidenum">
-              <a:rPr lang="en-US" smtClean="0"/>
-              <a:t>20</a:t>
-            </a:fld>
-            <a:endParaRPr lang="en-US"/>
-          </a:p>
-        </p:txBody>
-      </p:sp>
       <p:pic>
         <p:nvPicPr>
           <p:cNvPr id="6" name="Picture 5">
             <a:extLst>
               <a:ext uri="{FF2B5EF4-FFF2-40B4-BE49-F238E27FC236}">
-                <a16:creationId xmlns:a16="http://schemas.microsoft.com/office/drawing/2014/main" id="{194F7757-3A9D-4B45-BDFF-C427F5D7CDA1}"/>
+                <a16:creationId xmlns:a16="http://schemas.microsoft.com/office/drawing/2014/main" id="{15375BB5-C717-47C9-91D6-9F7ED9FBB0E9}"/>
               </a:ext>
             </a:extLst>
           </p:cNvPr>
@@ -5171,7 +5104,7 @@
         </p:blipFill>
         <p:spPr>
           <a:xfrm>
-            <a:off x="639961" y="1061992"/>
+            <a:off x="884897" y="1133221"/>
             <a:ext cx="10912078" cy="5586984"/>
           </a:xfrm>
           <a:prstGeom prst="rect">
@@ -5179,40 +5112,77 @@
           </a:prstGeom>
         </p:spPr>
       </p:pic>
-      <p:pic>
-        <p:nvPicPr>
-          <p:cNvPr id="10" name="Picture 9">
-            <a:extLst>
-              <a:ext uri="{FF2B5EF4-FFF2-40B4-BE49-F238E27FC236}">
-                <a16:creationId xmlns:a16="http://schemas.microsoft.com/office/drawing/2014/main" id="{E89DE128-F67E-4482-B504-330EDD4591BA}"/>
-              </a:ext>
-            </a:extLst>
-          </p:cNvPr>
-          <p:cNvPicPr>
-            <a:picLocks noChangeAspect="1"/>
-          </p:cNvPicPr>
+      <p:sp>
+        <p:nvSpPr>
+          <p:cNvPr id="8" name="TextBox 7">
+            <a:extLst>
+              <a:ext uri="{FF2B5EF4-FFF2-40B4-BE49-F238E27FC236}">
+                <a16:creationId xmlns:a16="http://schemas.microsoft.com/office/drawing/2014/main" id="{7B317ED1-98FF-4CEC-875C-811749FDBE2E}"/>
+              </a:ext>
+            </a:extLst>
+          </p:cNvPr>
+          <p:cNvSpPr txBox="1"/>
           <p:nvPr/>
-        </p:nvPicPr>
-        <p:blipFill>
-          <a:blip r:embed="rId3"/>
-          <a:stretch>
-            <a:fillRect/>
-          </a:stretch>
-        </p:blipFill>
+        </p:nvSpPr>
         <p:spPr>
           <a:xfrm>
-            <a:off x="676656" y="1133856"/>
-            <a:ext cx="10912078" cy="5586984"/>
+            <a:off x="316523" y="362930"/>
+            <a:ext cx="10691446" cy="584775"/>
           </a:xfrm>
           <a:prstGeom prst="rect">
             <a:avLst/>
           </a:prstGeom>
+          <a:noFill/>
         </p:spPr>
-      </p:pic>
+        <p:txBody>
+          <a:bodyPr wrap="square" rtlCol="0">
+            <a:spAutoFit/>
+          </a:bodyPr>
+          <a:lstStyle/>
+          <a:p>
+            <a:r>
+              <a:rPr lang="en-US" sz="3200" dirty="0">
+                <a:latin typeface="Times New Roman" panose="02020603050405020304" pitchFamily="18" charset="0"/>
+                <a:cs typeface="Times New Roman" panose="02020603050405020304" pitchFamily="18" charset="0"/>
+              </a:rPr>
+              <a:t>Gross Losses and Gross Gains graphics using Savanna class</a:t>
+            </a:r>
+          </a:p>
+        </p:txBody>
+      </p:sp>
+      <p:sp>
+        <p:nvSpPr>
+          <p:cNvPr id="9" name="Slide Number Placeholder 8">
+            <a:extLst>
+              <a:ext uri="{FF2B5EF4-FFF2-40B4-BE49-F238E27FC236}">
+                <a16:creationId xmlns:a16="http://schemas.microsoft.com/office/drawing/2014/main" id="{9C58E193-3EFA-4C21-AE87-0AD31F80AF89}"/>
+              </a:ext>
+            </a:extLst>
+          </p:cNvPr>
+          <p:cNvSpPr>
+            <a:spLocks noGrp="1"/>
+          </p:cNvSpPr>
+          <p:nvPr>
+            <p:ph type="sldNum" sz="quarter" idx="12"/>
+          </p:nvPr>
+        </p:nvSpPr>
+        <p:spPr/>
+        <p:txBody>
+          <a:bodyPr/>
+          <a:lstStyle/>
+          <a:p>
+            <a:fld id="{4E4388CE-8408-4C4D-B35A-15C296EFDD48}" type="slidenum">
+              <a:rPr lang="en-US" smtClean="0"/>
+              <a:t>20</a:t>
+            </a:fld>
+            <a:endParaRPr lang="en-US"/>
+          </a:p>
+        </p:txBody>
+      </p:sp>
     </p:spTree>
     <p:extLst>
       <p:ext uri="{BB962C8B-B14F-4D97-AF65-F5344CB8AC3E}">
-        <p14:creationId xmlns:p14="http://schemas.microsoft.com/office/powerpoint/2010/main" val="2011692012"/>
+        <p14:creationId xmlns:p14="http://schemas.microsoft.com/office/powerpoint/2010/main" val="1301988076"/>
       </p:ext>
     </p:extLst>
   </p:cSld>
@@ -5241,10 +5211,10 @@
       </p:grpSpPr>
       <p:pic>
         <p:nvPicPr>
-          <p:cNvPr id="5" name="Picture 4">
-            <a:extLst>
-              <a:ext uri="{FF2B5EF4-FFF2-40B4-BE49-F238E27FC236}">
-                <a16:creationId xmlns:a16="http://schemas.microsoft.com/office/drawing/2014/main" id="{8A4EF27B-EC5C-4C15-AA99-278B0F12F0BB}"/>
+          <p:cNvPr id="10" name="Picture 9">
+            <a:extLst>
+              <a:ext uri="{FF2B5EF4-FFF2-40B4-BE49-F238E27FC236}">
+                <a16:creationId xmlns:a16="http://schemas.microsoft.com/office/drawing/2014/main" id="{751CD098-2DA0-4B0E-938B-3F88DC73548C}"/>
               </a:ext>
             </a:extLst>
           </p:cNvPr>
@@ -5261,7 +5231,7 @@
         </p:blipFill>
         <p:spPr>
           <a:xfrm>
-            <a:off x="671705" y="1134491"/>
+            <a:off x="916641" y="1133221"/>
             <a:ext cx="10848590" cy="5586984"/>
           </a:xfrm>
           <a:prstGeom prst="rect">
@@ -5271,10 +5241,10 @@
       </p:pic>
       <p:sp>
         <p:nvSpPr>
-          <p:cNvPr id="9" name="Slide Number Placeholder 8">
-            <a:extLst>
-              <a:ext uri="{FF2B5EF4-FFF2-40B4-BE49-F238E27FC236}">
-                <a16:creationId xmlns:a16="http://schemas.microsoft.com/office/drawing/2014/main" id="{9C58E193-3EFA-4C21-AE87-0AD31F80AF89}"/>
+          <p:cNvPr id="2" name="Slide Number Placeholder 1">
+            <a:extLst>
+              <a:ext uri="{FF2B5EF4-FFF2-40B4-BE49-F238E27FC236}">
+                <a16:creationId xmlns:a16="http://schemas.microsoft.com/office/drawing/2014/main" id="{A32597C8-E9B4-4015-8C25-70C57DD47501}"/>
               </a:ext>
             </a:extLst>
           </p:cNvPr>
@@ -5300,10 +5270,10 @@
       </p:sp>
       <p:sp>
         <p:nvSpPr>
-          <p:cNvPr id="10" name="TextBox 9">
-            <a:extLst>
-              <a:ext uri="{FF2B5EF4-FFF2-40B4-BE49-F238E27FC236}">
-                <a16:creationId xmlns:a16="http://schemas.microsoft.com/office/drawing/2014/main" id="{2A51FB31-BA6A-4EAE-A15A-FDFB4FE751B3}"/>
+          <p:cNvPr id="7" name="TextBox 6">
+            <a:extLst>
+              <a:ext uri="{FF2B5EF4-FFF2-40B4-BE49-F238E27FC236}">
+                <a16:creationId xmlns:a16="http://schemas.microsoft.com/office/drawing/2014/main" id="{321A085E-4272-4160-8E78-B3191871F9CE}"/>
               </a:ext>
             </a:extLst>
           </p:cNvPr>
@@ -5331,7 +5301,7 @@
                 <a:latin typeface="Times New Roman" panose="02020603050405020304" pitchFamily="18" charset="0"/>
                 <a:cs typeface="Times New Roman" panose="02020603050405020304" pitchFamily="18" charset="0"/>
               </a:rPr>
-              <a:t>Net Losses and Net Gains graphics using Soybean class</a:t>
+              <a:t>Net Losses and Net Gains graphics using Savanna class</a:t>
             </a:r>
           </a:p>
         </p:txBody>
@@ -5339,7 +5309,7 @@
     </p:spTree>
     <p:extLst>
       <p:ext uri="{BB962C8B-B14F-4D97-AF65-F5344CB8AC3E}">
-        <p14:creationId xmlns:p14="http://schemas.microsoft.com/office/powerpoint/2010/main" val="970817046"/>
+        <p14:creationId xmlns:p14="http://schemas.microsoft.com/office/powerpoint/2010/main" val="562626520"/>
       </p:ext>
     </p:extLst>
   </p:cSld>
@@ -5366,12 +5336,41 @@
           <a:chExt cx="0" cy="0"/>
         </a:xfrm>
       </p:grpSpPr>
+      <p:sp>
+        <p:nvSpPr>
+          <p:cNvPr id="2" name="Slide Number Placeholder 1">
+            <a:extLst>
+              <a:ext uri="{FF2B5EF4-FFF2-40B4-BE49-F238E27FC236}">
+                <a16:creationId xmlns:a16="http://schemas.microsoft.com/office/drawing/2014/main" id="{0BAE1B9F-88C6-44E4-B0F9-571B10BA1DF9}"/>
+              </a:ext>
+            </a:extLst>
+          </p:cNvPr>
+          <p:cNvSpPr>
+            <a:spLocks noGrp="1"/>
+          </p:cNvSpPr>
+          <p:nvPr>
+            <p:ph type="sldNum" sz="quarter" idx="12"/>
+          </p:nvPr>
+        </p:nvSpPr>
+        <p:spPr/>
+        <p:txBody>
+          <a:bodyPr/>
+          <a:lstStyle/>
+          <a:p>
+            <a:fld id="{4E4388CE-8408-4C4D-B35A-15C296EFDD48}" type="slidenum">
+              <a:rPr lang="en-US" smtClean="0"/>
+              <a:t>22</a:t>
+            </a:fld>
+            <a:endParaRPr lang="en-US"/>
+          </a:p>
+        </p:txBody>
+      </p:sp>
       <p:pic>
         <p:nvPicPr>
-          <p:cNvPr id="8" name="Picture 7">
-            <a:extLst>
-              <a:ext uri="{FF2B5EF4-FFF2-40B4-BE49-F238E27FC236}">
-                <a16:creationId xmlns:a16="http://schemas.microsoft.com/office/drawing/2014/main" id="{D2D29350-5110-40DF-BE0B-64CFF05FAE74}"/>
+          <p:cNvPr id="4" name="Picture 3">
+            <a:extLst>
+              <a:ext uri="{FF2B5EF4-FFF2-40B4-BE49-F238E27FC236}">
+                <a16:creationId xmlns:a16="http://schemas.microsoft.com/office/drawing/2014/main" id="{902BF800-FC33-46ED-BD56-F8D08747C2DC}"/>
               </a:ext>
             </a:extLst>
           </p:cNvPr>
@@ -5382,95 +5381,6 @@
         </p:nvPicPr>
         <p:blipFill>
           <a:blip r:embed="rId2"/>
-          <a:stretch>
-            <a:fillRect/>
-          </a:stretch>
-        </p:blipFill>
-        <p:spPr>
-          <a:xfrm>
-            <a:off x="5844609" y="0"/>
-            <a:ext cx="6063637" cy="6858000"/>
-          </a:xfrm>
-          <a:prstGeom prst="rect">
-            <a:avLst/>
-          </a:prstGeom>
-        </p:spPr>
-      </p:pic>
-      <p:pic>
-        <p:nvPicPr>
-          <p:cNvPr id="5" name="Picture 4">
-            <a:extLst>
-              <a:ext uri="{FF2B5EF4-FFF2-40B4-BE49-F238E27FC236}">
-                <a16:creationId xmlns:a16="http://schemas.microsoft.com/office/drawing/2014/main" id="{FA026EFF-A4DE-4759-97F1-99FCBD795DA9}"/>
-              </a:ext>
-            </a:extLst>
-          </p:cNvPr>
-          <p:cNvPicPr>
-            <a:picLocks noChangeAspect="1"/>
-          </p:cNvPicPr>
-          <p:nvPr/>
-        </p:nvPicPr>
-        <p:blipFill>
-          <a:blip r:embed="rId3"/>
-          <a:stretch>
-            <a:fillRect/>
-          </a:stretch>
-        </p:blipFill>
-        <p:spPr>
-          <a:xfrm>
-            <a:off x="917788" y="0"/>
-            <a:ext cx="4964768" cy="6858000"/>
-          </a:xfrm>
-          <a:prstGeom prst="rect">
-            <a:avLst/>
-          </a:prstGeom>
-        </p:spPr>
-      </p:pic>
-      <p:sp>
-        <p:nvSpPr>
-          <p:cNvPr id="2" name="Slide Number Placeholder 1">
-            <a:extLst>
-              <a:ext uri="{FF2B5EF4-FFF2-40B4-BE49-F238E27FC236}">
-                <a16:creationId xmlns:a16="http://schemas.microsoft.com/office/drawing/2014/main" id="{0BAE1B9F-88C6-44E4-B0F9-571B10BA1DF9}"/>
-              </a:ext>
-            </a:extLst>
-          </p:cNvPr>
-          <p:cNvSpPr>
-            <a:spLocks noGrp="1"/>
-          </p:cNvSpPr>
-          <p:nvPr>
-            <p:ph type="sldNum" sz="quarter" idx="12"/>
-          </p:nvPr>
-        </p:nvSpPr>
-        <p:spPr/>
-        <p:txBody>
-          <a:bodyPr/>
-          <a:lstStyle/>
-          <a:p>
-            <a:fld id="{4E4388CE-8408-4C4D-B35A-15C296EFDD48}" type="slidenum">
-              <a:rPr lang="en-US" smtClean="0"/>
-              <a:t>22</a:t>
-            </a:fld>
-            <a:endParaRPr lang="en-US"/>
-          </a:p>
-        </p:txBody>
-      </p:sp>
-      <p:pic>
-        <p:nvPicPr>
-          <p:cNvPr id="4" name="Picture 3">
-            <a:extLst>
-              <a:ext uri="{FF2B5EF4-FFF2-40B4-BE49-F238E27FC236}">
-                <a16:creationId xmlns:a16="http://schemas.microsoft.com/office/drawing/2014/main" id="{902BF800-FC33-46ED-BD56-F8D08747C2DC}"/>
-              </a:ext>
-            </a:extLst>
-          </p:cNvPr>
-          <p:cNvPicPr>
-            <a:picLocks noChangeAspect="1"/>
-          </p:cNvPicPr>
-          <p:nvPr/>
-        </p:nvPicPr>
-        <p:blipFill>
-          <a:blip r:embed="rId4"/>
           <a:stretch>
             <a:fillRect/>
           </a:stretch>
@@ -5485,10 +5395,40 @@
           </a:prstGeom>
         </p:spPr>
       </p:pic>
+      <p:pic>
+        <p:nvPicPr>
+          <p:cNvPr id="6" name="Picture 5">
+            <a:extLst>
+              <a:ext uri="{FF2B5EF4-FFF2-40B4-BE49-F238E27FC236}">
+                <a16:creationId xmlns:a16="http://schemas.microsoft.com/office/drawing/2014/main" id="{3BAE8774-2938-45A6-A030-74F1B7BD7142}"/>
+              </a:ext>
+            </a:extLst>
+          </p:cNvPr>
+          <p:cNvPicPr>
+            <a:picLocks noChangeAspect="1"/>
+          </p:cNvPicPr>
+          <p:nvPr/>
+        </p:nvPicPr>
+        <p:blipFill>
+          <a:blip r:embed="rId3"/>
+          <a:stretch>
+            <a:fillRect/>
+          </a:stretch>
+        </p:blipFill>
+        <p:spPr>
+          <a:xfrm>
+            <a:off x="5920502" y="0"/>
+            <a:ext cx="6063637" cy="6858000"/>
+          </a:xfrm>
+          <a:prstGeom prst="rect">
+            <a:avLst/>
+          </a:prstGeom>
+        </p:spPr>
+      </p:pic>
     </p:spTree>
     <p:extLst>
       <p:ext uri="{BB962C8B-B14F-4D97-AF65-F5344CB8AC3E}">
-        <p14:creationId xmlns:p14="http://schemas.microsoft.com/office/powerpoint/2010/main" val="4026267146"/>
+        <p14:creationId xmlns:p14="http://schemas.microsoft.com/office/powerpoint/2010/main" val="3433875807"/>
       </p:ext>
     </p:extLst>
   </p:cSld>
@@ -5672,79 +5612,12 @@
           <a:chExt cx="0" cy="0"/>
         </a:xfrm>
       </p:grpSpPr>
-      <p:sp>
-        <p:nvSpPr>
-          <p:cNvPr id="8" name="TextBox 7">
-            <a:extLst>
-              <a:ext uri="{FF2B5EF4-FFF2-40B4-BE49-F238E27FC236}">
-                <a16:creationId xmlns:a16="http://schemas.microsoft.com/office/drawing/2014/main" id="{7B317ED1-98FF-4CEC-875C-811749FDBE2E}"/>
-              </a:ext>
-            </a:extLst>
-          </p:cNvPr>
-          <p:cNvSpPr txBox="1"/>
-          <p:nvPr/>
-        </p:nvSpPr>
-        <p:spPr>
-          <a:xfrm>
-            <a:off x="316523" y="362930"/>
-            <a:ext cx="11192608" cy="584775"/>
-          </a:xfrm>
-          <a:prstGeom prst="rect">
-            <a:avLst/>
-          </a:prstGeom>
-          <a:noFill/>
-        </p:spPr>
-        <p:txBody>
-          <a:bodyPr wrap="square" rtlCol="0">
-            <a:spAutoFit/>
-          </a:bodyPr>
-          <a:lstStyle/>
-          <a:p>
-            <a:r>
-              <a:rPr lang="en-US" sz="3200" dirty="0">
-                <a:latin typeface="Times New Roman" panose="02020603050405020304" pitchFamily="18" charset="0"/>
-                <a:cs typeface="Times New Roman" panose="02020603050405020304" pitchFamily="18" charset="0"/>
-              </a:rPr>
-              <a:t>Gross Losses and Gross Gains graphic using Toy data</a:t>
-            </a:r>
-          </a:p>
-        </p:txBody>
-      </p:sp>
-      <p:sp>
-        <p:nvSpPr>
-          <p:cNvPr id="9" name="Slide Number Placeholder 8">
-            <a:extLst>
-              <a:ext uri="{FF2B5EF4-FFF2-40B4-BE49-F238E27FC236}">
-                <a16:creationId xmlns:a16="http://schemas.microsoft.com/office/drawing/2014/main" id="{9C58E193-3EFA-4C21-AE87-0AD31F80AF89}"/>
-              </a:ext>
-            </a:extLst>
-          </p:cNvPr>
-          <p:cNvSpPr>
-            <a:spLocks noGrp="1"/>
-          </p:cNvSpPr>
-          <p:nvPr>
-            <p:ph type="sldNum" sz="quarter" idx="12"/>
-          </p:nvPr>
-        </p:nvSpPr>
-        <p:spPr/>
-        <p:txBody>
-          <a:bodyPr/>
-          <a:lstStyle/>
-          <a:p>
-            <a:fld id="{4E4388CE-8408-4C4D-B35A-15C296EFDD48}" type="slidenum">
-              <a:rPr lang="en-US" smtClean="0"/>
-              <a:t>3</a:t>
-            </a:fld>
-            <a:endParaRPr lang="en-US"/>
-          </a:p>
-        </p:txBody>
-      </p:sp>
       <p:pic>
         <p:nvPicPr>
-          <p:cNvPr id="5" name="Picture 4">
-            <a:extLst>
-              <a:ext uri="{FF2B5EF4-FFF2-40B4-BE49-F238E27FC236}">
-                <a16:creationId xmlns:a16="http://schemas.microsoft.com/office/drawing/2014/main" id="{E67C7756-72EE-4880-B4D3-633CA2A35FFC}"/>
+          <p:cNvPr id="3" name="Picture 2">
+            <a:extLst>
+              <a:ext uri="{FF2B5EF4-FFF2-40B4-BE49-F238E27FC236}">
+                <a16:creationId xmlns:a16="http://schemas.microsoft.com/office/drawing/2014/main" id="{26F93A0A-5E2A-4A10-B949-432174605DDA}"/>
               </a:ext>
             </a:extLst>
           </p:cNvPr>
@@ -5762,13 +5635,80 @@
         <p:spPr>
           <a:xfrm>
             <a:off x="838200" y="1134491"/>
-            <a:ext cx="10896207" cy="5586984"/>
+            <a:ext cx="10896206" cy="5586984"/>
           </a:xfrm>
           <a:prstGeom prst="rect">
             <a:avLst/>
           </a:prstGeom>
         </p:spPr>
       </p:pic>
+      <p:sp>
+        <p:nvSpPr>
+          <p:cNvPr id="8" name="TextBox 7">
+            <a:extLst>
+              <a:ext uri="{FF2B5EF4-FFF2-40B4-BE49-F238E27FC236}">
+                <a16:creationId xmlns:a16="http://schemas.microsoft.com/office/drawing/2014/main" id="{7B317ED1-98FF-4CEC-875C-811749FDBE2E}"/>
+              </a:ext>
+            </a:extLst>
+          </p:cNvPr>
+          <p:cNvSpPr txBox="1"/>
+          <p:nvPr/>
+        </p:nvSpPr>
+        <p:spPr>
+          <a:xfrm>
+            <a:off x="316523" y="362930"/>
+            <a:ext cx="11192608" cy="584775"/>
+          </a:xfrm>
+          <a:prstGeom prst="rect">
+            <a:avLst/>
+          </a:prstGeom>
+          <a:noFill/>
+        </p:spPr>
+        <p:txBody>
+          <a:bodyPr wrap="square" rtlCol="0">
+            <a:spAutoFit/>
+          </a:bodyPr>
+          <a:lstStyle/>
+          <a:p>
+            <a:r>
+              <a:rPr lang="en-US" sz="3200" dirty="0">
+                <a:latin typeface="Times New Roman" panose="02020603050405020304" pitchFamily="18" charset="0"/>
+                <a:cs typeface="Times New Roman" panose="02020603050405020304" pitchFamily="18" charset="0"/>
+              </a:rPr>
+              <a:t>Gross Losses and Gross Gains graphic using Toy data</a:t>
+            </a:r>
+          </a:p>
+        </p:txBody>
+      </p:sp>
+      <p:sp>
+        <p:nvSpPr>
+          <p:cNvPr id="9" name="Slide Number Placeholder 8">
+            <a:extLst>
+              <a:ext uri="{FF2B5EF4-FFF2-40B4-BE49-F238E27FC236}">
+                <a16:creationId xmlns:a16="http://schemas.microsoft.com/office/drawing/2014/main" id="{9C58E193-3EFA-4C21-AE87-0AD31F80AF89}"/>
+              </a:ext>
+            </a:extLst>
+          </p:cNvPr>
+          <p:cNvSpPr>
+            <a:spLocks noGrp="1"/>
+          </p:cNvSpPr>
+          <p:nvPr>
+            <p:ph type="sldNum" sz="quarter" idx="12"/>
+          </p:nvPr>
+        </p:nvSpPr>
+        <p:spPr/>
+        <p:txBody>
+          <a:bodyPr/>
+          <a:lstStyle/>
+          <a:p>
+            <a:fld id="{4E4388CE-8408-4C4D-B35A-15C296EFDD48}" type="slidenum">
+              <a:rPr lang="en-US" smtClean="0"/>
+              <a:t>3</a:t>
+            </a:fld>
+            <a:endParaRPr lang="en-US"/>
+          </a:p>
+        </p:txBody>
+      </p:sp>
     </p:spTree>
     <p:extLst>
       <p:ext uri="{BB962C8B-B14F-4D97-AF65-F5344CB8AC3E}">
@@ -5799,79 +5739,12 @@
           <a:chExt cx="0" cy="0"/>
         </a:xfrm>
       </p:grpSpPr>
-      <p:sp>
-        <p:nvSpPr>
-          <p:cNvPr id="8" name="TextBox 7">
-            <a:extLst>
-              <a:ext uri="{FF2B5EF4-FFF2-40B4-BE49-F238E27FC236}">
-                <a16:creationId xmlns:a16="http://schemas.microsoft.com/office/drawing/2014/main" id="{7B317ED1-98FF-4CEC-875C-811749FDBE2E}"/>
-              </a:ext>
-            </a:extLst>
-          </p:cNvPr>
-          <p:cNvSpPr txBox="1"/>
-          <p:nvPr/>
-        </p:nvSpPr>
-        <p:spPr>
-          <a:xfrm>
-            <a:off x="316523" y="362930"/>
-            <a:ext cx="11192608" cy="584775"/>
-          </a:xfrm>
-          <a:prstGeom prst="rect">
-            <a:avLst/>
-          </a:prstGeom>
-          <a:noFill/>
-        </p:spPr>
-        <p:txBody>
-          <a:bodyPr wrap="square" rtlCol="0">
-            <a:spAutoFit/>
-          </a:bodyPr>
-          <a:lstStyle/>
-          <a:p>
-            <a:r>
-              <a:rPr lang="en-US" sz="3200" dirty="0">
-                <a:latin typeface="Times New Roman" panose="02020603050405020304" pitchFamily="18" charset="0"/>
-                <a:cs typeface="Times New Roman" panose="02020603050405020304" pitchFamily="18" charset="0"/>
-              </a:rPr>
-              <a:t>Net change graphic using Toy data</a:t>
-            </a:r>
-          </a:p>
-        </p:txBody>
-      </p:sp>
-      <p:sp>
-        <p:nvSpPr>
-          <p:cNvPr id="9" name="Slide Number Placeholder 8">
-            <a:extLst>
-              <a:ext uri="{FF2B5EF4-FFF2-40B4-BE49-F238E27FC236}">
-                <a16:creationId xmlns:a16="http://schemas.microsoft.com/office/drawing/2014/main" id="{9C58E193-3EFA-4C21-AE87-0AD31F80AF89}"/>
-              </a:ext>
-            </a:extLst>
-          </p:cNvPr>
-          <p:cNvSpPr>
-            <a:spLocks noGrp="1"/>
-          </p:cNvSpPr>
-          <p:nvPr>
-            <p:ph type="sldNum" sz="quarter" idx="12"/>
-          </p:nvPr>
-        </p:nvSpPr>
-        <p:spPr/>
-        <p:txBody>
-          <a:bodyPr/>
-          <a:lstStyle/>
-          <a:p>
-            <a:fld id="{4E4388CE-8408-4C4D-B35A-15C296EFDD48}" type="slidenum">
-              <a:rPr lang="en-US" smtClean="0"/>
-              <a:t>4</a:t>
-            </a:fld>
-            <a:endParaRPr lang="en-US"/>
-          </a:p>
-        </p:txBody>
-      </p:sp>
       <p:pic>
         <p:nvPicPr>
-          <p:cNvPr id="3" name="Picture 2">
-            <a:extLst>
-              <a:ext uri="{FF2B5EF4-FFF2-40B4-BE49-F238E27FC236}">
-                <a16:creationId xmlns:a16="http://schemas.microsoft.com/office/drawing/2014/main" id="{8449399F-1530-482F-A766-B17E2C259E0C}"/>
+          <p:cNvPr id="4" name="Picture 3">
+            <a:extLst>
+              <a:ext uri="{FF2B5EF4-FFF2-40B4-BE49-F238E27FC236}">
+                <a16:creationId xmlns:a16="http://schemas.microsoft.com/office/drawing/2014/main" id="{02E3DD9B-69F1-4CB5-9655-65526D0DAA4E}"/>
               </a:ext>
             </a:extLst>
           </p:cNvPr>
@@ -5889,13 +5762,80 @@
         <p:spPr>
           <a:xfrm>
             <a:off x="838200" y="1134491"/>
-            <a:ext cx="10832717" cy="5586984"/>
+            <a:ext cx="10832718" cy="5586984"/>
           </a:xfrm>
           <a:prstGeom prst="rect">
             <a:avLst/>
           </a:prstGeom>
         </p:spPr>
       </p:pic>
+      <p:sp>
+        <p:nvSpPr>
+          <p:cNvPr id="8" name="TextBox 7">
+            <a:extLst>
+              <a:ext uri="{FF2B5EF4-FFF2-40B4-BE49-F238E27FC236}">
+                <a16:creationId xmlns:a16="http://schemas.microsoft.com/office/drawing/2014/main" id="{7B317ED1-98FF-4CEC-875C-811749FDBE2E}"/>
+              </a:ext>
+            </a:extLst>
+          </p:cNvPr>
+          <p:cNvSpPr txBox="1"/>
+          <p:nvPr/>
+        </p:nvSpPr>
+        <p:spPr>
+          <a:xfrm>
+            <a:off x="316523" y="362930"/>
+            <a:ext cx="11192608" cy="584775"/>
+          </a:xfrm>
+          <a:prstGeom prst="rect">
+            <a:avLst/>
+          </a:prstGeom>
+          <a:noFill/>
+        </p:spPr>
+        <p:txBody>
+          <a:bodyPr wrap="square" rtlCol="0">
+            <a:spAutoFit/>
+          </a:bodyPr>
+          <a:lstStyle/>
+          <a:p>
+            <a:r>
+              <a:rPr lang="en-US" sz="3200" dirty="0">
+                <a:latin typeface="Times New Roman" panose="02020603050405020304" pitchFamily="18" charset="0"/>
+                <a:cs typeface="Times New Roman" panose="02020603050405020304" pitchFamily="18" charset="0"/>
+              </a:rPr>
+              <a:t>Net change graphic using Toy data</a:t>
+            </a:r>
+          </a:p>
+        </p:txBody>
+      </p:sp>
+      <p:sp>
+        <p:nvSpPr>
+          <p:cNvPr id="9" name="Slide Number Placeholder 8">
+            <a:extLst>
+              <a:ext uri="{FF2B5EF4-FFF2-40B4-BE49-F238E27FC236}">
+                <a16:creationId xmlns:a16="http://schemas.microsoft.com/office/drawing/2014/main" id="{9C58E193-3EFA-4C21-AE87-0AD31F80AF89}"/>
+              </a:ext>
+            </a:extLst>
+          </p:cNvPr>
+          <p:cNvSpPr>
+            <a:spLocks noGrp="1"/>
+          </p:cNvSpPr>
+          <p:nvPr>
+            <p:ph type="sldNum" sz="quarter" idx="12"/>
+          </p:nvPr>
+        </p:nvSpPr>
+        <p:spPr/>
+        <p:txBody>
+          <a:bodyPr/>
+          <a:lstStyle/>
+          <a:p>
+            <a:fld id="{4E4388CE-8408-4C4D-B35A-15C296EFDD48}" type="slidenum">
+              <a:rPr lang="en-US" smtClean="0"/>
+              <a:t>4</a:t>
+            </a:fld>
+            <a:endParaRPr lang="en-US"/>
+          </a:p>
+        </p:txBody>
+      </p:sp>
     </p:spTree>
     <p:extLst>
       <p:ext uri="{BB962C8B-B14F-4D97-AF65-F5344CB8AC3E}">
@@ -5952,7 +5892,7 @@
                 <a:latin typeface="Times New Roman" panose="02020603050405020304" pitchFamily="18" charset="0"/>
                 <a:cs typeface="Times New Roman" panose="02020603050405020304" pitchFamily="18" charset="0"/>
               </a:rPr>
-              <a:t>Forest</a:t>
+              <a:t>Soybean</a:t>
             </a:r>
           </a:p>
         </p:txBody>
@@ -6020,7 +5960,7 @@
     </p:spTree>
     <p:extLst>
       <p:ext uri="{BB962C8B-B14F-4D97-AF65-F5344CB8AC3E}">
-        <p14:creationId xmlns:p14="http://schemas.microsoft.com/office/powerpoint/2010/main" val="3621393779"/>
+        <p14:creationId xmlns:p14="http://schemas.microsoft.com/office/powerpoint/2010/main" val="4079163455"/>
       </p:ext>
     </p:extLst>
   </p:cSld>
@@ -6052,7 +5992,7 @@
           <p:cNvPr id="6" name="Picture 5">
             <a:extLst>
               <a:ext uri="{FF2B5EF4-FFF2-40B4-BE49-F238E27FC236}">
-                <a16:creationId xmlns:a16="http://schemas.microsoft.com/office/drawing/2014/main" id="{F6D515F0-8163-4991-8044-21627D730636}"/>
+                <a16:creationId xmlns:a16="http://schemas.microsoft.com/office/drawing/2014/main" id="{C8BD2EF3-A665-4E23-B38D-C79A802E9FC2}"/>
               </a:ext>
             </a:extLst>
           </p:cNvPr>
@@ -6069,7 +6009,7 @@
         </p:blipFill>
         <p:spPr>
           <a:xfrm>
-            <a:off x="1740269" y="986917"/>
+            <a:off x="1947672" y="1134491"/>
             <a:ext cx="8345115" cy="5586984"/>
           </a:xfrm>
           <a:prstGeom prst="rect">
@@ -6110,7 +6050,7 @@
                 <a:latin typeface="Times New Roman" panose="02020603050405020304" pitchFamily="18" charset="0"/>
                 <a:cs typeface="Times New Roman" panose="02020603050405020304" pitchFamily="18" charset="0"/>
               </a:rPr>
-              <a:t>Presence Agreement graphic using Forest class</a:t>
+              <a:t>Presence Agreement graphic using Soybean class</a:t>
             </a:r>
           </a:p>
         </p:txBody>
@@ -6147,7 +6087,7 @@
     </p:spTree>
     <p:extLst>
       <p:ext uri="{BB962C8B-B14F-4D97-AF65-F5344CB8AC3E}">
-        <p14:creationId xmlns:p14="http://schemas.microsoft.com/office/powerpoint/2010/main" val="1937715002"/>
+        <p14:creationId xmlns:p14="http://schemas.microsoft.com/office/powerpoint/2010/main" val="3250680552"/>
       </p:ext>
     </p:extLst>
   </p:cSld>
@@ -6174,12 +6114,79 @@
           <a:chExt cx="0" cy="0"/>
         </a:xfrm>
       </p:grpSpPr>
+      <p:sp>
+        <p:nvSpPr>
+          <p:cNvPr id="8" name="TextBox 7">
+            <a:extLst>
+              <a:ext uri="{FF2B5EF4-FFF2-40B4-BE49-F238E27FC236}">
+                <a16:creationId xmlns:a16="http://schemas.microsoft.com/office/drawing/2014/main" id="{7B317ED1-98FF-4CEC-875C-811749FDBE2E}"/>
+              </a:ext>
+            </a:extLst>
+          </p:cNvPr>
+          <p:cNvSpPr txBox="1"/>
+          <p:nvPr/>
+        </p:nvSpPr>
+        <p:spPr>
+          <a:xfrm>
+            <a:off x="316523" y="362930"/>
+            <a:ext cx="10691446" cy="584775"/>
+          </a:xfrm>
+          <a:prstGeom prst="rect">
+            <a:avLst/>
+          </a:prstGeom>
+          <a:noFill/>
+        </p:spPr>
+        <p:txBody>
+          <a:bodyPr wrap="square" rtlCol="0">
+            <a:spAutoFit/>
+          </a:bodyPr>
+          <a:lstStyle/>
+          <a:p>
+            <a:r>
+              <a:rPr lang="en-US" sz="3200" dirty="0">
+                <a:latin typeface="Times New Roman" panose="02020603050405020304" pitchFamily="18" charset="0"/>
+                <a:cs typeface="Times New Roman" panose="02020603050405020304" pitchFamily="18" charset="0"/>
+              </a:rPr>
+              <a:t>Gross Losses and Gross Gains graphics using Soybean class</a:t>
+            </a:r>
+          </a:p>
+        </p:txBody>
+      </p:sp>
+      <p:sp>
+        <p:nvSpPr>
+          <p:cNvPr id="9" name="Slide Number Placeholder 8">
+            <a:extLst>
+              <a:ext uri="{FF2B5EF4-FFF2-40B4-BE49-F238E27FC236}">
+                <a16:creationId xmlns:a16="http://schemas.microsoft.com/office/drawing/2014/main" id="{9C58E193-3EFA-4C21-AE87-0AD31F80AF89}"/>
+              </a:ext>
+            </a:extLst>
+          </p:cNvPr>
+          <p:cNvSpPr>
+            <a:spLocks noGrp="1"/>
+          </p:cNvSpPr>
+          <p:nvPr>
+            <p:ph type="sldNum" sz="quarter" idx="12"/>
+          </p:nvPr>
+        </p:nvSpPr>
+        <p:spPr/>
+        <p:txBody>
+          <a:bodyPr/>
+          <a:lstStyle/>
+          <a:p>
+            <a:fld id="{4E4388CE-8408-4C4D-B35A-15C296EFDD48}" type="slidenum">
+              <a:rPr lang="en-US" smtClean="0"/>
+              <a:t>7</a:t>
+            </a:fld>
+            <a:endParaRPr lang="en-US"/>
+          </a:p>
+        </p:txBody>
+      </p:sp>
       <p:pic>
         <p:nvPicPr>
           <p:cNvPr id="6" name="Picture 5">
             <a:extLst>
               <a:ext uri="{FF2B5EF4-FFF2-40B4-BE49-F238E27FC236}">
-                <a16:creationId xmlns:a16="http://schemas.microsoft.com/office/drawing/2014/main" id="{B309D27E-401F-42EA-A419-5A12AEF8A33F}"/>
+                <a16:creationId xmlns:a16="http://schemas.microsoft.com/office/drawing/2014/main" id="{194F7757-3A9D-4B45-BDFF-C427F5D7CDA1}"/>
               </a:ext>
             </a:extLst>
           </p:cNvPr>
@@ -6196,85 +6203,48 @@
         </p:blipFill>
         <p:spPr>
           <a:xfrm>
-            <a:off x="896801" y="1133221"/>
-            <a:ext cx="10840653" cy="5586984"/>
+            <a:off x="639961" y="1061992"/>
+            <a:ext cx="10912078" cy="5586984"/>
           </a:xfrm>
           <a:prstGeom prst="rect">
             <a:avLst/>
           </a:prstGeom>
         </p:spPr>
       </p:pic>
-      <p:sp>
-        <p:nvSpPr>
-          <p:cNvPr id="8" name="TextBox 7">
-            <a:extLst>
-              <a:ext uri="{FF2B5EF4-FFF2-40B4-BE49-F238E27FC236}">
-                <a16:creationId xmlns:a16="http://schemas.microsoft.com/office/drawing/2014/main" id="{7B317ED1-98FF-4CEC-875C-811749FDBE2E}"/>
-              </a:ext>
-            </a:extLst>
-          </p:cNvPr>
-          <p:cNvSpPr txBox="1"/>
+      <p:pic>
+        <p:nvPicPr>
+          <p:cNvPr id="10" name="Picture 9">
+            <a:extLst>
+              <a:ext uri="{FF2B5EF4-FFF2-40B4-BE49-F238E27FC236}">
+                <a16:creationId xmlns:a16="http://schemas.microsoft.com/office/drawing/2014/main" id="{E89DE128-F67E-4482-B504-330EDD4591BA}"/>
+              </a:ext>
+            </a:extLst>
+          </p:cNvPr>
+          <p:cNvPicPr>
+            <a:picLocks noChangeAspect="1"/>
+          </p:cNvPicPr>
           <p:nvPr/>
-        </p:nvSpPr>
+        </p:nvPicPr>
+        <p:blipFill>
+          <a:blip r:embed="rId3"/>
+          <a:stretch>
+            <a:fillRect/>
+          </a:stretch>
+        </p:blipFill>
         <p:spPr>
           <a:xfrm>
-            <a:off x="316523" y="362930"/>
-            <a:ext cx="10691446" cy="584775"/>
+            <a:off x="676656" y="1133856"/>
+            <a:ext cx="10912078" cy="5586984"/>
           </a:xfrm>
           <a:prstGeom prst="rect">
             <a:avLst/>
           </a:prstGeom>
-          <a:noFill/>
         </p:spPr>
-        <p:txBody>
-          <a:bodyPr wrap="square" rtlCol="0">
-            <a:spAutoFit/>
-          </a:bodyPr>
-          <a:lstStyle/>
-          <a:p>
-            <a:r>
-              <a:rPr lang="en-US" sz="3200" dirty="0">
-                <a:latin typeface="Times New Roman" panose="02020603050405020304" pitchFamily="18" charset="0"/>
-                <a:cs typeface="Times New Roman" panose="02020603050405020304" pitchFamily="18" charset="0"/>
-              </a:rPr>
-              <a:t>Gross Losses and Gross Gains graphics using Forest class</a:t>
-            </a:r>
-          </a:p>
-        </p:txBody>
-      </p:sp>
-      <p:sp>
-        <p:nvSpPr>
-          <p:cNvPr id="9" name="Slide Number Placeholder 8">
-            <a:extLst>
-              <a:ext uri="{FF2B5EF4-FFF2-40B4-BE49-F238E27FC236}">
-                <a16:creationId xmlns:a16="http://schemas.microsoft.com/office/drawing/2014/main" id="{9C58E193-3EFA-4C21-AE87-0AD31F80AF89}"/>
-              </a:ext>
-            </a:extLst>
-          </p:cNvPr>
-          <p:cNvSpPr>
-            <a:spLocks noGrp="1"/>
-          </p:cNvSpPr>
-          <p:nvPr>
-            <p:ph type="sldNum" sz="quarter" idx="12"/>
-          </p:nvPr>
-        </p:nvSpPr>
-        <p:spPr/>
-        <p:txBody>
-          <a:bodyPr/>
-          <a:lstStyle/>
-          <a:p>
-            <a:fld id="{4E4388CE-8408-4C4D-B35A-15C296EFDD48}" type="slidenum">
-              <a:rPr lang="en-US" smtClean="0"/>
-              <a:t>7</a:t>
-            </a:fld>
-            <a:endParaRPr lang="en-US"/>
-          </a:p>
-        </p:txBody>
-      </p:sp>
+      </p:pic>
     </p:spTree>
     <p:extLst>
       <p:ext uri="{BB962C8B-B14F-4D97-AF65-F5344CB8AC3E}">
-        <p14:creationId xmlns:p14="http://schemas.microsoft.com/office/powerpoint/2010/main" val="56306516"/>
+        <p14:creationId xmlns:p14="http://schemas.microsoft.com/office/powerpoint/2010/main" val="1472412381"/>
       </p:ext>
     </p:extLst>
   </p:cSld>
@@ -6303,10 +6273,10 @@
       </p:grpSpPr>
       <p:pic>
         <p:nvPicPr>
-          <p:cNvPr id="9" name="Picture 8">
-            <a:extLst>
-              <a:ext uri="{FF2B5EF4-FFF2-40B4-BE49-F238E27FC236}">
-                <a16:creationId xmlns:a16="http://schemas.microsoft.com/office/drawing/2014/main" id="{569084B6-159B-4D71-BB1F-46BC606738E1}"/>
+          <p:cNvPr id="5" name="Picture 4">
+            <a:extLst>
+              <a:ext uri="{FF2B5EF4-FFF2-40B4-BE49-F238E27FC236}">
+                <a16:creationId xmlns:a16="http://schemas.microsoft.com/office/drawing/2014/main" id="{8A4EF27B-EC5C-4C15-AA99-278B0F12F0BB}"/>
               </a:ext>
             </a:extLst>
           </p:cNvPr>
@@ -6323,8 +6293,8 @@
         </p:blipFill>
         <p:spPr>
           <a:xfrm>
-            <a:off x="896801" y="1133221"/>
-            <a:ext cx="10777165" cy="5586984"/>
+            <a:off x="671705" y="1134491"/>
+            <a:ext cx="10848590" cy="5586984"/>
           </a:xfrm>
           <a:prstGeom prst="rect">
             <a:avLst/>
@@ -6333,10 +6303,10 @@
       </p:pic>
       <p:sp>
         <p:nvSpPr>
-          <p:cNvPr id="2" name="Slide Number Placeholder 1">
-            <a:extLst>
-              <a:ext uri="{FF2B5EF4-FFF2-40B4-BE49-F238E27FC236}">
-                <a16:creationId xmlns:a16="http://schemas.microsoft.com/office/drawing/2014/main" id="{A32597C8-E9B4-4015-8C25-70C57DD47501}"/>
+          <p:cNvPr id="9" name="Slide Number Placeholder 8">
+            <a:extLst>
+              <a:ext uri="{FF2B5EF4-FFF2-40B4-BE49-F238E27FC236}">
+                <a16:creationId xmlns:a16="http://schemas.microsoft.com/office/drawing/2014/main" id="{9C58E193-3EFA-4C21-AE87-0AD31F80AF89}"/>
               </a:ext>
             </a:extLst>
           </p:cNvPr>
@@ -6362,10 +6332,10 @@
       </p:sp>
       <p:sp>
         <p:nvSpPr>
-          <p:cNvPr id="7" name="TextBox 6">
-            <a:extLst>
-              <a:ext uri="{FF2B5EF4-FFF2-40B4-BE49-F238E27FC236}">
-                <a16:creationId xmlns:a16="http://schemas.microsoft.com/office/drawing/2014/main" id="{321A085E-4272-4160-8E78-B3191871F9CE}"/>
+          <p:cNvPr id="10" name="TextBox 9">
+            <a:extLst>
+              <a:ext uri="{FF2B5EF4-FFF2-40B4-BE49-F238E27FC236}">
+                <a16:creationId xmlns:a16="http://schemas.microsoft.com/office/drawing/2014/main" id="{2A51FB31-BA6A-4EAE-A15A-FDFB4FE751B3}"/>
               </a:ext>
             </a:extLst>
           </p:cNvPr>
@@ -6393,7 +6363,7 @@
                 <a:latin typeface="Times New Roman" panose="02020603050405020304" pitchFamily="18" charset="0"/>
                 <a:cs typeface="Times New Roman" panose="02020603050405020304" pitchFamily="18" charset="0"/>
               </a:rPr>
-              <a:t>Net Losses and Net Gains graphics using Savanna class</a:t>
+              <a:t>Net Losses and Net Gains graphics using Soybean class</a:t>
             </a:r>
           </a:p>
         </p:txBody>
@@ -6401,7 +6371,7 @@
     </p:spTree>
     <p:extLst>
       <p:ext uri="{BB962C8B-B14F-4D97-AF65-F5344CB8AC3E}">
-        <p14:creationId xmlns:p14="http://schemas.microsoft.com/office/powerpoint/2010/main" val="1317767297"/>
+        <p14:creationId xmlns:p14="http://schemas.microsoft.com/office/powerpoint/2010/main" val="1128202069"/>
       </p:ext>
     </p:extLst>
   </p:cSld>
@@ -6433,7 +6403,7 @@
           <p:cNvPr id="8" name="Picture 7">
             <a:extLst>
               <a:ext uri="{FF2B5EF4-FFF2-40B4-BE49-F238E27FC236}">
-                <a16:creationId xmlns:a16="http://schemas.microsoft.com/office/drawing/2014/main" id="{4BDDA274-ACB4-4CFC-8BBA-ECA607E35D8A}"/>
+                <a16:creationId xmlns:a16="http://schemas.microsoft.com/office/drawing/2014/main" id="{D2D29350-5110-40DF-BE0B-64CFF05FAE74}"/>
               </a:ext>
             </a:extLst>
           </p:cNvPr>
@@ -6450,8 +6420,8 @@
         </p:blipFill>
         <p:spPr>
           <a:xfrm>
-            <a:off x="5882556" y="0"/>
-            <a:ext cx="5970961" cy="6858000"/>
+            <a:off x="5844609" y="0"/>
+            <a:ext cx="6063637" cy="6858000"/>
           </a:xfrm>
           <a:prstGeom prst="rect">
             <a:avLst/>
@@ -6463,7 +6433,7 @@
           <p:cNvPr id="5" name="Picture 4">
             <a:extLst>
               <a:ext uri="{FF2B5EF4-FFF2-40B4-BE49-F238E27FC236}">
-                <a16:creationId xmlns:a16="http://schemas.microsoft.com/office/drawing/2014/main" id="{87E76281-CE51-4BAD-B85F-02D7F0E2519E}"/>
+                <a16:creationId xmlns:a16="http://schemas.microsoft.com/office/drawing/2014/main" id="{FA026EFF-A4DE-4759-97F1-99FCBD795DA9}"/>
               </a:ext>
             </a:extLst>
           </p:cNvPr>
@@ -6517,10 +6487,40 @@
           </a:p>
         </p:txBody>
       </p:sp>
+      <p:pic>
+        <p:nvPicPr>
+          <p:cNvPr id="4" name="Picture 3">
+            <a:extLst>
+              <a:ext uri="{FF2B5EF4-FFF2-40B4-BE49-F238E27FC236}">
+                <a16:creationId xmlns:a16="http://schemas.microsoft.com/office/drawing/2014/main" id="{902BF800-FC33-46ED-BD56-F8D08747C2DC}"/>
+              </a:ext>
+            </a:extLst>
+          </p:cNvPr>
+          <p:cNvPicPr>
+            <a:picLocks noChangeAspect="1"/>
+          </p:cNvPicPr>
+          <p:nvPr/>
+        </p:nvPicPr>
+        <p:blipFill>
+          <a:blip r:embed="rId4"/>
+          <a:stretch>
+            <a:fillRect/>
+          </a:stretch>
+        </p:blipFill>
+        <p:spPr>
+          <a:xfrm>
+            <a:off x="879841" y="0"/>
+            <a:ext cx="4964768" cy="6858000"/>
+          </a:xfrm>
+          <a:prstGeom prst="rect">
+            <a:avLst/>
+          </a:prstGeom>
+        </p:spPr>
+      </p:pic>
     </p:spTree>
     <p:extLst>
       <p:ext uri="{BB962C8B-B14F-4D97-AF65-F5344CB8AC3E}">
-        <p14:creationId xmlns:p14="http://schemas.microsoft.com/office/powerpoint/2010/main" val="1402880380"/>
+        <p14:creationId xmlns:p14="http://schemas.microsoft.com/office/powerpoint/2010/main" val="361585241"/>
       </p:ext>
     </p:extLst>
   </p:cSld>

--- a/validation_results.pptx
+++ b/validation_results.pptx
@@ -219,7 +219,7 @@
           <a:p>
             <a:fld id="{45E6649E-9A8E-422B-B24E-DB4BFF164051}" type="datetimeFigureOut">
               <a:rPr lang="en-US" smtClean="0"/>
-              <a:t>8/6/2025</a:t>
+              <a:t>8/7/2025</a:t>
             </a:fld>
             <a:endParaRPr lang="en-US"/>
           </a:p>
@@ -633,7 +633,7 @@
           <a:p>
             <a:fld id="{6107D1DB-75BF-4160-8443-3D68D9EE6D63}" type="datetime1">
               <a:rPr lang="en-US" smtClean="0"/>
-              <a:t>8/6/2025</a:t>
+              <a:t>8/7/2025</a:t>
             </a:fld>
             <a:endParaRPr lang="en-US"/>
           </a:p>
@@ -831,7 +831,7 @@
           <a:p>
             <a:fld id="{1D71F3DB-A418-4B11-A5C9-DDE3A90E6B79}" type="datetime1">
               <a:rPr lang="en-US" smtClean="0"/>
-              <a:t>8/6/2025</a:t>
+              <a:t>8/7/2025</a:t>
             </a:fld>
             <a:endParaRPr lang="en-US"/>
           </a:p>
@@ -1039,7 +1039,7 @@
           <a:p>
             <a:fld id="{A712BFCA-0293-496E-B74F-46BB799AF43C}" type="datetime1">
               <a:rPr lang="en-US" smtClean="0"/>
-              <a:t>8/6/2025</a:t>
+              <a:t>8/7/2025</a:t>
             </a:fld>
             <a:endParaRPr lang="en-US"/>
           </a:p>
@@ -1237,7 +1237,7 @@
           <a:p>
             <a:fld id="{E54AE16B-A67F-45EB-A1E1-5D2E472CD9B9}" type="datetime1">
               <a:rPr lang="en-US" smtClean="0"/>
-              <a:t>8/6/2025</a:t>
+              <a:t>8/7/2025</a:t>
             </a:fld>
             <a:endParaRPr lang="en-US"/>
           </a:p>
@@ -1512,7 +1512,7 @@
           <a:p>
             <a:fld id="{9A2321D0-1716-4344-9325-DF672DFAF1F3}" type="datetime1">
               <a:rPr lang="en-US" smtClean="0"/>
-              <a:t>8/6/2025</a:t>
+              <a:t>8/7/2025</a:t>
             </a:fld>
             <a:endParaRPr lang="en-US"/>
           </a:p>
@@ -1777,7 +1777,7 @@
           <a:p>
             <a:fld id="{29B46B06-0C75-4C62-AF6B-10BED3EBE226}" type="datetime1">
               <a:rPr lang="en-US" smtClean="0"/>
-              <a:t>8/6/2025</a:t>
+              <a:t>8/7/2025</a:t>
             </a:fld>
             <a:endParaRPr lang="en-US"/>
           </a:p>
@@ -2189,7 +2189,7 @@
           <a:p>
             <a:fld id="{565259A9-176F-4BD0-B4AC-A377C89EBE2A}" type="datetime1">
               <a:rPr lang="en-US" smtClean="0"/>
-              <a:t>8/6/2025</a:t>
+              <a:t>8/7/2025</a:t>
             </a:fld>
             <a:endParaRPr lang="en-US"/>
           </a:p>
@@ -2330,7 +2330,7 @@
           <a:p>
             <a:fld id="{04D72311-A2DA-4C37-8940-DBB3AA3B80C6}" type="datetime1">
               <a:rPr lang="en-US" smtClean="0"/>
-              <a:t>8/6/2025</a:t>
+              <a:t>8/7/2025</a:t>
             </a:fld>
             <a:endParaRPr lang="en-US"/>
           </a:p>
@@ -2443,7 +2443,7 @@
           <a:p>
             <a:fld id="{0550C383-2E11-40B7-AA89-98AB224D34CC}" type="datetime1">
               <a:rPr lang="en-US" smtClean="0"/>
-              <a:t>8/6/2025</a:t>
+              <a:t>8/7/2025</a:t>
             </a:fld>
             <a:endParaRPr lang="en-US"/>
           </a:p>
@@ -2754,7 +2754,7 @@
           <a:p>
             <a:fld id="{AE2E9B79-8A1E-4881-9DCD-8B9CB59E2A4F}" type="datetime1">
               <a:rPr lang="en-US" smtClean="0"/>
-              <a:t>8/6/2025</a:t>
+              <a:t>8/7/2025</a:t>
             </a:fld>
             <a:endParaRPr lang="en-US"/>
           </a:p>
@@ -3042,7 +3042,7 @@
           <a:p>
             <a:fld id="{8986B0B8-2F97-4340-AFDE-113547E522B3}" type="datetime1">
               <a:rPr lang="en-US" smtClean="0"/>
-              <a:t>8/6/2025</a:t>
+              <a:t>8/7/2025</a:t>
             </a:fld>
             <a:endParaRPr lang="en-US"/>
           </a:p>
@@ -3283,7 +3283,7 @@
           <a:p>
             <a:fld id="{A1FEB2F6-0EEB-4518-A185-6035627DD751}" type="datetime1">
               <a:rPr lang="en-US" smtClean="0"/>
-              <a:t>8/6/2025</a:t>
+              <a:t>8/7/2025</a:t>
             </a:fld>
             <a:endParaRPr lang="en-US"/>
           </a:p>
